--- a/dominance in dialogue/figs/utterances speaker heare.pptx
+++ b/dominance in dialogue/figs/utterances speaker heare.pptx
@@ -5,13 +5,14 @@
     <p:sldMasterId id="2147483648" r:id="rId1"/>
   </p:sldMasterIdLst>
   <p:sldIdLst>
-    <p:sldId id="259" r:id="rId2"/>
-    <p:sldId id="257" r:id="rId3"/>
-    <p:sldId id="258" r:id="rId4"/>
-    <p:sldId id="262" r:id="rId5"/>
-    <p:sldId id="256" r:id="rId6"/>
-    <p:sldId id="261" r:id="rId7"/>
-    <p:sldId id="260" r:id="rId8"/>
+    <p:sldId id="263" r:id="rId2"/>
+    <p:sldId id="259" r:id="rId3"/>
+    <p:sldId id="257" r:id="rId4"/>
+    <p:sldId id="258" r:id="rId5"/>
+    <p:sldId id="262" r:id="rId6"/>
+    <p:sldId id="256" r:id="rId7"/>
+    <p:sldId id="261" r:id="rId8"/>
+    <p:sldId id="260" r:id="rId9"/>
   </p:sldIdLst>
   <p:sldSz cx="9144000" cy="6858000" type="screen4x3"/>
   <p:notesSz cx="6858000" cy="9144000"/>
@@ -112,7 +113,7 @@
   </p:defaultTextStyle>
   <p:extLst>
     <p:ext uri="{EFAFB233-063F-42B5-8137-9DF3F51BA10A}">
-      <p15:sldGuideLst xmlns:p15="http://schemas.microsoft.com/office/powerpoint/2012/main">
+      <p15:sldGuideLst xmlns="" xmlns:p15="http://schemas.microsoft.com/office/powerpoint/2012/main">
         <p15:guide id="1" orient="horz" pos="2160">
           <p15:clr>
             <a:srgbClr val="A4A3A4"/>
@@ -310,7 +311,7 @@
           <a:p>
             <a:fld id="{996AD471-483E-42FA-AD43-6CE37FA07CFA}" type="datetimeFigureOut">
               <a:rPr lang="fr-FR" smtClean="0"/>
-              <a:t>02/02/2016</a:t>
+              <a:t>24/03/2016</a:t>
             </a:fld>
             <a:endParaRPr lang="fr-FR"/>
           </a:p>
@@ -480,7 +481,7 @@
           <a:p>
             <a:fld id="{996AD471-483E-42FA-AD43-6CE37FA07CFA}" type="datetimeFigureOut">
               <a:rPr lang="fr-FR" smtClean="0"/>
-              <a:t>02/02/2016</a:t>
+              <a:t>24/03/2016</a:t>
             </a:fld>
             <a:endParaRPr lang="fr-FR"/>
           </a:p>
@@ -660,7 +661,7 @@
           <a:p>
             <a:fld id="{996AD471-483E-42FA-AD43-6CE37FA07CFA}" type="datetimeFigureOut">
               <a:rPr lang="fr-FR" smtClean="0"/>
-              <a:t>02/02/2016</a:t>
+              <a:t>24/03/2016</a:t>
             </a:fld>
             <a:endParaRPr lang="fr-FR"/>
           </a:p>
@@ -830,7 +831,7 @@
           <a:p>
             <a:fld id="{996AD471-483E-42FA-AD43-6CE37FA07CFA}" type="datetimeFigureOut">
               <a:rPr lang="fr-FR" smtClean="0"/>
-              <a:t>02/02/2016</a:t>
+              <a:t>24/03/2016</a:t>
             </a:fld>
             <a:endParaRPr lang="fr-FR"/>
           </a:p>
@@ -1076,7 +1077,7 @@
           <a:p>
             <a:fld id="{996AD471-483E-42FA-AD43-6CE37FA07CFA}" type="datetimeFigureOut">
               <a:rPr lang="fr-FR" smtClean="0"/>
-              <a:t>02/02/2016</a:t>
+              <a:t>24/03/2016</a:t>
             </a:fld>
             <a:endParaRPr lang="fr-FR"/>
           </a:p>
@@ -1364,7 +1365,7 @@
           <a:p>
             <a:fld id="{996AD471-483E-42FA-AD43-6CE37FA07CFA}" type="datetimeFigureOut">
               <a:rPr lang="fr-FR" smtClean="0"/>
-              <a:t>02/02/2016</a:t>
+              <a:t>24/03/2016</a:t>
             </a:fld>
             <a:endParaRPr lang="fr-FR"/>
           </a:p>
@@ -1786,7 +1787,7 @@
           <a:p>
             <a:fld id="{996AD471-483E-42FA-AD43-6CE37FA07CFA}" type="datetimeFigureOut">
               <a:rPr lang="fr-FR" smtClean="0"/>
-              <a:t>02/02/2016</a:t>
+              <a:t>24/03/2016</a:t>
             </a:fld>
             <a:endParaRPr lang="fr-FR"/>
           </a:p>
@@ -1904,7 +1905,7 @@
           <a:p>
             <a:fld id="{996AD471-483E-42FA-AD43-6CE37FA07CFA}" type="datetimeFigureOut">
               <a:rPr lang="fr-FR" smtClean="0"/>
-              <a:t>02/02/2016</a:t>
+              <a:t>24/03/2016</a:t>
             </a:fld>
             <a:endParaRPr lang="fr-FR"/>
           </a:p>
@@ -1999,7 +2000,7 @@
           <a:p>
             <a:fld id="{996AD471-483E-42FA-AD43-6CE37FA07CFA}" type="datetimeFigureOut">
               <a:rPr lang="fr-FR" smtClean="0"/>
-              <a:t>02/02/2016</a:t>
+              <a:t>24/03/2016</a:t>
             </a:fld>
             <a:endParaRPr lang="fr-FR"/>
           </a:p>
@@ -2276,7 +2277,7 @@
           <a:p>
             <a:fld id="{996AD471-483E-42FA-AD43-6CE37FA07CFA}" type="datetimeFigureOut">
               <a:rPr lang="fr-FR" smtClean="0"/>
-              <a:t>02/02/2016</a:t>
+              <a:t>24/03/2016</a:t>
             </a:fld>
             <a:endParaRPr lang="fr-FR"/>
           </a:p>
@@ -2529,7 +2530,7 @@
           <a:p>
             <a:fld id="{996AD471-483E-42FA-AD43-6CE37FA07CFA}" type="datetimeFigureOut">
               <a:rPr lang="fr-FR" smtClean="0"/>
-              <a:t>02/02/2016</a:t>
+              <a:t>24/03/2016</a:t>
             </a:fld>
             <a:endParaRPr lang="fr-FR"/>
           </a:p>
@@ -2742,7 +2743,7 @@
           <a:p>
             <a:fld id="{996AD471-483E-42FA-AD43-6CE37FA07CFA}" type="datetimeFigureOut">
               <a:rPr lang="fr-FR" smtClean="0"/>
-              <a:t>02/02/2016</a:t>
+              <a:t>24/03/2016</a:t>
             </a:fld>
             <a:endParaRPr lang="fr-FR"/>
           </a:p>
@@ -3119,276 +3120,144 @@
       </p:grpSpPr>
       <p:sp>
         <p:nvSpPr>
-          <p:cNvPr id="4" name="ZoneTexte 3"/>
-          <p:cNvSpPr txBox="1"/>
-          <p:nvPr/>
-        </p:nvSpPr>
-        <p:spPr>
-          <a:xfrm>
-            <a:off x="3311860" y="1628800"/>
-            <a:ext cx="1872208" cy="369332"/>
+          <p:cNvPr id="4" name="Rectangle 3"/>
+          <p:cNvSpPr/>
+          <p:nvPr/>
+        </p:nvSpPr>
+        <p:spPr>
+          <a:xfrm>
+            <a:off x="750210" y="620688"/>
+            <a:ext cx="4757893" cy="914400"/>
           </a:xfrm>
           <a:prstGeom prst="rect">
             <a:avLst/>
           </a:prstGeom>
-          <a:noFill/>
-          <a:ln>
-            <a:solidFill>
-              <a:schemeClr val="tx1"/>
-            </a:solidFill>
-          </a:ln>
-        </p:spPr>
-        <p:txBody>
-          <a:bodyPr wrap="square" rtlCol="0">
-            <a:spAutoFit/>
-          </a:bodyPr>
-          <a:lstStyle/>
-          <a:p>
-            <a:pPr algn="ctr"/>
-            <a:r>
-              <a:rPr lang="fr-FR" dirty="0" err="1" smtClean="0"/>
-              <a:t>Ask.Preference</a:t>
-            </a:r>
-            <a:r>
-              <a:rPr lang="fr-FR" dirty="0" smtClean="0"/>
-              <a:t>(X)</a:t>
-            </a:r>
-            <a:endParaRPr lang="fr-FR" dirty="0"/>
-          </a:p>
-        </p:txBody>
-      </p:sp>
-      <p:sp>
-        <p:nvSpPr>
-          <p:cNvPr id="5" name="ZoneTexte 4"/>
-          <p:cNvSpPr txBox="1"/>
-          <p:nvPr/>
-        </p:nvSpPr>
-        <p:spPr>
-          <a:xfrm>
-            <a:off x="3311860" y="3862804"/>
-            <a:ext cx="1980220" cy="369332"/>
-          </a:xfrm>
-          <a:prstGeom prst="rect">
-            <a:avLst/>
-          </a:prstGeom>
-          <a:noFill/>
-          <a:ln>
-            <a:solidFill>
-              <a:schemeClr val="tx1"/>
-            </a:solidFill>
-          </a:ln>
-        </p:spPr>
-        <p:txBody>
-          <a:bodyPr wrap="square" rtlCol="0">
-            <a:spAutoFit/>
-          </a:bodyPr>
-          <a:lstStyle/>
-          <a:p>
-            <a:pPr algn="ctr"/>
-            <a:r>
-              <a:rPr lang="fr-FR" dirty="0" err="1" smtClean="0"/>
-              <a:t>State.Preference</a:t>
-            </a:r>
-            <a:r>
-              <a:rPr lang="fr-FR" dirty="0" smtClean="0"/>
-              <a:t>(X) </a:t>
-            </a:r>
-            <a:endParaRPr lang="fr-FR" dirty="0"/>
-          </a:p>
-        </p:txBody>
-      </p:sp>
-      <p:cxnSp>
-        <p:nvCxnSpPr>
-          <p:cNvPr id="7" name="Connecteur droit avec flèche 6"/>
-          <p:cNvCxnSpPr>
-            <a:stCxn id="4" idx="2"/>
-            <a:endCxn id="5" idx="0"/>
-          </p:cNvCxnSpPr>
-          <p:nvPr/>
-        </p:nvCxnSpPr>
-        <p:spPr>
-          <a:xfrm>
-            <a:off x="4247964" y="1998132"/>
-            <a:ext cx="54006" cy="1864672"/>
-          </a:xfrm>
-          <a:prstGeom prst="straightConnector1">
-            <a:avLst/>
-          </a:prstGeom>
-          <a:ln>
-            <a:tailEnd type="arrow"/>
-          </a:ln>
         </p:spPr>
         <p:style>
-          <a:lnRef idx="1">
-            <a:schemeClr val="dk1"/>
+          <a:lnRef idx="2">
+            <a:schemeClr val="accent1">
+              <a:shade val="50000"/>
+            </a:schemeClr>
           </a:lnRef>
-          <a:fillRef idx="0">
-            <a:schemeClr val="dk1"/>
+          <a:fillRef idx="1">
+            <a:schemeClr val="accent1"/>
           </a:fillRef>
           <a:effectRef idx="0">
-            <a:schemeClr val="dk1"/>
+            <a:schemeClr val="accent1"/>
           </a:effectRef>
           <a:fontRef idx="minor">
-            <a:schemeClr val="tx1"/>
+            <a:schemeClr val="lt1"/>
           </a:fontRef>
         </p:style>
-      </p:cxnSp>
-      <p:sp>
-        <p:nvSpPr>
-          <p:cNvPr id="8" name="ZoneTexte 7"/>
-          <p:cNvSpPr txBox="1"/>
-          <p:nvPr/>
-        </p:nvSpPr>
-        <p:spPr>
-          <a:xfrm>
-            <a:off x="6156177" y="3862804"/>
-            <a:ext cx="1296144" cy="369332"/>
+        <p:txBody>
+          <a:bodyPr rtlCol="0" anchor="ctr"/>
+          <a:lstStyle/>
+          <a:p>
+            <a:pPr algn="ctr"/>
+            <a:r>
+              <a:rPr lang="fr-FR" dirty="0" smtClean="0"/>
+              <a:t>Condition d’applicabilité liée à la RI</a:t>
+            </a:r>
+            <a:endParaRPr lang="fr-FR" dirty="0"/>
+          </a:p>
+        </p:txBody>
+      </p:sp>
+      <p:sp>
+        <p:nvSpPr>
+          <p:cNvPr id="5" name="Rectangle 4"/>
+          <p:cNvSpPr/>
+          <p:nvPr/>
+        </p:nvSpPr>
+        <p:spPr>
+          <a:xfrm>
+            <a:off x="740767" y="2060848"/>
+            <a:ext cx="4757893" cy="914400"/>
           </a:xfrm>
           <a:prstGeom prst="rect">
             <a:avLst/>
           </a:prstGeom>
-          <a:noFill/>
-          <a:ln>
-            <a:solidFill>
-              <a:schemeClr val="tx1"/>
-            </a:solidFill>
-          </a:ln>
-        </p:spPr>
-        <p:txBody>
-          <a:bodyPr wrap="square" rtlCol="0">
-            <a:spAutoFit/>
-          </a:bodyPr>
-          <a:lstStyle/>
-          <a:p>
-            <a:pPr algn="ctr"/>
-            <a:r>
-              <a:rPr lang="fr-FR" dirty="0" smtClean="0"/>
-              <a:t>Propose </a:t>
-            </a:r>
-            <a:r>
-              <a:rPr lang="fr-FR" dirty="0" smtClean="0"/>
-              <a:t>(X)</a:t>
-            </a:r>
-            <a:endParaRPr lang="fr-FR" dirty="0"/>
-          </a:p>
-        </p:txBody>
-      </p:sp>
-      <p:cxnSp>
-        <p:nvCxnSpPr>
-          <p:cNvPr id="9" name="Connecteur droit avec flèche 8"/>
-          <p:cNvCxnSpPr>
-            <a:stCxn id="4" idx="2"/>
-            <a:endCxn id="8" idx="0"/>
-          </p:cNvCxnSpPr>
-          <p:nvPr/>
-        </p:nvCxnSpPr>
-        <p:spPr>
-          <a:xfrm>
-            <a:off x="4247964" y="1998132"/>
-            <a:ext cx="2556285" cy="1864672"/>
-          </a:xfrm>
-          <a:prstGeom prst="straightConnector1">
-            <a:avLst/>
-          </a:prstGeom>
-          <a:ln>
-            <a:tailEnd type="arrow"/>
-          </a:ln>
         </p:spPr>
         <p:style>
-          <a:lnRef idx="1">
-            <a:schemeClr val="dk1"/>
+          <a:lnRef idx="2">
+            <a:schemeClr val="accent3">
+              <a:shade val="50000"/>
+            </a:schemeClr>
           </a:lnRef>
-          <a:fillRef idx="0">
-            <a:schemeClr val="dk1"/>
+          <a:fillRef idx="1">
+            <a:schemeClr val="accent3"/>
           </a:fillRef>
           <a:effectRef idx="0">
-            <a:schemeClr val="dk1"/>
+            <a:schemeClr val="accent3"/>
           </a:effectRef>
           <a:fontRef idx="minor">
-            <a:schemeClr val="tx1"/>
+            <a:schemeClr val="lt1"/>
           </a:fontRef>
         </p:style>
-      </p:cxnSp>
-      <p:sp>
-        <p:nvSpPr>
-          <p:cNvPr id="10" name="ZoneTexte 9"/>
-          <p:cNvSpPr txBox="1"/>
-          <p:nvPr/>
-        </p:nvSpPr>
-        <p:spPr>
-          <a:xfrm>
-            <a:off x="791580" y="3862804"/>
-            <a:ext cx="1872208" cy="369332"/>
+        <p:txBody>
+          <a:bodyPr rtlCol="0" anchor="ctr"/>
+          <a:lstStyle/>
+          <a:p>
+            <a:pPr algn="ctr"/>
+            <a:r>
+              <a:rPr lang="fr-FR" dirty="0" smtClean="0"/>
+              <a:t>Condition d’applicabilité autre</a:t>
+            </a:r>
+            <a:endParaRPr lang="fr-FR" dirty="0"/>
+          </a:p>
+        </p:txBody>
+      </p:sp>
+      <p:sp>
+        <p:nvSpPr>
+          <p:cNvPr id="6" name="Rectangle 5"/>
+          <p:cNvSpPr/>
+          <p:nvPr/>
+        </p:nvSpPr>
+        <p:spPr>
+          <a:xfrm>
+            <a:off x="740766" y="3356992"/>
+            <a:ext cx="4757893" cy="914400"/>
           </a:xfrm>
           <a:prstGeom prst="rect">
             <a:avLst/>
           </a:prstGeom>
-          <a:noFill/>
-          <a:ln>
-            <a:solidFill>
-              <a:schemeClr val="tx1"/>
-            </a:solidFill>
-          </a:ln>
-        </p:spPr>
-        <p:txBody>
-          <a:bodyPr wrap="square" rtlCol="0">
-            <a:spAutoFit/>
-          </a:bodyPr>
-          <a:lstStyle/>
-          <a:p>
-            <a:pPr algn="ctr"/>
-            <a:r>
-              <a:rPr lang="fr-FR" dirty="0" err="1" smtClean="0"/>
-              <a:t>Ask.Preference</a:t>
-            </a:r>
-            <a:r>
-              <a:rPr lang="fr-FR" dirty="0" smtClean="0"/>
-              <a:t>(X)</a:t>
-            </a:r>
-            <a:endParaRPr lang="fr-FR" dirty="0"/>
-          </a:p>
-        </p:txBody>
-      </p:sp>
-      <p:cxnSp>
-        <p:nvCxnSpPr>
-          <p:cNvPr id="15" name="Connecteur droit avec flèche 14"/>
-          <p:cNvCxnSpPr>
-            <a:stCxn id="4" idx="2"/>
-            <a:endCxn id="10" idx="0"/>
-          </p:cNvCxnSpPr>
-          <p:nvPr/>
-        </p:nvCxnSpPr>
-        <p:spPr>
-          <a:xfrm flipH="1">
-            <a:off x="1727684" y="1998132"/>
-            <a:ext cx="2520280" cy="1864672"/>
-          </a:xfrm>
-          <a:prstGeom prst="straightConnector1">
-            <a:avLst/>
-          </a:prstGeom>
-          <a:ln>
-            <a:tailEnd type="arrow"/>
-          </a:ln>
         </p:spPr>
         <p:style>
-          <a:lnRef idx="1">
-            <a:schemeClr val="dk1"/>
+          <a:lnRef idx="2">
+            <a:schemeClr val="accent6">
+              <a:shade val="50000"/>
+            </a:schemeClr>
           </a:lnRef>
-          <a:fillRef idx="0">
-            <a:schemeClr val="dk1"/>
+          <a:fillRef idx="1">
+            <a:schemeClr val="accent6"/>
           </a:fillRef>
           <a:effectRef idx="0">
-            <a:schemeClr val="dk1"/>
+            <a:schemeClr val="accent6"/>
           </a:effectRef>
           <a:fontRef idx="minor">
-            <a:schemeClr val="tx1"/>
+            <a:schemeClr val="lt1"/>
           </a:fontRef>
         </p:style>
-      </p:cxnSp>
+        <p:txBody>
+          <a:bodyPr rtlCol="0" anchor="ctr"/>
+          <a:lstStyle/>
+          <a:p>
+            <a:pPr algn="ctr"/>
+            <a:r>
+              <a:rPr lang="fr-FR" dirty="0" smtClean="0"/>
+              <a:t>Input : Dans </a:t>
+            </a:r>
+            <a:r>
+              <a:rPr lang="fr-FR" dirty="0" smtClean="0"/>
+              <a:t>le script</a:t>
+            </a:r>
+            <a:endParaRPr lang="fr-FR" dirty="0"/>
+          </a:p>
+        </p:txBody>
+      </p:sp>
     </p:spTree>
     <p:extLst>
       <p:ext uri="{BB962C8B-B14F-4D97-AF65-F5344CB8AC3E}">
-        <p14:creationId xmlns:p14="http://schemas.microsoft.com/office/powerpoint/2010/main" val="2385910948"/>
+        <p14:creationId xmlns:p14="http://schemas.microsoft.com/office/powerpoint/2010/main" val="2725914564"/>
       </p:ext>
     </p:extLst>
   </p:cSld>
@@ -3417,14 +3286,52 @@
       </p:grpSpPr>
       <p:sp>
         <p:nvSpPr>
+          <p:cNvPr id="23" name="Rectangle à coins arrondis 22"/>
+          <p:cNvSpPr/>
+          <p:nvPr/>
+        </p:nvSpPr>
+        <p:spPr>
+          <a:xfrm>
+            <a:off x="395536" y="3413904"/>
+            <a:ext cx="2916324" cy="2138461"/>
+          </a:xfrm>
+          <a:prstGeom prst="roundRect">
+            <a:avLst/>
+          </a:prstGeom>
+        </p:spPr>
+        <p:style>
+          <a:lnRef idx="1">
+            <a:schemeClr val="dk1"/>
+          </a:lnRef>
+          <a:fillRef idx="2">
+            <a:schemeClr val="dk1"/>
+          </a:fillRef>
+          <a:effectRef idx="1">
+            <a:schemeClr val="dk1"/>
+          </a:effectRef>
+          <a:fontRef idx="minor">
+            <a:schemeClr val="dk1"/>
+          </a:fontRef>
+        </p:style>
+        <p:txBody>
+          <a:bodyPr rtlCol="0" anchor="ctr"/>
+          <a:lstStyle/>
+          <a:p>
+            <a:pPr algn="ctr"/>
+            <a:endParaRPr lang="fr-FR"/>
+          </a:p>
+        </p:txBody>
+      </p:sp>
+      <p:sp>
+        <p:nvSpPr>
           <p:cNvPr id="4" name="ZoneTexte 3"/>
           <p:cNvSpPr txBox="1"/>
           <p:nvPr/>
         </p:nvSpPr>
         <p:spPr>
           <a:xfrm>
-            <a:off x="3419872" y="1412776"/>
-            <a:ext cx="2088232" cy="369332"/>
+            <a:off x="1358643" y="2745802"/>
+            <a:ext cx="3348372" cy="369332"/>
           </a:xfrm>
           <a:prstGeom prst="rect">
             <a:avLst/>
@@ -3445,15 +3352,19 @@
             <a:pPr algn="ctr"/>
             <a:r>
               <a:rPr lang="fr-FR" dirty="0" err="1" smtClean="0"/>
-              <a:t>State.Preference</a:t>
-            </a:r>
-            <a:r>
-              <a:rPr lang="fr-FR" dirty="0" smtClean="0"/>
-              <a:t> (</a:t>
-            </a:r>
-            <a:r>
-              <a:rPr lang="fr-FR" dirty="0" smtClean="0"/>
-              <a:t>X)</a:t>
+              <a:t>Ask.Preference</a:t>
+            </a:r>
+            <a:r>
+              <a:rPr lang="fr-FR" dirty="0" smtClean="0"/>
+              <a:t>(C, </a:t>
+            </a:r>
+            <a:r>
+              <a:rPr lang="fr-FR" dirty="0" err="1" smtClean="0"/>
+              <a:t>less</a:t>
+            </a:r>
+            <a:r>
+              <a:rPr lang="fr-FR" dirty="0" smtClean="0"/>
+              <a:t>, more)</a:t>
             </a:r>
             <a:endParaRPr lang="fr-FR" dirty="0"/>
           </a:p>
@@ -3467,8 +3378,8 @@
         </p:nvSpPr>
         <p:spPr>
           <a:xfrm>
-            <a:off x="251520" y="3713693"/>
-            <a:ext cx="2088232" cy="369332"/>
+            <a:off x="3965253" y="4906034"/>
+            <a:ext cx="2592289" cy="646331"/>
           </a:xfrm>
           <a:prstGeom prst="rect">
             <a:avLst/>
@@ -3493,11 +3404,23 @@
             </a:r>
             <a:r>
               <a:rPr lang="fr-FR" dirty="0" smtClean="0"/>
-              <a:t> (</a:t>
-            </a:r>
-            <a:r>
-              <a:rPr lang="fr-FR" dirty="0" smtClean="0"/>
-              <a:t>X)</a:t>
+              <a:t> (C, </a:t>
+            </a:r>
+            <a:r>
+              <a:rPr lang="fr-FR" dirty="0" err="1" smtClean="0"/>
+              <a:t>generateAsk</a:t>
+            </a:r>
+            <a:r>
+              <a:rPr lang="fr-FR" dirty="0" smtClean="0"/>
+              <a:t>(</a:t>
+            </a:r>
+            <a:r>
+              <a:rPr lang="fr-FR" dirty="0" err="1" smtClean="0"/>
+              <a:t>less,more</a:t>
+            </a:r>
+            <a:r>
+              <a:rPr lang="fr-FR" dirty="0" smtClean="0"/>
+              <a:t>))</a:t>
             </a:r>
             <a:endParaRPr lang="fr-FR" dirty="0"/>
           </a:p>
@@ -3513,9 +3436,9 @@
           <p:nvPr/>
         </p:nvCxnSpPr>
         <p:spPr>
-          <a:xfrm flipH="1">
-            <a:off x="1295636" y="1782108"/>
-            <a:ext cx="3168352" cy="1931585"/>
+          <a:xfrm>
+            <a:off x="3032829" y="3115134"/>
+            <a:ext cx="2228569" cy="1790900"/>
           </a:xfrm>
           <a:prstGeom prst="straightConnector1">
             <a:avLst/>
@@ -3541,14 +3464,14 @@
       </p:cxnSp>
       <p:sp>
         <p:nvSpPr>
-          <p:cNvPr id="8" name="ZoneTexte 7"/>
+          <p:cNvPr id="10" name="ZoneTexte 9"/>
           <p:cNvSpPr txBox="1"/>
           <p:nvPr/>
         </p:nvSpPr>
         <p:spPr>
           <a:xfrm>
-            <a:off x="4888096" y="3713694"/>
-            <a:ext cx="1564051" cy="369332"/>
+            <a:off x="791580" y="3862804"/>
+            <a:ext cx="1872208" cy="646331"/>
           </a:xfrm>
           <a:prstGeom prst="rect">
             <a:avLst/>
@@ -3568,8 +3491,16 @@
           <a:p>
             <a:pPr algn="ctr"/>
             <a:r>
-              <a:rPr lang="fr-FR" dirty="0" smtClean="0"/>
-              <a:t>Propose (X)</a:t>
+              <a:rPr lang="fr-FR" dirty="0" err="1" smtClean="0"/>
+              <a:t>Ask.Preference</a:t>
+            </a:r>
+            <a:endParaRPr lang="fr-FR" dirty="0"/>
+          </a:p>
+          <a:p>
+            <a:pPr algn="ctr"/>
+            <a:r>
+              <a:rPr lang="fr-FR" dirty="0" smtClean="0"/>
+              <a:t>(C1,less1,more1)</a:t>
             </a:r>
             <a:endParaRPr lang="fr-FR" dirty="0"/>
           </a:p>
@@ -3577,22 +3508,23 @@
       </p:sp>
       <p:cxnSp>
         <p:nvCxnSpPr>
-          <p:cNvPr id="9" name="Connecteur droit avec flèche 8"/>
+          <p:cNvPr id="15" name="Connecteur droit avec flèche 14"/>
           <p:cNvCxnSpPr>
             <a:stCxn id="4" idx="2"/>
-            <a:endCxn id="8" idx="0"/>
+            <a:endCxn id="10" idx="0"/>
           </p:cNvCxnSpPr>
           <p:nvPr/>
         </p:nvCxnSpPr>
         <p:spPr>
-          <a:xfrm>
-            <a:off x="4463988" y="1782108"/>
-            <a:ext cx="1206134" cy="1931586"/>
+          <a:xfrm flipH="1">
+            <a:off x="1727684" y="3115134"/>
+            <a:ext cx="1305145" cy="747670"/>
           </a:xfrm>
           <a:prstGeom prst="straightConnector1">
             <a:avLst/>
           </a:prstGeom>
           <a:ln>
+            <a:prstDash val="sysDash"/>
             <a:tailEnd type="arrow"/>
           </a:ln>
         </p:spPr>
@@ -3613,24 +3545,67 @@
       </p:cxnSp>
       <p:sp>
         <p:nvSpPr>
-          <p:cNvPr id="12" name="ZoneTexte 11"/>
+          <p:cNvPr id="14" name="Rectangle 13"/>
+          <p:cNvSpPr/>
+          <p:nvPr/>
+        </p:nvSpPr>
+        <p:spPr>
+          <a:xfrm>
+            <a:off x="1115616" y="4725144"/>
+            <a:ext cx="1224136" cy="432048"/>
+          </a:xfrm>
+          <a:prstGeom prst="rect">
+            <a:avLst/>
+          </a:prstGeom>
+        </p:spPr>
+        <p:style>
+          <a:lnRef idx="2">
+            <a:schemeClr val="accent1">
+              <a:shade val="50000"/>
+            </a:schemeClr>
+          </a:lnRef>
+          <a:fillRef idx="1">
+            <a:schemeClr val="accent1"/>
+          </a:fillRef>
+          <a:effectRef idx="0">
+            <a:schemeClr val="accent1"/>
+          </a:effectRef>
+          <a:fontRef idx="minor">
+            <a:schemeClr val="lt1"/>
+          </a:fontRef>
+        </p:style>
+        <p:txBody>
+          <a:bodyPr rtlCol="0" anchor="ctr"/>
+          <a:lstStyle/>
+          <a:p>
+            <a:pPr algn="ctr"/>
+            <a:r>
+              <a:rPr lang="fr-FR" dirty="0" err="1" smtClean="0"/>
+              <a:t>isDom</a:t>
+            </a:r>
+            <a:r>
+              <a:rPr lang="fr-FR" dirty="0" smtClean="0"/>
+              <a:t>()</a:t>
+            </a:r>
+            <a:endParaRPr lang="fr-FR" dirty="0"/>
+          </a:p>
+        </p:txBody>
+      </p:sp>
+      <p:sp>
+        <p:nvSpPr>
+          <p:cNvPr id="17" name="ZoneTexte 16"/>
           <p:cNvSpPr txBox="1"/>
           <p:nvPr/>
         </p:nvSpPr>
         <p:spPr>
           <a:xfrm>
-            <a:off x="6804248" y="3713694"/>
-            <a:ext cx="2016224" cy="369332"/>
+            <a:off x="1805762" y="0"/>
+            <a:ext cx="7124457" cy="2677656"/>
           </a:xfrm>
           <a:prstGeom prst="rect">
             <a:avLst/>
           </a:prstGeom>
           <a:noFill/>
-          <a:ln>
-            <a:solidFill>
-              <a:schemeClr val="tx1"/>
-            </a:solidFill>
-          </a:ln>
         </p:spPr>
         <p:txBody>
           <a:bodyPr wrap="square" rtlCol="0">
@@ -3638,49 +3613,420 @@
           </a:bodyPr>
           <a:lstStyle/>
           <a:p>
-            <a:pPr algn="ctr"/>
-            <a:r>
-              <a:rPr lang="fr-FR" dirty="0" err="1" smtClean="0"/>
-              <a:t>Ask.Preference</a:t>
-            </a:r>
-            <a:r>
-              <a:rPr lang="fr-FR" dirty="0" smtClean="0"/>
-              <a:t> (Y)</a:t>
-            </a:r>
-            <a:endParaRPr lang="fr-FR" dirty="0"/>
+            <a:r>
+              <a:rPr lang="fr-FR" sz="1400" b="1" dirty="0" smtClean="0"/>
+              <a:t>Remarques pour le </a:t>
+            </a:r>
+            <a:r>
+              <a:rPr lang="fr-FR" sz="1400" b="1" dirty="0" err="1" smtClean="0"/>
+              <a:t>ASK</a:t>
+            </a:r>
+            <a:endParaRPr lang="fr-FR" sz="1400" dirty="0" smtClean="0"/>
+          </a:p>
+          <a:p>
+            <a:pPr marL="285750" indent="-285750">
+              <a:buFont typeface="Arial" panose="020B0604020202020204" pitchFamily="34" charset="0"/>
+              <a:buChar char="•"/>
+            </a:pPr>
+            <a:r>
+              <a:rPr lang="fr-FR" sz="1400" dirty="0" smtClean="0"/>
+              <a:t>Si (</a:t>
+            </a:r>
+            <a:r>
+              <a:rPr lang="fr-FR" sz="1400" dirty="0" err="1" smtClean="0"/>
+              <a:t>less,more</a:t>
+            </a:r>
+            <a:r>
+              <a:rPr lang="fr-FR" sz="1400" dirty="0" smtClean="0"/>
+              <a:t>)=(*,*), alors </a:t>
+            </a:r>
+            <a:r>
+              <a:rPr lang="fr-FR" sz="1400" dirty="0" err="1" smtClean="0"/>
+              <a:t>generate</a:t>
+            </a:r>
+            <a:r>
+              <a:rPr lang="fr-FR" sz="1400" dirty="0" smtClean="0"/>
+              <a:t>(</a:t>
+            </a:r>
+            <a:r>
+              <a:rPr lang="fr-FR" sz="1400" dirty="0" err="1" smtClean="0"/>
+              <a:t>less,more</a:t>
+            </a:r>
+            <a:r>
+              <a:rPr lang="fr-FR" sz="1400" dirty="0" smtClean="0"/>
+              <a:t>) = </a:t>
+            </a:r>
+            <a:r>
+              <a:rPr lang="fr-FR" sz="1400" dirty="0" err="1" smtClean="0"/>
+              <a:t>mostPreferred</a:t>
+            </a:r>
+            <a:r>
+              <a:rPr lang="fr-FR" sz="1400" dirty="0"/>
+              <a:t> </a:t>
+            </a:r>
+            <a:r>
+              <a:rPr lang="fr-FR" sz="1400" dirty="0" smtClean="0"/>
+              <a:t>(sans « </a:t>
+            </a:r>
+            <a:r>
+              <a:rPr lang="fr-FR" sz="1400" dirty="0" err="1" smtClean="0"/>
+              <a:t>current</a:t>
+            </a:r>
+            <a:r>
+              <a:rPr lang="fr-FR" sz="1400" dirty="0" smtClean="0"/>
+              <a:t>)</a:t>
+            </a:r>
+            <a:endParaRPr lang="fr-FR" sz="1400" dirty="0"/>
+          </a:p>
+          <a:p>
+            <a:pPr marL="285750" indent="-285750">
+              <a:buFont typeface="Arial" panose="020B0604020202020204" pitchFamily="34" charset="0"/>
+              <a:buChar char="•"/>
+            </a:pPr>
+            <a:r>
+              <a:rPr lang="fr-FR" sz="1400" dirty="0" smtClean="0"/>
+              <a:t>Si </a:t>
+            </a:r>
+            <a:r>
+              <a:rPr lang="fr-FR" sz="1400" dirty="0" err="1" smtClean="0"/>
+              <a:t>less</a:t>
+            </a:r>
+            <a:r>
+              <a:rPr lang="fr-FR" sz="1400" dirty="0" smtClean="0"/>
+              <a:t>=* et more</a:t>
+            </a:r>
+            <a:r>
+              <a:rPr lang="fr-FR" sz="1400" dirty="0"/>
+              <a:t> </a:t>
+            </a:r>
+            <a:r>
+              <a:rPr lang="fr-FR" sz="1400" dirty="0" smtClean="0"/>
+              <a:t>≠ *, alors </a:t>
+            </a:r>
+            <a:r>
+              <a:rPr lang="fr-FR" sz="1400" dirty="0" err="1" smtClean="0"/>
+              <a:t>generate</a:t>
+            </a:r>
+            <a:r>
+              <a:rPr lang="fr-FR" sz="1400" dirty="0" smtClean="0"/>
+              <a:t>(</a:t>
+            </a:r>
+            <a:r>
+              <a:rPr lang="fr-FR" sz="1400" dirty="0" err="1" smtClean="0"/>
+              <a:t>less,more</a:t>
+            </a:r>
+            <a:r>
+              <a:rPr lang="fr-FR" sz="1400" dirty="0" smtClean="0"/>
+              <a:t>) = </a:t>
+            </a:r>
+          </a:p>
+          <a:p>
+            <a:pPr marL="742950" lvl="1" indent="-285750">
+              <a:buFont typeface="Arial" panose="020B0604020202020204" pitchFamily="34" charset="0"/>
+              <a:buChar char="•"/>
+            </a:pPr>
+            <a:r>
+              <a:rPr lang="fr-FR" sz="1400" dirty="0" smtClean="0"/>
+              <a:t>(*,more) si more est le </a:t>
+            </a:r>
+            <a:r>
+              <a:rPr lang="fr-FR" sz="1400" dirty="0" err="1" smtClean="0"/>
+              <a:t>currentMostPreferred</a:t>
+            </a:r>
+            <a:r>
+              <a:rPr lang="fr-FR" sz="1400" dirty="0" smtClean="0"/>
+              <a:t>;</a:t>
+            </a:r>
+          </a:p>
+          <a:p>
+            <a:pPr marL="742950" lvl="1" indent="-285750">
+              <a:buFont typeface="Arial" panose="020B0604020202020204" pitchFamily="34" charset="0"/>
+              <a:buChar char="•"/>
+            </a:pPr>
+            <a:r>
+              <a:rPr lang="fr-FR" sz="1400" dirty="0" smtClean="0"/>
+              <a:t>(more,*) </a:t>
+            </a:r>
+            <a:r>
+              <a:rPr lang="fr-FR" sz="1400" dirty="0"/>
+              <a:t>si more est le </a:t>
+            </a:r>
+            <a:r>
+              <a:rPr lang="fr-FR" sz="1400" dirty="0" err="1" smtClean="0"/>
+              <a:t>currentLeastPreferred</a:t>
+            </a:r>
+            <a:r>
+              <a:rPr lang="fr-FR" sz="1400" dirty="0" smtClean="0"/>
+              <a:t>;</a:t>
+            </a:r>
+          </a:p>
+          <a:p>
+            <a:pPr marL="742950" lvl="1" indent="-285750">
+              <a:buFont typeface="Arial" panose="020B0604020202020204" pitchFamily="34" charset="0"/>
+              <a:buChar char="•"/>
+            </a:pPr>
+            <a:r>
+              <a:rPr lang="fr-FR" sz="1400" dirty="0" smtClean="0"/>
+              <a:t>(</a:t>
+            </a:r>
+            <a:r>
+              <a:rPr lang="fr-FR" sz="1400" dirty="0" err="1" smtClean="0"/>
+              <a:t>more,currentMostPreferred</a:t>
+            </a:r>
+            <a:r>
+              <a:rPr lang="fr-FR" sz="1400" dirty="0" smtClean="0"/>
+              <a:t>) sinon</a:t>
+            </a:r>
+          </a:p>
+          <a:p>
+            <a:pPr marL="285750" indent="-285750">
+              <a:buFont typeface="Arial" panose="020B0604020202020204" pitchFamily="34" charset="0"/>
+              <a:buChar char="•"/>
+            </a:pPr>
+            <a:r>
+              <a:rPr lang="fr-FR" sz="1400" dirty="0"/>
+              <a:t>Si </a:t>
+            </a:r>
+            <a:r>
+              <a:rPr lang="fr-FR" sz="1400" dirty="0" err="1" smtClean="0"/>
+              <a:t>less</a:t>
+            </a:r>
+            <a:r>
+              <a:rPr lang="fr-FR" sz="1400" dirty="0"/>
+              <a:t> ≠ </a:t>
+            </a:r>
+            <a:r>
+              <a:rPr lang="fr-FR" sz="1400" dirty="0" smtClean="0"/>
+              <a:t>* </a:t>
+            </a:r>
+            <a:r>
+              <a:rPr lang="fr-FR" sz="1400" dirty="0"/>
+              <a:t>et more </a:t>
+            </a:r>
+            <a:r>
+              <a:rPr lang="fr-FR" sz="1400" dirty="0" smtClean="0"/>
+              <a:t>= *, cela </a:t>
+            </a:r>
+            <a:r>
+              <a:rPr lang="fr-FR" sz="1400" dirty="0"/>
+              <a:t>code la même </a:t>
+            </a:r>
+            <a:r>
+              <a:rPr lang="fr-FR" sz="1400" dirty="0" smtClean="0"/>
+              <a:t>chose</a:t>
+            </a:r>
+            <a:r>
+              <a:rPr lang="fr-FR" sz="1400" dirty="0"/>
+              <a:t> </a:t>
+            </a:r>
+            <a:r>
+              <a:rPr lang="fr-FR" sz="1400" dirty="0" smtClean="0"/>
+              <a:t>(«</a:t>
+            </a:r>
+            <a:r>
+              <a:rPr lang="fr-FR" sz="1400" dirty="0"/>
+              <a:t> est-ce que tu aime le japonais? </a:t>
+            </a:r>
+            <a:r>
+              <a:rPr lang="fr-FR" sz="1400" dirty="0" smtClean="0"/>
+              <a:t>») </a:t>
+            </a:r>
+            <a:r>
+              <a:rPr lang="fr-FR" sz="1400" dirty="0" smtClean="0">
+                <a:sym typeface="Wingdings" panose="05000000000000000000" pitchFamily="2" charset="2"/>
+              </a:rPr>
+              <a:t> même réponse</a:t>
+            </a:r>
+            <a:endParaRPr lang="fr-FR" sz="1400" dirty="0"/>
+          </a:p>
+          <a:p>
+            <a:pPr marL="285750" indent="-285750">
+              <a:buFont typeface="Arial" panose="020B0604020202020204" pitchFamily="34" charset="0"/>
+              <a:buChar char="•"/>
+            </a:pPr>
+            <a:r>
+              <a:rPr lang="fr-FR" sz="1400" dirty="0" smtClean="0"/>
+              <a:t>Si les deux sont non </a:t>
+            </a:r>
+            <a:r>
+              <a:rPr lang="fr-FR" sz="1400" dirty="0" err="1" smtClean="0"/>
+              <a:t>null</a:t>
+            </a:r>
+            <a:r>
+              <a:rPr lang="fr-FR" sz="1400" dirty="0" smtClean="0"/>
+              <a:t>, je </a:t>
+            </a:r>
+            <a:r>
+              <a:rPr lang="fr-FR" sz="1400" dirty="0" err="1" smtClean="0"/>
+              <a:t>generate</a:t>
+            </a:r>
+            <a:r>
+              <a:rPr lang="fr-FR" sz="1400" dirty="0" smtClean="0"/>
+              <a:t>(</a:t>
+            </a:r>
+            <a:r>
+              <a:rPr lang="fr-FR" sz="1400" dirty="0" err="1" smtClean="0"/>
+              <a:t>less,more</a:t>
+            </a:r>
+            <a:r>
+              <a:rPr lang="fr-FR" sz="1400" dirty="0" smtClean="0"/>
+              <a:t>) = (</a:t>
+            </a:r>
+            <a:r>
+              <a:rPr lang="fr-FR" sz="1400" dirty="0" err="1" smtClean="0"/>
+              <a:t>more,less</a:t>
+            </a:r>
+            <a:r>
+              <a:rPr lang="fr-FR" sz="1400" dirty="0" smtClean="0"/>
+              <a:t>) ou (</a:t>
+            </a:r>
+            <a:r>
+              <a:rPr lang="fr-FR" sz="1400" dirty="0" err="1" smtClean="0"/>
+              <a:t>less,more</a:t>
+            </a:r>
+            <a:r>
+              <a:rPr lang="fr-FR" sz="1400" dirty="0" smtClean="0"/>
+              <a:t>) selon les préférences de l’agent</a:t>
+            </a:r>
+          </a:p>
+          <a:p>
+            <a:endParaRPr lang="fr-FR" sz="1400" dirty="0"/>
+          </a:p>
+          <a:p>
+            <a:r>
+              <a:rPr lang="fr-FR" sz="1400" dirty="0" smtClean="0"/>
+              <a:t>(C1,less1,more1) désigne  toute autre forme, mais on va le retirer…</a:t>
+            </a:r>
+            <a:endParaRPr lang="fr-FR" sz="1400" dirty="0"/>
+          </a:p>
+        </p:txBody>
+      </p:sp>
+      <p:sp>
+        <p:nvSpPr>
+          <p:cNvPr id="20" name="ZoneTexte 19"/>
+          <p:cNvSpPr txBox="1"/>
+          <p:nvPr/>
+        </p:nvSpPr>
+        <p:spPr>
+          <a:xfrm>
+            <a:off x="6012497" y="3444116"/>
+            <a:ext cx="3275856" cy="1200329"/>
+          </a:xfrm>
+          <a:prstGeom prst="rect">
+            <a:avLst/>
+          </a:prstGeom>
+        </p:spPr>
+        <p:style>
+          <a:lnRef idx="2">
+            <a:schemeClr val="accent1"/>
+          </a:lnRef>
+          <a:fillRef idx="1">
+            <a:schemeClr val="lt1"/>
+          </a:fillRef>
+          <a:effectRef idx="0">
+            <a:schemeClr val="accent1"/>
+          </a:effectRef>
+          <a:fontRef idx="minor">
+            <a:schemeClr val="dk1"/>
+          </a:fontRef>
+        </p:style>
+        <p:txBody>
+          <a:bodyPr wrap="square" rtlCol="0">
+            <a:spAutoFit/>
+          </a:bodyPr>
+          <a:lstStyle/>
+          <a:p>
+            <a:r>
+              <a:rPr lang="fr-FR" sz="1200" dirty="0" smtClean="0"/>
+              <a:t>On a supprimé le propose. En effet, l’exemple est:</a:t>
+            </a:r>
+          </a:p>
+          <a:p>
+            <a:pPr marL="285750" indent="-285750">
+              <a:buFontTx/>
+              <a:buChar char="-"/>
+            </a:pPr>
+            <a:r>
+              <a:rPr lang="fr-FR" sz="1200" dirty="0" smtClean="0"/>
+              <a:t>est-ce que tu aimes le chinois</a:t>
+            </a:r>
+          </a:p>
+          <a:p>
+            <a:pPr marL="285750" indent="-285750">
+              <a:buFontTx/>
+              <a:buChar char="-"/>
+            </a:pPr>
+            <a:r>
+              <a:rPr lang="fr-FR" sz="1200" dirty="0" smtClean="0"/>
+              <a:t>Oui, allons au chinois</a:t>
+            </a:r>
+          </a:p>
+          <a:p>
+            <a:pPr marL="285750" indent="-285750">
+              <a:buFont typeface="Wingdings"/>
+              <a:buChar char="à"/>
+            </a:pPr>
+            <a:r>
+              <a:rPr lang="fr-FR" sz="1200" dirty="0" smtClean="0">
+                <a:sym typeface="Wingdings" panose="05000000000000000000" pitchFamily="2" charset="2"/>
+              </a:rPr>
+              <a:t>2 </a:t>
+            </a:r>
+            <a:r>
+              <a:rPr lang="fr-FR" sz="1200" dirty="0" err="1" smtClean="0">
+                <a:sym typeface="Wingdings" panose="05000000000000000000" pitchFamily="2" charset="2"/>
+              </a:rPr>
+              <a:t>utterances</a:t>
+            </a:r>
+            <a:r>
+              <a:rPr lang="fr-FR" sz="1200" dirty="0" smtClean="0">
+                <a:sym typeface="Wingdings" panose="05000000000000000000" pitchFamily="2" charset="2"/>
+              </a:rPr>
+              <a:t> pour 1 réponse. Pas possible chez nous.</a:t>
+            </a:r>
+          </a:p>
+          <a:p>
+            <a:pPr marL="285750" indent="-285750">
+              <a:buFont typeface="Wingdings"/>
+              <a:buChar char="à"/>
+            </a:pPr>
+            <a:r>
+              <a:rPr lang="fr-FR" sz="1200" dirty="0" smtClean="0">
+                <a:sym typeface="Wingdings" panose="05000000000000000000" pitchFamily="2" charset="2"/>
+              </a:rPr>
+              <a:t>On ne garde que le state (« oui »)</a:t>
+            </a:r>
+            <a:endParaRPr lang="fr-FR" sz="1200" dirty="0"/>
           </a:p>
         </p:txBody>
       </p:sp>
       <p:cxnSp>
         <p:nvCxnSpPr>
-          <p:cNvPr id="13" name="Connecteur droit avec flèche 12"/>
+          <p:cNvPr id="26" name="Connecteur droit 25"/>
           <p:cNvCxnSpPr>
-            <a:stCxn id="4" idx="2"/>
-            <a:endCxn id="12" idx="0"/>
+            <a:stCxn id="23" idx="2"/>
+            <a:endCxn id="27" idx="0"/>
           </p:cNvCxnSpPr>
           <p:nvPr/>
         </p:nvCxnSpPr>
         <p:spPr>
           <a:xfrm>
-            <a:off x="4463988" y="1782108"/>
-            <a:ext cx="3348372" cy="1931586"/>
-          </a:xfrm>
-          <a:prstGeom prst="straightConnector1">
-            <a:avLst/>
-          </a:prstGeom>
-          <a:ln>
-            <a:tailEnd type="arrow"/>
-          </a:ln>
+            <a:off x="1853698" y="5552365"/>
+            <a:ext cx="702569" cy="453853"/>
+          </a:xfrm>
+          <a:prstGeom prst="line">
+            <a:avLst/>
+          </a:prstGeom>
         </p:spPr>
         <p:style>
           <a:lnRef idx="1">
-            <a:schemeClr val="dk1"/>
+            <a:schemeClr val="accent1"/>
           </a:lnRef>
           <a:fillRef idx="0">
-            <a:schemeClr val="dk1"/>
+            <a:schemeClr val="accent1"/>
           </a:fillRef>
           <a:effectRef idx="0">
-            <a:schemeClr val="dk1"/>
+            <a:schemeClr val="accent1"/>
           </a:effectRef>
           <a:fontRef idx="minor">
             <a:schemeClr val="tx1"/>
@@ -3689,24 +4035,19 @@
       </p:cxnSp>
       <p:sp>
         <p:nvSpPr>
-          <p:cNvPr id="23" name="ZoneTexte 22"/>
+          <p:cNvPr id="27" name="ZoneTexte 26"/>
           <p:cNvSpPr txBox="1"/>
           <p:nvPr/>
         </p:nvSpPr>
         <p:spPr>
           <a:xfrm>
-            <a:off x="2567571" y="3713693"/>
-            <a:ext cx="2088232" cy="369332"/>
+            <a:off x="395536" y="6006218"/>
+            <a:ext cx="4321462" cy="738664"/>
           </a:xfrm>
           <a:prstGeom prst="rect">
             <a:avLst/>
           </a:prstGeom>
           <a:noFill/>
-          <a:ln>
-            <a:solidFill>
-              <a:schemeClr val="tx1"/>
-            </a:solidFill>
-          </a:ln>
         </p:spPr>
         <p:txBody>
           <a:bodyPr wrap="square" rtlCol="0">
@@ -3714,53 +4055,65 @@
           </a:bodyPr>
           <a:lstStyle/>
           <a:p>
-            <a:pPr algn="ctr"/>
-            <a:r>
-              <a:rPr lang="fr-FR" dirty="0" err="1" smtClean="0"/>
-              <a:t>State.Preference</a:t>
-            </a:r>
-            <a:r>
-              <a:rPr lang="fr-FR" dirty="0" smtClean="0"/>
-              <a:t> (</a:t>
-            </a:r>
-            <a:r>
-              <a:rPr lang="fr-FR" dirty="0" smtClean="0"/>
-              <a:t>Y)</a:t>
-            </a:r>
-            <a:endParaRPr lang="fr-FR" dirty="0"/>
+            <a:r>
+              <a:rPr lang="fr-FR" sz="1400" dirty="0" smtClean="0"/>
+              <a:t>Bof, finalement… Cela semble bizarre comme dialogue:</a:t>
+            </a:r>
+          </a:p>
+          <a:p>
+            <a:pPr marL="285750" indent="-285750">
+              <a:buFontTx/>
+              <a:buChar char="-"/>
+            </a:pPr>
+            <a:r>
+              <a:rPr lang="fr-FR" sz="1400" dirty="0" smtClean="0"/>
+              <a:t>est-ce que tu aimes le chinois</a:t>
+            </a:r>
+          </a:p>
+          <a:p>
+            <a:pPr marL="285750" indent="-285750">
+              <a:buFontTx/>
+              <a:buChar char="-"/>
+            </a:pPr>
+            <a:r>
+              <a:rPr lang="fr-FR" sz="1400" dirty="0" smtClean="0"/>
+              <a:t>est-ce que tu aimes le japonais</a:t>
+            </a:r>
+            <a:endParaRPr lang="fr-FR" sz="1400" dirty="0"/>
           </a:p>
         </p:txBody>
       </p:sp>
       <p:cxnSp>
         <p:nvCxnSpPr>
-          <p:cNvPr id="24" name="Connecteur droit avec flèche 23"/>
+          <p:cNvPr id="41" name="Connecteur droit avec flèche 40"/>
           <p:cNvCxnSpPr>
             <a:stCxn id="4" idx="2"/>
-            <a:endCxn id="23" idx="0"/>
+            <a:endCxn id="20" idx="1"/>
           </p:cNvCxnSpPr>
           <p:nvPr/>
         </p:nvCxnSpPr>
         <p:spPr>
-          <a:xfrm flipH="1">
-            <a:off x="3611687" y="1782108"/>
-            <a:ext cx="852301" cy="1931585"/>
+          <a:xfrm>
+            <a:off x="3032829" y="3115134"/>
+            <a:ext cx="2979668" cy="929147"/>
           </a:xfrm>
           <a:prstGeom prst="straightConnector1">
             <a:avLst/>
           </a:prstGeom>
           <a:ln>
+            <a:prstDash val="sysDash"/>
             <a:tailEnd type="arrow"/>
           </a:ln>
         </p:spPr>
         <p:style>
           <a:lnRef idx="1">
-            <a:schemeClr val="dk1"/>
+            <a:schemeClr val="accent1"/>
           </a:lnRef>
           <a:fillRef idx="0">
-            <a:schemeClr val="dk1"/>
+            <a:schemeClr val="accent1"/>
           </a:fillRef>
           <a:effectRef idx="0">
-            <a:schemeClr val="dk1"/>
+            <a:schemeClr val="accent1"/>
           </a:effectRef>
           <a:fontRef idx="minor">
             <a:schemeClr val="tx1"/>
@@ -3770,7 +4123,7 @@
     </p:spTree>
     <p:extLst>
       <p:ext uri="{BB962C8B-B14F-4D97-AF65-F5344CB8AC3E}">
-        <p14:creationId xmlns:p14="http://schemas.microsoft.com/office/powerpoint/2010/main" val="4270447913"/>
+        <p14:creationId xmlns:p14="http://schemas.microsoft.com/office/powerpoint/2010/main" val="2385910948"/>
       </p:ext>
     </p:extLst>
   </p:cSld>
@@ -3805,8 +4158,8 @@
         </p:nvSpPr>
         <p:spPr>
           <a:xfrm>
-            <a:off x="3529007" y="692696"/>
-            <a:ext cx="2088232" cy="369332"/>
+            <a:off x="3071627" y="1782108"/>
+            <a:ext cx="3168352" cy="369332"/>
           </a:xfrm>
           <a:prstGeom prst="rect">
             <a:avLst/>
@@ -3826,8 +4179,20 @@
           <a:p>
             <a:pPr algn="ctr"/>
             <a:r>
-              <a:rPr lang="fr-FR" dirty="0" smtClean="0"/>
-              <a:t>Propose (X)</a:t>
+              <a:rPr lang="fr-FR" dirty="0" err="1" smtClean="0"/>
+              <a:t>State.Preference</a:t>
+            </a:r>
+            <a:r>
+              <a:rPr lang="fr-FR" dirty="0" smtClean="0"/>
+              <a:t> (C, </a:t>
+            </a:r>
+            <a:r>
+              <a:rPr lang="fr-FR" dirty="0" err="1" smtClean="0"/>
+              <a:t>less</a:t>
+            </a:r>
+            <a:r>
+              <a:rPr lang="fr-FR" dirty="0" smtClean="0"/>
+              <a:t>, more)</a:t>
             </a:r>
             <a:endParaRPr lang="fr-FR" dirty="0"/>
           </a:p>
@@ -3841,8 +4206,8 @@
         </p:nvSpPr>
         <p:spPr>
           <a:xfrm>
-            <a:off x="107504" y="2891225"/>
-            <a:ext cx="2052323" cy="369332"/>
+            <a:off x="251520" y="3713693"/>
+            <a:ext cx="2088232" cy="646331"/>
           </a:xfrm>
           <a:prstGeom prst="rect">
             <a:avLst/>
@@ -3867,11 +4232,23 @@
             </a:r>
             <a:r>
               <a:rPr lang="fr-FR" dirty="0" smtClean="0"/>
-              <a:t> (</a:t>
-            </a:r>
-            <a:r>
-              <a:rPr lang="fr-FR" dirty="0" smtClean="0"/>
-              <a:t>X)</a:t>
+              <a:t> </a:t>
+            </a:r>
+            <a:endParaRPr lang="fr-FR" dirty="0"/>
+          </a:p>
+          <a:p>
+            <a:pPr algn="ctr"/>
+            <a:r>
+              <a:rPr lang="fr-FR" dirty="0" smtClean="0"/>
+              <a:t>(</a:t>
+            </a:r>
+            <a:r>
+              <a:rPr lang="fr-FR" dirty="0" err="1" smtClean="0"/>
+              <a:t>less</a:t>
+            </a:r>
+            <a:r>
+              <a:rPr lang="fr-FR" dirty="0" smtClean="0"/>
+              <a:t>, more)</a:t>
             </a:r>
             <a:endParaRPr lang="fr-FR" dirty="0"/>
           </a:p>
@@ -3888,8 +4265,8 @@
         </p:nvCxnSpPr>
         <p:spPr>
           <a:xfrm flipH="1">
-            <a:off x="1133666" y="1062028"/>
-            <a:ext cx="3439457" cy="1829197"/>
+            <a:off x="1295636" y="2151440"/>
+            <a:ext cx="3360167" cy="1562253"/>
           </a:xfrm>
           <a:prstGeom prst="straightConnector1">
             <a:avLst/>
@@ -3921,8 +4298,8 @@
         </p:nvSpPr>
         <p:spPr>
           <a:xfrm>
-            <a:off x="4860032" y="2904078"/>
-            <a:ext cx="1284958" cy="369332"/>
+            <a:off x="4888096" y="3713694"/>
+            <a:ext cx="1564051" cy="646331"/>
           </a:xfrm>
           <a:prstGeom prst="rect">
             <a:avLst/>
@@ -3943,7 +4320,7 @@
             <a:pPr algn="ctr"/>
             <a:r>
               <a:rPr lang="fr-FR" dirty="0" smtClean="0"/>
-              <a:t>Propose (Y)</a:t>
+              <a:t>Propose (more)</a:t>
             </a:r>
             <a:endParaRPr lang="fr-FR" dirty="0"/>
           </a:p>
@@ -3960,8 +4337,8 @@
         </p:nvCxnSpPr>
         <p:spPr>
           <a:xfrm>
-            <a:off x="4573123" y="1062028"/>
-            <a:ext cx="929388" cy="1842050"/>
+            <a:off x="4655803" y="2151440"/>
+            <a:ext cx="1014319" cy="1562254"/>
           </a:xfrm>
           <a:prstGeom prst="straightConnector1">
             <a:avLst/>
@@ -3993,8 +4370,8 @@
         </p:nvSpPr>
         <p:spPr>
           <a:xfrm>
-            <a:off x="3529007" y="3573016"/>
-            <a:ext cx="2186893" cy="369332"/>
+            <a:off x="6804248" y="3713694"/>
+            <a:ext cx="2016224" cy="646331"/>
           </a:xfrm>
           <a:prstGeom prst="rect">
             <a:avLst/>
@@ -4004,7 +4381,6 @@
             <a:solidFill>
               <a:schemeClr val="tx1"/>
             </a:solidFill>
-            <a:prstDash val="dash"/>
           </a:ln>
         </p:spPr>
         <p:txBody>
@@ -4020,7 +4396,19 @@
             </a:r>
             <a:r>
               <a:rPr lang="fr-FR" dirty="0" smtClean="0"/>
-              <a:t> (Y/Z)</a:t>
+              <a:t> </a:t>
+            </a:r>
+            <a:endParaRPr lang="fr-FR" dirty="0"/>
+          </a:p>
+          <a:p>
+            <a:pPr algn="ctr"/>
+            <a:r>
+              <a:rPr lang="fr-FR" dirty="0"/>
+              <a:t>(less1,more1</a:t>
+            </a:r>
+            <a:r>
+              <a:rPr lang="fr-FR" dirty="0" smtClean="0"/>
+              <a:t>)</a:t>
             </a:r>
             <a:endParaRPr lang="fr-FR" dirty="0"/>
           </a:p>
@@ -4037,8 +4425,8 @@
         </p:nvCxnSpPr>
         <p:spPr>
           <a:xfrm>
-            <a:off x="4573123" y="1062028"/>
-            <a:ext cx="49331" cy="2510988"/>
+            <a:off x="4655803" y="2151440"/>
+            <a:ext cx="3156557" cy="1562254"/>
           </a:xfrm>
           <a:prstGeom prst="straightConnector1">
             <a:avLst/>
@@ -4070,8 +4458,8 @@
         </p:nvSpPr>
         <p:spPr>
           <a:xfrm>
-            <a:off x="2292560" y="2891225"/>
-            <a:ext cx="2088232" cy="369332"/>
+            <a:off x="2567571" y="3713693"/>
+            <a:ext cx="2088232" cy="646331"/>
           </a:xfrm>
           <a:prstGeom prst="rect">
             <a:avLst/>
@@ -4096,11 +4484,15 @@
             </a:r>
             <a:r>
               <a:rPr lang="fr-FR" dirty="0" smtClean="0"/>
-              <a:t> (</a:t>
-            </a:r>
-            <a:r>
-              <a:rPr lang="fr-FR" dirty="0" smtClean="0"/>
-              <a:t>Y)</a:t>
+              <a:t> </a:t>
+            </a:r>
+            <a:endParaRPr lang="fr-FR" dirty="0"/>
+          </a:p>
+          <a:p>
+            <a:pPr algn="ctr"/>
+            <a:r>
+              <a:rPr lang="fr-FR" dirty="0" smtClean="0"/>
+              <a:t>(less1,more1)</a:t>
             </a:r>
             <a:endParaRPr lang="fr-FR" dirty="0"/>
           </a:p>
@@ -4117,8 +4509,8 @@
         </p:nvCxnSpPr>
         <p:spPr>
           <a:xfrm flipH="1">
-            <a:off x="3336676" y="1062028"/>
-            <a:ext cx="1236447" cy="1829197"/>
+            <a:off x="3611687" y="2151440"/>
+            <a:ext cx="1044116" cy="1562253"/>
           </a:xfrm>
           <a:prstGeom prst="straightConnector1">
             <a:avLst/>
@@ -4144,168 +4536,510 @@
       </p:cxnSp>
       <p:sp>
         <p:nvSpPr>
-          <p:cNvPr id="20" name="ZoneTexte 19"/>
-          <p:cNvSpPr txBox="1"/>
-          <p:nvPr/>
-        </p:nvSpPr>
-        <p:spPr>
-          <a:xfrm>
-            <a:off x="6392325" y="2891266"/>
-            <a:ext cx="1132003" cy="369332"/>
+          <p:cNvPr id="25" name="Rectangle 24"/>
+          <p:cNvSpPr/>
+          <p:nvPr/>
+        </p:nvSpPr>
+        <p:spPr>
+          <a:xfrm>
+            <a:off x="7200292" y="4509120"/>
+            <a:ext cx="1224136" cy="432048"/>
           </a:xfrm>
           <a:prstGeom prst="rect">
             <a:avLst/>
           </a:prstGeom>
-          <a:noFill/>
-          <a:ln>
-            <a:solidFill>
-              <a:schemeClr val="tx1"/>
-            </a:solidFill>
-          </a:ln>
-        </p:spPr>
-        <p:txBody>
-          <a:bodyPr wrap="square" rtlCol="0">
-            <a:spAutoFit/>
-          </a:bodyPr>
-          <a:lstStyle/>
-          <a:p>
-            <a:pPr algn="ctr"/>
-            <a:r>
-              <a:rPr lang="fr-FR" dirty="0" err="1" smtClean="0"/>
-              <a:t>Reject</a:t>
-            </a:r>
-            <a:r>
-              <a:rPr lang="fr-FR" dirty="0" smtClean="0"/>
-              <a:t> (</a:t>
-            </a:r>
-            <a:r>
-              <a:rPr lang="fr-FR" dirty="0" smtClean="0"/>
-              <a:t>X)</a:t>
-            </a:r>
-            <a:endParaRPr lang="fr-FR" dirty="0"/>
-          </a:p>
-        </p:txBody>
-      </p:sp>
-      <p:cxnSp>
-        <p:nvCxnSpPr>
-          <p:cNvPr id="21" name="Connecteur droit avec flèche 20"/>
-          <p:cNvCxnSpPr>
-            <a:stCxn id="4" idx="2"/>
-            <a:endCxn id="20" idx="0"/>
-          </p:cNvCxnSpPr>
-          <p:nvPr/>
-        </p:nvCxnSpPr>
-        <p:spPr>
-          <a:xfrm>
-            <a:off x="4573123" y="1062028"/>
-            <a:ext cx="2385204" cy="1829238"/>
-          </a:xfrm>
-          <a:prstGeom prst="straightConnector1">
-            <a:avLst/>
-          </a:prstGeom>
-          <a:ln>
-            <a:tailEnd type="arrow"/>
-          </a:ln>
         </p:spPr>
         <p:style>
-          <a:lnRef idx="1">
-            <a:schemeClr val="dk1"/>
+          <a:lnRef idx="2">
+            <a:schemeClr val="accent1">
+              <a:shade val="50000"/>
+            </a:schemeClr>
           </a:lnRef>
-          <a:fillRef idx="0">
-            <a:schemeClr val="dk1"/>
+          <a:fillRef idx="1">
+            <a:schemeClr val="accent1"/>
           </a:fillRef>
           <a:effectRef idx="0">
-            <a:schemeClr val="dk1"/>
+            <a:schemeClr val="accent1"/>
           </a:effectRef>
           <a:fontRef idx="minor">
-            <a:schemeClr val="tx1"/>
+            <a:schemeClr val="lt1"/>
           </a:fontRef>
         </p:style>
-      </p:cxnSp>
-      <p:sp>
-        <p:nvSpPr>
-          <p:cNvPr id="22" name="ZoneTexte 21"/>
-          <p:cNvSpPr txBox="1"/>
-          <p:nvPr/>
-        </p:nvSpPr>
-        <p:spPr>
-          <a:xfrm>
-            <a:off x="7847652" y="2891225"/>
-            <a:ext cx="1188844" cy="369332"/>
+        <p:txBody>
+          <a:bodyPr rtlCol="0" anchor="ctr"/>
+          <a:lstStyle/>
+          <a:p>
+            <a:pPr algn="ctr"/>
+            <a:r>
+              <a:rPr lang="fr-FR" dirty="0" smtClean="0"/>
+              <a:t>!</a:t>
+            </a:r>
+            <a:r>
+              <a:rPr lang="fr-FR" dirty="0" err="1" smtClean="0"/>
+              <a:t>isDom</a:t>
+            </a:r>
+            <a:r>
+              <a:rPr lang="fr-FR" dirty="0" smtClean="0"/>
+              <a:t>()</a:t>
+            </a:r>
+            <a:endParaRPr lang="fr-FR" dirty="0"/>
+          </a:p>
+        </p:txBody>
+      </p:sp>
+      <p:sp>
+        <p:nvSpPr>
+          <p:cNvPr id="27" name="Rectangle 26"/>
+          <p:cNvSpPr/>
+          <p:nvPr/>
+        </p:nvSpPr>
+        <p:spPr>
+          <a:xfrm>
+            <a:off x="372264" y="4515431"/>
+            <a:ext cx="1846744" cy="576064"/>
           </a:xfrm>
           <a:prstGeom prst="rect">
             <a:avLst/>
           </a:prstGeom>
-          <a:noFill/>
-          <a:ln>
-            <a:solidFill>
-              <a:schemeClr val="tx1"/>
-            </a:solidFill>
-          </a:ln>
-        </p:spPr>
-        <p:txBody>
-          <a:bodyPr wrap="square" rtlCol="0">
-            <a:spAutoFit/>
-          </a:bodyPr>
-          <a:lstStyle/>
-          <a:p>
-            <a:pPr algn="ctr"/>
-            <a:r>
-              <a:rPr lang="fr-FR" dirty="0" err="1" smtClean="0"/>
-              <a:t>Accept</a:t>
-            </a:r>
-            <a:r>
-              <a:rPr lang="fr-FR" dirty="0" smtClean="0"/>
-              <a:t> (</a:t>
-            </a:r>
-            <a:r>
-              <a:rPr lang="fr-FR" dirty="0" smtClean="0"/>
-              <a:t>X)</a:t>
-            </a:r>
-            <a:endParaRPr lang="fr-FR" dirty="0"/>
-          </a:p>
-        </p:txBody>
-      </p:sp>
-      <p:cxnSp>
-        <p:nvCxnSpPr>
-          <p:cNvPr id="25" name="Connecteur droit avec flèche 24"/>
-          <p:cNvCxnSpPr>
-            <a:stCxn id="4" idx="2"/>
-            <a:endCxn id="22" idx="0"/>
-          </p:cNvCxnSpPr>
-          <p:nvPr/>
-        </p:nvCxnSpPr>
-        <p:spPr>
-          <a:xfrm>
-            <a:off x="4573123" y="1062028"/>
-            <a:ext cx="3868951" cy="1829197"/>
-          </a:xfrm>
-          <a:prstGeom prst="straightConnector1">
-            <a:avLst/>
-          </a:prstGeom>
-          <a:ln>
-            <a:tailEnd type="arrow"/>
-          </a:ln>
         </p:spPr>
         <p:style>
-          <a:lnRef idx="1">
-            <a:schemeClr val="dk1"/>
+          <a:lnRef idx="2">
+            <a:schemeClr val="accent3">
+              <a:shade val="50000"/>
+            </a:schemeClr>
           </a:lnRef>
-          <a:fillRef idx="0">
-            <a:schemeClr val="dk1"/>
+          <a:fillRef idx="1">
+            <a:schemeClr val="accent3"/>
           </a:fillRef>
           <a:effectRef idx="0">
-            <a:schemeClr val="dk1"/>
+            <a:schemeClr val="accent3"/>
           </a:effectRef>
           <a:fontRef idx="minor">
-            <a:schemeClr val="tx1"/>
+            <a:schemeClr val="lt1"/>
           </a:fontRef>
         </p:style>
-      </p:cxnSp>
+        <p:txBody>
+          <a:bodyPr rtlCol="0" anchor="ctr"/>
+          <a:lstStyle/>
+          <a:p>
+            <a:pPr algn="ctr"/>
+            <a:r>
+              <a:rPr lang="fr-FR" dirty="0" err="1" smtClean="0"/>
+              <a:t>lastAgentUt</a:t>
+            </a:r>
+            <a:r>
+              <a:rPr lang="fr-FR" dirty="0" smtClean="0"/>
+              <a:t> </a:t>
+            </a:r>
+            <a:r>
+              <a:rPr lang="fr-FR" dirty="0"/>
+              <a:t>≠</a:t>
+            </a:r>
+            <a:r>
+              <a:rPr lang="fr-FR" dirty="0" smtClean="0"/>
+              <a:t> State(</a:t>
+            </a:r>
+            <a:r>
+              <a:rPr lang="fr-FR" dirty="0" err="1" smtClean="0"/>
+              <a:t>less,more</a:t>
+            </a:r>
+            <a:r>
+              <a:rPr lang="fr-FR" dirty="0" smtClean="0"/>
+              <a:t>)</a:t>
+            </a:r>
+            <a:endParaRPr lang="fr-FR" dirty="0"/>
+          </a:p>
+        </p:txBody>
+      </p:sp>
+      <p:sp>
+        <p:nvSpPr>
+          <p:cNvPr id="28" name="Rectangle 27"/>
+          <p:cNvSpPr/>
+          <p:nvPr/>
+        </p:nvSpPr>
+        <p:spPr>
+          <a:xfrm>
+            <a:off x="2999619" y="4515431"/>
+            <a:ext cx="1224136" cy="432048"/>
+          </a:xfrm>
+          <a:prstGeom prst="rect">
+            <a:avLst/>
+          </a:prstGeom>
+        </p:spPr>
+        <p:style>
+          <a:lnRef idx="2">
+            <a:schemeClr val="accent1">
+              <a:shade val="50000"/>
+            </a:schemeClr>
+          </a:lnRef>
+          <a:fillRef idx="1">
+            <a:schemeClr val="accent1"/>
+          </a:fillRef>
+          <a:effectRef idx="0">
+            <a:schemeClr val="accent1"/>
+          </a:effectRef>
+          <a:fontRef idx="minor">
+            <a:schemeClr val="lt1"/>
+          </a:fontRef>
+        </p:style>
+        <p:txBody>
+          <a:bodyPr rtlCol="0" anchor="ctr"/>
+          <a:lstStyle/>
+          <a:p>
+            <a:pPr algn="ctr"/>
+            <a:r>
+              <a:rPr lang="fr-FR" dirty="0" smtClean="0"/>
+              <a:t>!</a:t>
+            </a:r>
+            <a:r>
+              <a:rPr lang="fr-FR" dirty="0" err="1" smtClean="0"/>
+              <a:t>isSub</a:t>
+            </a:r>
+            <a:r>
+              <a:rPr lang="fr-FR" dirty="0" smtClean="0"/>
+              <a:t>()</a:t>
+            </a:r>
+            <a:endParaRPr lang="fr-FR" dirty="0"/>
+          </a:p>
+        </p:txBody>
+      </p:sp>
+      <p:sp>
+        <p:nvSpPr>
+          <p:cNvPr id="29" name="Rectangle 28"/>
+          <p:cNvSpPr/>
+          <p:nvPr/>
+        </p:nvSpPr>
+        <p:spPr>
+          <a:xfrm>
+            <a:off x="2427128" y="5287348"/>
+            <a:ext cx="2088232" cy="576064"/>
+          </a:xfrm>
+          <a:prstGeom prst="rect">
+            <a:avLst/>
+          </a:prstGeom>
+        </p:spPr>
+        <p:style>
+          <a:lnRef idx="2">
+            <a:schemeClr val="accent6">
+              <a:shade val="50000"/>
+            </a:schemeClr>
+          </a:lnRef>
+          <a:fillRef idx="1">
+            <a:schemeClr val="accent6"/>
+          </a:fillRef>
+          <a:effectRef idx="0">
+            <a:schemeClr val="accent6"/>
+          </a:effectRef>
+          <a:fontRef idx="minor">
+            <a:schemeClr val="lt1"/>
+          </a:fontRef>
+        </p:style>
+        <p:txBody>
+          <a:bodyPr rtlCol="0" anchor="ctr"/>
+          <a:lstStyle/>
+          <a:p>
+            <a:pPr algn="ctr"/>
+            <a:r>
+              <a:rPr lang="fr-FR" dirty="0" smtClean="0"/>
+              <a:t>(less1,more1)</a:t>
+            </a:r>
+            <a:r>
+              <a:rPr lang="fr-FR" dirty="0" smtClean="0">
+                <a:latin typeface="Cambria Math"/>
+                <a:ea typeface="Cambria Math"/>
+              </a:rPr>
+              <a:t>∉</a:t>
+            </a:r>
+            <a:r>
+              <a:rPr lang="fr-FR" dirty="0"/>
+              <a:t>OAS</a:t>
+            </a:r>
+          </a:p>
+        </p:txBody>
+      </p:sp>
+      <p:sp>
+        <p:nvSpPr>
+          <p:cNvPr id="30" name="Rectangle 29"/>
+          <p:cNvSpPr/>
+          <p:nvPr/>
+        </p:nvSpPr>
+        <p:spPr>
+          <a:xfrm>
+            <a:off x="4888096" y="4578130"/>
+            <a:ext cx="1564051" cy="2048846"/>
+          </a:xfrm>
+          <a:prstGeom prst="rect">
+            <a:avLst/>
+          </a:prstGeom>
+        </p:spPr>
+        <p:style>
+          <a:lnRef idx="2">
+            <a:schemeClr val="accent3">
+              <a:shade val="50000"/>
+            </a:schemeClr>
+          </a:lnRef>
+          <a:fillRef idx="1">
+            <a:schemeClr val="accent3"/>
+          </a:fillRef>
+          <a:effectRef idx="0">
+            <a:schemeClr val="accent3"/>
+          </a:effectRef>
+          <a:fontRef idx="minor">
+            <a:schemeClr val="lt1"/>
+          </a:fontRef>
+        </p:style>
+        <p:txBody>
+          <a:bodyPr rtlCol="0" anchor="ctr"/>
+          <a:lstStyle/>
+          <a:p>
+            <a:pPr algn="ctr"/>
+            <a:r>
+              <a:rPr lang="fr-FR" dirty="0" smtClean="0">
+                <a:sym typeface="Wingdings" panose="05000000000000000000" pitchFamily="2" charset="2"/>
+              </a:rPr>
+              <a:t>more</a:t>
+            </a:r>
+            <a:r>
+              <a:rPr lang="fr-FR" dirty="0"/>
+              <a:t> </a:t>
+            </a:r>
+            <a:r>
+              <a:rPr lang="fr-FR" dirty="0" smtClean="0"/>
+              <a:t>≠ </a:t>
+            </a:r>
+            <a:r>
+              <a:rPr lang="fr-FR" dirty="0" err="1" smtClean="0"/>
+              <a:t>null</a:t>
+            </a:r>
+            <a:r>
+              <a:rPr lang="fr-FR" dirty="0" smtClean="0"/>
+              <a:t> </a:t>
+            </a:r>
+            <a:r>
+              <a:rPr lang="fr-FR" dirty="0" smtClean="0">
+                <a:sym typeface="Wingdings" panose="05000000000000000000" pitchFamily="2" charset="2"/>
+              </a:rPr>
+              <a:t>&amp;&amp;</a:t>
+            </a:r>
+          </a:p>
+          <a:p>
+            <a:pPr algn="ctr"/>
+            <a:r>
+              <a:rPr lang="fr-FR" dirty="0" smtClean="0">
+                <a:sym typeface="Wingdings" panose="05000000000000000000" pitchFamily="2" charset="2"/>
+              </a:rPr>
+              <a:t>(</a:t>
+            </a:r>
+            <a:r>
+              <a:rPr lang="fr-FR" dirty="0" err="1" smtClean="0">
+                <a:sym typeface="Wingdings" panose="05000000000000000000" pitchFamily="2" charset="2"/>
+              </a:rPr>
+              <a:t>isSub</a:t>
+            </a:r>
+            <a:r>
+              <a:rPr lang="fr-FR" dirty="0" smtClean="0">
+                <a:sym typeface="Wingdings" panose="05000000000000000000" pitchFamily="2" charset="2"/>
+              </a:rPr>
+              <a:t> || (!</a:t>
+            </a:r>
+            <a:r>
+              <a:rPr lang="fr-FR" dirty="0" err="1" smtClean="0">
+                <a:sym typeface="Wingdings" panose="05000000000000000000" pitchFamily="2" charset="2"/>
+              </a:rPr>
+              <a:t>isSub</a:t>
+            </a:r>
+            <a:r>
+              <a:rPr lang="fr-FR" dirty="0" smtClean="0">
+                <a:sym typeface="Wingdings" panose="05000000000000000000" pitchFamily="2" charset="2"/>
+              </a:rPr>
+              <a:t> &amp;&amp; more=</a:t>
+            </a:r>
+            <a:r>
+              <a:rPr lang="fr-FR" dirty="0" err="1" smtClean="0">
+                <a:sym typeface="Wingdings" panose="05000000000000000000" pitchFamily="2" charset="2"/>
+              </a:rPr>
+              <a:t>mostPreferred</a:t>
+            </a:r>
+            <a:r>
+              <a:rPr lang="fr-FR" dirty="0" smtClean="0">
+                <a:sym typeface="Wingdings" panose="05000000000000000000" pitchFamily="2" charset="2"/>
+              </a:rPr>
+              <a:t>))</a:t>
+            </a:r>
+            <a:endParaRPr lang="fr-FR" dirty="0"/>
+          </a:p>
+        </p:txBody>
+      </p:sp>
+      <p:sp>
+        <p:nvSpPr>
+          <p:cNvPr id="22" name="Rectangle 21"/>
+          <p:cNvSpPr/>
+          <p:nvPr/>
+        </p:nvSpPr>
+        <p:spPr>
+          <a:xfrm>
+            <a:off x="2427128" y="5864512"/>
+            <a:ext cx="2088232" cy="1524928"/>
+          </a:xfrm>
+          <a:prstGeom prst="rect">
+            <a:avLst/>
+          </a:prstGeom>
+        </p:spPr>
+        <p:style>
+          <a:lnRef idx="2">
+            <a:schemeClr val="accent6"/>
+          </a:lnRef>
+          <a:fillRef idx="1">
+            <a:schemeClr val="lt1"/>
+          </a:fillRef>
+          <a:effectRef idx="0">
+            <a:schemeClr val="accent6"/>
+          </a:effectRef>
+          <a:fontRef idx="minor">
+            <a:schemeClr val="dk1"/>
+          </a:fontRef>
+        </p:style>
+        <p:txBody>
+          <a:bodyPr rtlCol="0" anchor="ctr"/>
+          <a:lstStyle/>
+          <a:p>
+            <a:pPr algn="ctr"/>
+            <a:r>
+              <a:rPr lang="fr-FR" dirty="0" smtClean="0"/>
+              <a:t>Si toute les </a:t>
+            </a:r>
+            <a:r>
+              <a:rPr lang="fr-FR" dirty="0" err="1" smtClean="0"/>
+              <a:t>preferences</a:t>
+            </a:r>
+            <a:r>
+              <a:rPr lang="fr-FR" dirty="0" smtClean="0"/>
+              <a:t> de self sont dans de </a:t>
+            </a:r>
+            <a:r>
+              <a:rPr lang="fr-FR" dirty="0" err="1" smtClean="0"/>
+              <a:t>oas</a:t>
+            </a:r>
+            <a:r>
+              <a:rPr lang="fr-FR" dirty="0" smtClean="0"/>
+              <a:t> alors change de </a:t>
+            </a:r>
+            <a:r>
+              <a:rPr lang="fr-FR" dirty="0" err="1" smtClean="0"/>
+              <a:t>critere</a:t>
+            </a:r>
+            <a:r>
+              <a:rPr lang="fr-FR" dirty="0" smtClean="0"/>
+              <a:t> C</a:t>
+            </a:r>
+            <a:endParaRPr lang="fr-FR" dirty="0"/>
+          </a:p>
+        </p:txBody>
+      </p:sp>
+      <p:sp>
+        <p:nvSpPr>
+          <p:cNvPr id="17" name="Rectangle 16"/>
+          <p:cNvSpPr/>
+          <p:nvPr/>
+        </p:nvSpPr>
+        <p:spPr>
+          <a:xfrm>
+            <a:off x="6804248" y="5314520"/>
+            <a:ext cx="2339752" cy="1930903"/>
+          </a:xfrm>
+          <a:prstGeom prst="rect">
+            <a:avLst/>
+          </a:prstGeom>
+        </p:spPr>
+        <p:style>
+          <a:lnRef idx="2">
+            <a:schemeClr val="accent6">
+              <a:shade val="50000"/>
+            </a:schemeClr>
+          </a:lnRef>
+          <a:fillRef idx="1">
+            <a:schemeClr val="accent6"/>
+          </a:fillRef>
+          <a:effectRef idx="0">
+            <a:schemeClr val="accent6"/>
+          </a:effectRef>
+          <a:fontRef idx="minor">
+            <a:schemeClr val="lt1"/>
+          </a:fontRef>
+        </p:style>
+        <p:txBody>
+          <a:bodyPr rtlCol="0" anchor="ctr"/>
+          <a:lstStyle/>
+          <a:p>
+            <a:pPr algn="ctr"/>
+            <a:r>
+              <a:rPr lang="fr-FR" dirty="0" smtClean="0"/>
+              <a:t>less1 = mon préféré entre (</a:t>
+            </a:r>
+            <a:r>
+              <a:rPr lang="fr-FR" dirty="0" err="1" smtClean="0"/>
+              <a:t>less,more</a:t>
+            </a:r>
+            <a:r>
+              <a:rPr lang="fr-FR" dirty="0" smtClean="0"/>
+              <a:t>)</a:t>
+            </a:r>
+          </a:p>
+          <a:p>
+            <a:pPr algn="ctr"/>
+            <a:r>
+              <a:rPr lang="fr-FR" dirty="0" smtClean="0"/>
+              <a:t>&amp;&amp;</a:t>
+            </a:r>
+          </a:p>
+          <a:p>
+            <a:pPr algn="ctr"/>
+            <a:r>
+              <a:rPr lang="fr-FR" dirty="0" smtClean="0"/>
+              <a:t>more1&gt;less1 dans mes données</a:t>
+            </a:r>
+          </a:p>
+          <a:p>
+            <a:pPr algn="ctr"/>
+            <a:r>
+              <a:rPr lang="fr-FR" dirty="0" smtClean="0"/>
+              <a:t>&amp;&amp;</a:t>
+            </a:r>
+          </a:p>
+          <a:p>
+            <a:pPr algn="ctr"/>
+            <a:r>
+              <a:rPr lang="fr-FR" dirty="0" smtClean="0"/>
+              <a:t>(less1,more1)</a:t>
+            </a:r>
+            <a:r>
+              <a:rPr lang="fr-FR" dirty="0">
+                <a:latin typeface="Cambria Math"/>
+                <a:ea typeface="Cambria Math"/>
+              </a:rPr>
+              <a:t> </a:t>
+            </a:r>
+            <a:r>
+              <a:rPr lang="fr-FR" dirty="0" smtClean="0">
+                <a:latin typeface="Cambria Math"/>
+                <a:ea typeface="Cambria Math"/>
+              </a:rPr>
+              <a:t>∉ </a:t>
+            </a:r>
+            <a:r>
+              <a:rPr lang="fr-FR" smtClean="0">
+                <a:latin typeface="Cambria Math"/>
+                <a:ea typeface="Cambria Math"/>
+              </a:rPr>
+              <a:t>Other</a:t>
+            </a:r>
+            <a:endParaRPr lang="fr-FR" dirty="0"/>
+          </a:p>
+        </p:txBody>
+      </p:sp>
     </p:spTree>
     <p:extLst>
       <p:ext uri="{BB962C8B-B14F-4D97-AF65-F5344CB8AC3E}">
-        <p14:creationId xmlns:p14="http://schemas.microsoft.com/office/powerpoint/2010/main" val="2330323665"/>
+        <p14:creationId xmlns:p14="http://schemas.microsoft.com/office/powerpoint/2010/main" val="4270447913"/>
       </p:ext>
     </p:extLst>
   </p:cSld>
@@ -4362,7 +5096,7 @@
             <a:pPr algn="ctr"/>
             <a:r>
               <a:rPr lang="fr-FR" dirty="0" smtClean="0"/>
-              <a:t>Propose (O)</a:t>
+              <a:t>Propose (C, value)</a:t>
             </a:r>
             <a:endParaRPr lang="fr-FR" dirty="0"/>
           </a:p>
@@ -4376,8 +5110,8 @@
         </p:nvSpPr>
         <p:spPr>
           <a:xfrm>
-            <a:off x="179512" y="2891225"/>
-            <a:ext cx="2088232" cy="369332"/>
+            <a:off x="107504" y="2891225"/>
+            <a:ext cx="2052323" cy="646331"/>
           </a:xfrm>
           <a:prstGeom prst="rect">
             <a:avLst/>
@@ -4402,11 +5136,7 @@
             </a:r>
             <a:r>
               <a:rPr lang="fr-FR" dirty="0" smtClean="0"/>
-              <a:t> (</a:t>
-            </a:r>
-            <a:r>
-              <a:rPr lang="fr-FR" dirty="0" smtClean="0"/>
-              <a:t>X)</a:t>
+              <a:t> (C, value, *)</a:t>
             </a:r>
             <a:endParaRPr lang="fr-FR" dirty="0"/>
           </a:p>
@@ -4423,8 +5153,8 @@
         </p:nvCxnSpPr>
         <p:spPr>
           <a:xfrm flipH="1">
-            <a:off x="1223628" y="1062028"/>
-            <a:ext cx="3349495" cy="1829197"/>
+            <a:off x="1133666" y="1062028"/>
+            <a:ext cx="3439457" cy="1829197"/>
           </a:xfrm>
           <a:prstGeom prst="straightConnector1">
             <a:avLst/>
@@ -4456,8 +5186,8 @@
         </p:nvSpPr>
         <p:spPr>
           <a:xfrm>
-            <a:off x="2627785" y="2891225"/>
-            <a:ext cx="1440160" cy="369332"/>
+            <a:off x="3967993" y="2922792"/>
+            <a:ext cx="1428974" cy="646331"/>
           </a:xfrm>
           <a:prstGeom prst="rect">
             <a:avLst/>
@@ -4478,7 +5208,7 @@
             <a:pPr algn="ctr"/>
             <a:r>
               <a:rPr lang="fr-FR" dirty="0" smtClean="0"/>
-              <a:t>Propose (O2)</a:t>
+              <a:t>Propose (C, value2)</a:t>
             </a:r>
             <a:endParaRPr lang="fr-FR" dirty="0"/>
           </a:p>
@@ -4494,9 +5224,9 @@
           <p:nvPr/>
         </p:nvCxnSpPr>
         <p:spPr>
-          <a:xfrm flipH="1">
-            <a:off x="3347865" y="1062028"/>
-            <a:ext cx="1225258" cy="1829197"/>
+          <a:xfrm>
+            <a:off x="4573123" y="1062028"/>
+            <a:ext cx="109357" cy="1860764"/>
           </a:xfrm>
           <a:prstGeom prst="straightConnector1">
             <a:avLst/>
@@ -4522,23 +5252,21 @@
       </p:cxnSp>
       <p:sp>
         <p:nvSpPr>
-          <p:cNvPr id="20" name="ZoneTexte 19"/>
+          <p:cNvPr id="23" name="ZoneTexte 22"/>
           <p:cNvSpPr txBox="1"/>
           <p:nvPr/>
         </p:nvSpPr>
         <p:spPr>
           <a:xfrm>
-            <a:off x="6012160" y="2891225"/>
-            <a:ext cx="1150108" cy="369332"/>
+            <a:off x="7131923" y="2891225"/>
+            <a:ext cx="2012077" cy="646331"/>
           </a:xfrm>
           <a:prstGeom prst="rect">
             <a:avLst/>
           </a:prstGeom>
           <a:noFill/>
           <a:ln>
-            <a:solidFill>
-              <a:schemeClr val="tx1"/>
-            </a:solidFill>
+            <a:noFill/>
           </a:ln>
         </p:spPr>
         <p:txBody>
@@ -4549,16 +5277,12 @@
           <a:p>
             <a:pPr algn="ctr"/>
             <a:r>
+              <a:rPr lang="fr-FR" dirty="0" smtClean="0"/>
+              <a:t>On a retiré le </a:t>
+            </a:r>
+            <a:r>
               <a:rPr lang="fr-FR" dirty="0" err="1" smtClean="0"/>
-              <a:t>Reject</a:t>
-            </a:r>
-            <a:r>
-              <a:rPr lang="fr-FR" dirty="0" smtClean="0"/>
-              <a:t> (</a:t>
-            </a:r>
-            <a:r>
-              <a:rPr lang="fr-FR" dirty="0" smtClean="0"/>
-              <a:t>O)</a:t>
+              <a:t>statePref</a:t>
             </a:r>
             <a:endParaRPr lang="fr-FR" dirty="0"/>
           </a:p>
@@ -4566,22 +5290,23 @@
       </p:sp>
       <p:cxnSp>
         <p:nvCxnSpPr>
-          <p:cNvPr id="21" name="Connecteur droit avec flèche 20"/>
+          <p:cNvPr id="24" name="Connecteur droit avec flèche 23"/>
           <p:cNvCxnSpPr>
             <a:stCxn id="4" idx="2"/>
-            <a:endCxn id="20" idx="0"/>
+            <a:endCxn id="23" idx="0"/>
           </p:cNvCxnSpPr>
           <p:nvPr/>
         </p:nvCxnSpPr>
         <p:spPr>
           <a:xfrm>
             <a:off x="4573123" y="1062028"/>
-            <a:ext cx="2014091" cy="1829197"/>
+            <a:ext cx="3564839" cy="1829197"/>
           </a:xfrm>
           <a:prstGeom prst="straightConnector1">
             <a:avLst/>
           </a:prstGeom>
           <a:ln>
+            <a:prstDash val="sysDash"/>
             <a:tailEnd type="arrow"/>
           </a:ln>
         </p:spPr>
@@ -4602,14 +5327,14 @@
       </p:cxnSp>
       <p:sp>
         <p:nvSpPr>
-          <p:cNvPr id="22" name="ZoneTexte 21"/>
+          <p:cNvPr id="20" name="ZoneTexte 19"/>
           <p:cNvSpPr txBox="1"/>
           <p:nvPr/>
         </p:nvSpPr>
         <p:spPr>
           <a:xfrm>
-            <a:off x="7524328" y="2915652"/>
-            <a:ext cx="1239191" cy="369332"/>
+            <a:off x="2411760" y="2904078"/>
+            <a:ext cx="1276019" cy="646331"/>
           </a:xfrm>
           <a:prstGeom prst="rect">
             <a:avLst/>
@@ -4630,15 +5355,19 @@
             <a:pPr algn="ctr"/>
             <a:r>
               <a:rPr lang="fr-FR" dirty="0" err="1" smtClean="0"/>
-              <a:t>Accept</a:t>
+              <a:t>Reject</a:t>
             </a:r>
             <a:r>
               <a:rPr lang="fr-FR" dirty="0" smtClean="0"/>
               <a:t> (</a:t>
             </a:r>
             <a:r>
-              <a:rPr lang="fr-FR" dirty="0" smtClean="0"/>
-              <a:t>O)</a:t>
+              <a:rPr lang="fr-FR" dirty="0" err="1" smtClean="0"/>
+              <a:t>C,value</a:t>
+            </a:r>
+            <a:r>
+              <a:rPr lang="fr-FR" dirty="0" smtClean="0"/>
+              <a:t>)</a:t>
             </a:r>
             <a:endParaRPr lang="fr-FR" dirty="0"/>
           </a:p>
@@ -4646,17 +5375,17 @@
       </p:sp>
       <p:cxnSp>
         <p:nvCxnSpPr>
-          <p:cNvPr id="25" name="Connecteur droit avec flèche 24"/>
+          <p:cNvPr id="21" name="Connecteur droit avec flèche 20"/>
           <p:cNvCxnSpPr>
             <a:stCxn id="4" idx="2"/>
-            <a:endCxn id="22" idx="0"/>
+            <a:endCxn id="20" idx="0"/>
           </p:cNvCxnSpPr>
           <p:nvPr/>
         </p:nvCxnSpPr>
         <p:spPr>
-          <a:xfrm>
-            <a:off x="4573123" y="1062028"/>
-            <a:ext cx="3570801" cy="1853624"/>
+          <a:xfrm flipH="1">
+            <a:off x="3049770" y="1062028"/>
+            <a:ext cx="1523353" cy="1842050"/>
           </a:xfrm>
           <a:prstGeom prst="straightConnector1">
             <a:avLst/>
@@ -4682,14 +5411,14 @@
       </p:cxnSp>
       <p:sp>
         <p:nvSpPr>
-          <p:cNvPr id="26" name="ZoneTexte 25"/>
+          <p:cNvPr id="22" name="ZoneTexte 21"/>
           <p:cNvSpPr txBox="1"/>
           <p:nvPr/>
         </p:nvSpPr>
         <p:spPr>
           <a:xfrm>
-            <a:off x="4303655" y="2891225"/>
-            <a:ext cx="1403033" cy="369332"/>
+            <a:off x="5683467" y="2922792"/>
+            <a:ext cx="1188844" cy="646331"/>
           </a:xfrm>
           <a:prstGeom prst="rect">
             <a:avLst/>
@@ -4709,8 +5438,27 @@
           <a:p>
             <a:pPr algn="ctr"/>
             <a:r>
-              <a:rPr lang="fr-FR" dirty="0" smtClean="0"/>
-              <a:t>Propose (X)</a:t>
+              <a:rPr lang="fr-FR" dirty="0" err="1" smtClean="0"/>
+              <a:t>Accept</a:t>
+            </a:r>
+            <a:r>
+              <a:rPr lang="fr-FR" dirty="0" smtClean="0"/>
+              <a:t> </a:t>
+            </a:r>
+          </a:p>
+          <a:p>
+            <a:pPr algn="ctr"/>
+            <a:r>
+              <a:rPr lang="fr-FR" dirty="0" smtClean="0"/>
+              <a:t>(</a:t>
+            </a:r>
+            <a:r>
+              <a:rPr lang="fr-FR" dirty="0" err="1" smtClean="0"/>
+              <a:t>C,value</a:t>
+            </a:r>
+            <a:r>
+              <a:rPr lang="fr-FR" dirty="0" smtClean="0"/>
+              <a:t>)</a:t>
             </a:r>
             <a:endParaRPr lang="fr-FR" dirty="0"/>
           </a:p>
@@ -4718,17 +5466,17 @@
       </p:sp>
       <p:cxnSp>
         <p:nvCxnSpPr>
-          <p:cNvPr id="27" name="Connecteur droit avec flèche 26"/>
+          <p:cNvPr id="25" name="Connecteur droit avec flèche 24"/>
           <p:cNvCxnSpPr>
             <a:stCxn id="4" idx="2"/>
-            <a:endCxn id="26" idx="0"/>
+            <a:endCxn id="22" idx="0"/>
           </p:cNvCxnSpPr>
           <p:nvPr/>
         </p:nvCxnSpPr>
         <p:spPr>
           <a:xfrm>
             <a:off x="4573123" y="1062028"/>
-            <a:ext cx="432049" cy="1829197"/>
+            <a:ext cx="1704766" cy="1860764"/>
           </a:xfrm>
           <a:prstGeom prst="straightConnector1">
             <a:avLst/>
@@ -4752,10 +5500,470 @@
           </a:fontRef>
         </p:style>
       </p:cxnSp>
+      <p:sp>
+        <p:nvSpPr>
+          <p:cNvPr id="19" name="Rectangle 18"/>
+          <p:cNvSpPr/>
+          <p:nvPr/>
+        </p:nvSpPr>
+        <p:spPr>
+          <a:xfrm>
+            <a:off x="521597" y="3677683"/>
+            <a:ext cx="1224136" cy="432048"/>
+          </a:xfrm>
+          <a:prstGeom prst="rect">
+            <a:avLst/>
+          </a:prstGeom>
+        </p:spPr>
+        <p:style>
+          <a:lnRef idx="2">
+            <a:schemeClr val="accent1">
+              <a:shade val="50000"/>
+            </a:schemeClr>
+          </a:lnRef>
+          <a:fillRef idx="1">
+            <a:schemeClr val="accent1"/>
+          </a:fillRef>
+          <a:effectRef idx="0">
+            <a:schemeClr val="accent1"/>
+          </a:effectRef>
+          <a:fontRef idx="minor">
+            <a:schemeClr val="lt1"/>
+          </a:fontRef>
+        </p:style>
+        <p:txBody>
+          <a:bodyPr rtlCol="0" anchor="ctr"/>
+          <a:lstStyle/>
+          <a:p>
+            <a:pPr algn="ctr"/>
+            <a:r>
+              <a:rPr lang="fr-FR" dirty="0" err="1" smtClean="0"/>
+              <a:t>isSub</a:t>
+            </a:r>
+            <a:r>
+              <a:rPr lang="fr-FR" dirty="0" smtClean="0"/>
+              <a:t>()</a:t>
+            </a:r>
+            <a:endParaRPr lang="fr-FR" dirty="0"/>
+          </a:p>
+        </p:txBody>
+      </p:sp>
+      <p:sp>
+        <p:nvSpPr>
+          <p:cNvPr id="26" name="Rectangle 25"/>
+          <p:cNvSpPr/>
+          <p:nvPr/>
+        </p:nvSpPr>
+        <p:spPr>
+          <a:xfrm>
+            <a:off x="4070412" y="3690495"/>
+            <a:ext cx="1224136" cy="432048"/>
+          </a:xfrm>
+          <a:prstGeom prst="rect">
+            <a:avLst/>
+          </a:prstGeom>
+        </p:spPr>
+        <p:style>
+          <a:lnRef idx="2">
+            <a:schemeClr val="accent1">
+              <a:shade val="50000"/>
+            </a:schemeClr>
+          </a:lnRef>
+          <a:fillRef idx="1">
+            <a:schemeClr val="accent1"/>
+          </a:fillRef>
+          <a:effectRef idx="0">
+            <a:schemeClr val="accent1"/>
+          </a:effectRef>
+          <a:fontRef idx="minor">
+            <a:schemeClr val="lt1"/>
+          </a:fontRef>
+        </p:style>
+        <p:txBody>
+          <a:bodyPr rtlCol="0" anchor="ctr"/>
+          <a:lstStyle/>
+          <a:p>
+            <a:pPr algn="ctr"/>
+            <a:r>
+              <a:rPr lang="fr-FR" dirty="0" err="1" smtClean="0"/>
+              <a:t>isDom</a:t>
+            </a:r>
+            <a:r>
+              <a:rPr lang="fr-FR" dirty="0" smtClean="0"/>
+              <a:t>()</a:t>
+            </a:r>
+            <a:endParaRPr lang="fr-FR" dirty="0"/>
+          </a:p>
+        </p:txBody>
+      </p:sp>
+      <p:sp>
+        <p:nvSpPr>
+          <p:cNvPr id="27" name="Rectangle 26"/>
+          <p:cNvSpPr/>
+          <p:nvPr/>
+        </p:nvSpPr>
+        <p:spPr>
+          <a:xfrm>
+            <a:off x="2437702" y="3671471"/>
+            <a:ext cx="1224136" cy="451072"/>
+          </a:xfrm>
+          <a:prstGeom prst="rect">
+            <a:avLst/>
+          </a:prstGeom>
+        </p:spPr>
+        <p:style>
+          <a:lnRef idx="2">
+            <a:schemeClr val="accent1">
+              <a:shade val="50000"/>
+            </a:schemeClr>
+          </a:lnRef>
+          <a:fillRef idx="1">
+            <a:schemeClr val="accent1"/>
+          </a:fillRef>
+          <a:effectRef idx="0">
+            <a:schemeClr val="accent1"/>
+          </a:effectRef>
+          <a:fontRef idx="minor">
+            <a:schemeClr val="lt1"/>
+          </a:fontRef>
+        </p:style>
+        <p:txBody>
+          <a:bodyPr rtlCol="0" anchor="ctr"/>
+          <a:lstStyle/>
+          <a:p>
+            <a:pPr algn="ctr"/>
+            <a:r>
+              <a:rPr lang="fr-FR" dirty="0" smtClean="0"/>
+              <a:t>!</a:t>
+            </a:r>
+            <a:r>
+              <a:rPr lang="fr-FR" dirty="0" err="1" smtClean="0"/>
+              <a:t>isSub</a:t>
+            </a:r>
+            <a:r>
+              <a:rPr lang="fr-FR" dirty="0" smtClean="0"/>
+              <a:t>(()</a:t>
+            </a:r>
+            <a:endParaRPr lang="fr-FR" dirty="0"/>
+          </a:p>
+        </p:txBody>
+      </p:sp>
+      <p:sp>
+        <p:nvSpPr>
+          <p:cNvPr id="28" name="ZoneTexte 27"/>
+          <p:cNvSpPr txBox="1"/>
+          <p:nvPr/>
+        </p:nvSpPr>
+        <p:spPr>
+          <a:xfrm>
+            <a:off x="195229" y="5013176"/>
+            <a:ext cx="1964598" cy="954107"/>
+          </a:xfrm>
+          <a:prstGeom prst="rect">
+            <a:avLst/>
+          </a:prstGeom>
+          <a:noFill/>
+        </p:spPr>
+        <p:txBody>
+          <a:bodyPr wrap="square" rtlCol="0">
+            <a:spAutoFit/>
+          </a:bodyPr>
+          <a:lstStyle/>
+          <a:p>
+            <a:r>
+              <a:rPr lang="fr-FR" sz="1400" dirty="0" smtClean="0"/>
+              <a:t>Je ne suis pas assez dominant pour faire un </a:t>
+            </a:r>
+            <a:r>
+              <a:rPr lang="fr-FR" sz="1400" dirty="0" err="1" smtClean="0"/>
+              <a:t>reject</a:t>
+            </a:r>
+            <a:r>
+              <a:rPr lang="fr-FR" sz="1400" dirty="0" smtClean="0"/>
+              <a:t> mais la </a:t>
+            </a:r>
+            <a:r>
+              <a:rPr lang="fr-FR" sz="1400" dirty="0" err="1" smtClean="0"/>
+              <a:t>prop</a:t>
+            </a:r>
+            <a:r>
+              <a:rPr lang="fr-FR" sz="1400" dirty="0" smtClean="0"/>
+              <a:t>. ne me satisfait pas</a:t>
+            </a:r>
+            <a:endParaRPr lang="fr-FR" sz="1400" dirty="0"/>
+          </a:p>
+        </p:txBody>
+      </p:sp>
+      <p:sp>
+        <p:nvSpPr>
+          <p:cNvPr id="29" name="Rectangle 28"/>
+          <p:cNvSpPr/>
+          <p:nvPr/>
+        </p:nvSpPr>
+        <p:spPr>
+          <a:xfrm>
+            <a:off x="195229" y="4172707"/>
+            <a:ext cx="5201738" cy="576064"/>
+          </a:xfrm>
+          <a:prstGeom prst="rect">
+            <a:avLst/>
+          </a:prstGeom>
+        </p:spPr>
+        <p:style>
+          <a:lnRef idx="2">
+            <a:schemeClr val="accent3">
+              <a:shade val="50000"/>
+            </a:schemeClr>
+          </a:lnRef>
+          <a:fillRef idx="1">
+            <a:schemeClr val="accent3"/>
+          </a:fillRef>
+          <a:effectRef idx="0">
+            <a:schemeClr val="accent3"/>
+          </a:effectRef>
+          <a:fontRef idx="minor">
+            <a:schemeClr val="lt1"/>
+          </a:fontRef>
+        </p:style>
+        <p:txBody>
+          <a:bodyPr rtlCol="0" anchor="ctr"/>
+          <a:lstStyle/>
+          <a:p>
+            <a:pPr algn="ctr"/>
+            <a:r>
+              <a:rPr lang="fr-FR" dirty="0" err="1" smtClean="0"/>
+              <a:t>isNotPreferred</a:t>
+            </a:r>
+            <a:r>
+              <a:rPr lang="fr-FR" dirty="0" smtClean="0"/>
+              <a:t>(value)</a:t>
+            </a:r>
+            <a:endParaRPr lang="fr-FR" dirty="0"/>
+          </a:p>
+        </p:txBody>
+      </p:sp>
+      <p:sp>
+        <p:nvSpPr>
+          <p:cNvPr id="11" name="ZoneTexte 10"/>
+          <p:cNvSpPr txBox="1"/>
+          <p:nvPr/>
+        </p:nvSpPr>
+        <p:spPr>
+          <a:xfrm>
+            <a:off x="107504" y="260648"/>
+            <a:ext cx="3229172" cy="830997"/>
+          </a:xfrm>
+          <a:prstGeom prst="rect">
+            <a:avLst/>
+          </a:prstGeom>
+          <a:noFill/>
+        </p:spPr>
+        <p:txBody>
+          <a:bodyPr wrap="square" rtlCol="0">
+            <a:spAutoFit/>
+          </a:bodyPr>
+          <a:lstStyle/>
+          <a:p>
+            <a:r>
+              <a:rPr lang="fr-FR" sz="1600" dirty="0" err="1" smtClean="0"/>
+              <a:t>Prop</a:t>
+            </a:r>
+            <a:r>
+              <a:rPr lang="fr-FR" sz="1600" dirty="0" smtClean="0"/>
+              <a:t>. Lydia pour </a:t>
+            </a:r>
+            <a:r>
+              <a:rPr lang="fr-FR" sz="1600" dirty="0" err="1" smtClean="0"/>
+              <a:t>isNotPreferred</a:t>
+            </a:r>
+            <a:r>
+              <a:rPr lang="fr-FR" sz="1600" dirty="0" smtClean="0"/>
+              <a:t>: est-ce que poids négatif, en tenant compte du contexte ?</a:t>
+            </a:r>
+            <a:endParaRPr lang="fr-FR" sz="1600" dirty="0"/>
+          </a:p>
+        </p:txBody>
+      </p:sp>
+      <p:sp>
+        <p:nvSpPr>
+          <p:cNvPr id="30" name="ZoneTexte 29"/>
+          <p:cNvSpPr txBox="1"/>
+          <p:nvPr/>
+        </p:nvSpPr>
+        <p:spPr>
+          <a:xfrm>
+            <a:off x="2413796" y="5182452"/>
+            <a:ext cx="1248042" cy="523220"/>
+          </a:xfrm>
+          <a:prstGeom prst="rect">
+            <a:avLst/>
+          </a:prstGeom>
+          <a:noFill/>
+        </p:spPr>
+        <p:txBody>
+          <a:bodyPr wrap="square" rtlCol="0">
+            <a:spAutoFit/>
+          </a:bodyPr>
+          <a:lstStyle/>
+          <a:p>
+            <a:r>
+              <a:rPr lang="fr-FR" sz="1400" dirty="0" smtClean="0"/>
+              <a:t>Je suis assez dominant</a:t>
+            </a:r>
+            <a:endParaRPr lang="fr-FR" sz="1400" dirty="0"/>
+          </a:p>
+        </p:txBody>
+      </p:sp>
+      <p:sp>
+        <p:nvSpPr>
+          <p:cNvPr id="31" name="Rectangle 30"/>
+          <p:cNvSpPr/>
+          <p:nvPr/>
+        </p:nvSpPr>
+        <p:spPr>
+          <a:xfrm>
+            <a:off x="3809099" y="4999170"/>
+            <a:ext cx="1900151" cy="576064"/>
+          </a:xfrm>
+          <a:prstGeom prst="rect">
+            <a:avLst/>
+          </a:prstGeom>
+        </p:spPr>
+        <p:style>
+          <a:lnRef idx="2">
+            <a:schemeClr val="accent6">
+              <a:shade val="50000"/>
+            </a:schemeClr>
+          </a:lnRef>
+          <a:fillRef idx="1">
+            <a:schemeClr val="accent6"/>
+          </a:fillRef>
+          <a:effectRef idx="0">
+            <a:schemeClr val="accent6"/>
+          </a:effectRef>
+          <a:fontRef idx="minor">
+            <a:schemeClr val="lt1"/>
+          </a:fontRef>
+        </p:style>
+        <p:txBody>
+          <a:bodyPr rtlCol="0" anchor="ctr"/>
+          <a:lstStyle/>
+          <a:p>
+            <a:pPr algn="ctr"/>
+            <a:r>
+              <a:rPr lang="fr-FR" dirty="0" smtClean="0"/>
+              <a:t>valu2</a:t>
+            </a:r>
+            <a:r>
+              <a:rPr lang="fr-FR" dirty="0" smtClean="0">
+                <a:latin typeface="Cambria Math"/>
+                <a:ea typeface="Cambria Math"/>
+              </a:rPr>
+              <a:t>∉</a:t>
+            </a:r>
+            <a:r>
+              <a:rPr lang="fr-FR" dirty="0" smtClean="0"/>
+              <a:t>rejected</a:t>
+            </a:r>
+            <a:endParaRPr lang="fr-FR" dirty="0"/>
+          </a:p>
+        </p:txBody>
+      </p:sp>
+      <p:sp>
+        <p:nvSpPr>
+          <p:cNvPr id="32" name="ZoneTexte 31"/>
+          <p:cNvSpPr txBox="1"/>
+          <p:nvPr/>
+        </p:nvSpPr>
+        <p:spPr>
+          <a:xfrm>
+            <a:off x="3809099" y="5705672"/>
+            <a:ext cx="2059045" cy="1169551"/>
+          </a:xfrm>
+          <a:prstGeom prst="rect">
+            <a:avLst/>
+          </a:prstGeom>
+          <a:noFill/>
+        </p:spPr>
+        <p:txBody>
+          <a:bodyPr wrap="square" rtlCol="0">
+            <a:spAutoFit/>
+          </a:bodyPr>
+          <a:lstStyle/>
+          <a:p>
+            <a:r>
+              <a:rPr lang="fr-FR" sz="1400" dirty="0" smtClean="0"/>
+              <a:t>Je suis dominant mais pas chiant non plus…</a:t>
+            </a:r>
+          </a:p>
+          <a:p>
+            <a:endParaRPr lang="fr-FR" sz="1400" dirty="0"/>
+          </a:p>
+          <a:p>
+            <a:r>
+              <a:rPr lang="fr-FR" sz="1400" dirty="0" smtClean="0"/>
+              <a:t>On choisit de ne pas faire l’agent chiant</a:t>
+            </a:r>
+            <a:endParaRPr lang="fr-FR" sz="1400" dirty="0"/>
+          </a:p>
+        </p:txBody>
+      </p:sp>
+      <p:sp>
+        <p:nvSpPr>
+          <p:cNvPr id="33" name="Rectangle 32"/>
+          <p:cNvSpPr/>
+          <p:nvPr/>
+        </p:nvSpPr>
+        <p:spPr>
+          <a:xfrm>
+            <a:off x="5684729" y="3821051"/>
+            <a:ext cx="1188844" cy="1120117"/>
+          </a:xfrm>
+          <a:prstGeom prst="rect">
+            <a:avLst/>
+          </a:prstGeom>
+        </p:spPr>
+        <p:style>
+          <a:lnRef idx="2">
+            <a:schemeClr val="accent3">
+              <a:shade val="50000"/>
+            </a:schemeClr>
+          </a:lnRef>
+          <a:fillRef idx="1">
+            <a:schemeClr val="accent3"/>
+          </a:fillRef>
+          <a:effectRef idx="0">
+            <a:schemeClr val="accent3"/>
+          </a:effectRef>
+          <a:fontRef idx="minor">
+            <a:schemeClr val="lt1"/>
+          </a:fontRef>
+        </p:style>
+        <p:txBody>
+          <a:bodyPr rtlCol="0" anchor="ctr"/>
+          <a:lstStyle/>
+          <a:p>
+            <a:pPr algn="ctr"/>
+            <a:r>
+              <a:rPr lang="fr-FR" sz="1600" dirty="0" smtClean="0"/>
+              <a:t>!</a:t>
+            </a:r>
+            <a:r>
+              <a:rPr lang="fr-FR" sz="1600" dirty="0" err="1" smtClean="0"/>
+              <a:t>isNotPreferred</a:t>
+            </a:r>
+            <a:r>
+              <a:rPr lang="fr-FR" sz="1600" dirty="0" smtClean="0"/>
+              <a:t>(value)</a:t>
+            </a:r>
+            <a:endParaRPr lang="fr-FR" sz="1600" dirty="0"/>
+          </a:p>
+        </p:txBody>
+      </p:sp>
     </p:spTree>
     <p:extLst>
       <p:ext uri="{BB962C8B-B14F-4D97-AF65-F5344CB8AC3E}">
-        <p14:creationId xmlns:p14="http://schemas.microsoft.com/office/powerpoint/2010/main" val="588504114"/>
+        <p14:creationId xmlns:p14="http://schemas.microsoft.com/office/powerpoint/2010/main" val="2330323665"/>
       </p:ext>
     </p:extLst>
   </p:cSld>
@@ -4790,8 +5998,8 @@
         </p:nvSpPr>
         <p:spPr>
           <a:xfrm>
-            <a:off x="3275856" y="1844824"/>
-            <a:ext cx="1872208" cy="369332"/>
+            <a:off x="3555512" y="284995"/>
+            <a:ext cx="2088232" cy="369332"/>
           </a:xfrm>
           <a:prstGeom prst="rect">
             <a:avLst/>
@@ -4811,12 +6019,8 @@
           <a:p>
             <a:pPr algn="ctr"/>
             <a:r>
-              <a:rPr lang="fr-FR" dirty="0" err="1" smtClean="0"/>
-              <a:t>Reject</a:t>
-            </a:r>
-            <a:r>
-              <a:rPr lang="fr-FR" dirty="0" smtClean="0"/>
-              <a:t>(O)</a:t>
+              <a:rPr lang="fr-FR" dirty="0" smtClean="0"/>
+              <a:t>Propose (Option)</a:t>
             </a:r>
             <a:endParaRPr lang="fr-FR" dirty="0"/>
           </a:p>
@@ -4830,8 +6034,8 @@
         </p:nvSpPr>
         <p:spPr>
           <a:xfrm>
-            <a:off x="35496" y="3707740"/>
-            <a:ext cx="2160240" cy="369332"/>
+            <a:off x="179512" y="1515749"/>
+            <a:ext cx="2088232" cy="646331"/>
           </a:xfrm>
           <a:prstGeom prst="rect">
             <a:avLst/>
@@ -4856,11 +6060,7 @@
             </a:r>
             <a:r>
               <a:rPr lang="fr-FR" dirty="0" smtClean="0"/>
-              <a:t>(Y/Z</a:t>
-            </a:r>
-            <a:r>
-              <a:rPr lang="fr-FR" dirty="0" smtClean="0"/>
-              <a:t>)</a:t>
+              <a:t> (C,*,more)</a:t>
             </a:r>
             <a:endParaRPr lang="fr-FR" dirty="0"/>
           </a:p>
@@ -4877,8 +6077,8 @@
         </p:nvCxnSpPr>
         <p:spPr>
           <a:xfrm flipH="1">
-            <a:off x="1115616" y="2214156"/>
-            <a:ext cx="3096344" cy="1493584"/>
+            <a:off x="1223628" y="654327"/>
+            <a:ext cx="3376000" cy="861422"/>
           </a:xfrm>
           <a:prstGeom prst="straightConnector1">
             <a:avLst/>
@@ -4910,8 +6110,8 @@
         </p:nvSpPr>
         <p:spPr>
           <a:xfrm>
-            <a:off x="7812360" y="3707740"/>
-            <a:ext cx="1296144" cy="369332"/>
+            <a:off x="2627785" y="1515749"/>
+            <a:ext cx="1440160" cy="646331"/>
           </a:xfrm>
           <a:prstGeom prst="rect">
             <a:avLst/>
@@ -4934,9 +6134,12 @@
               <a:rPr lang="fr-FR" dirty="0" smtClean="0"/>
               <a:t>Propose </a:t>
             </a:r>
-            <a:r>
-              <a:rPr lang="fr-FR" dirty="0" smtClean="0"/>
-              <a:t>(O)</a:t>
+          </a:p>
+          <a:p>
+            <a:pPr algn="ctr"/>
+            <a:r>
+              <a:rPr lang="fr-FR" dirty="0" smtClean="0"/>
+              <a:t>(Option2)</a:t>
             </a:r>
             <a:endParaRPr lang="fr-FR" dirty="0"/>
           </a:p>
@@ -4952,9 +6155,9 @@
           <p:nvPr/>
         </p:nvCxnSpPr>
         <p:spPr>
-          <a:xfrm>
-            <a:off x="4211960" y="2214156"/>
-            <a:ext cx="4248472" cy="1493584"/>
+          <a:xfrm flipH="1">
+            <a:off x="3347865" y="654327"/>
+            <a:ext cx="1251763" cy="861422"/>
           </a:xfrm>
           <a:prstGeom prst="straightConnector1">
             <a:avLst/>
@@ -4980,14 +6183,14 @@
       </p:cxnSp>
       <p:sp>
         <p:nvSpPr>
-          <p:cNvPr id="17" name="ZoneTexte 16"/>
+          <p:cNvPr id="20" name="ZoneTexte 19"/>
           <p:cNvSpPr txBox="1"/>
           <p:nvPr/>
         </p:nvSpPr>
         <p:spPr>
           <a:xfrm>
-            <a:off x="4067944" y="3717032"/>
-            <a:ext cx="2016224" cy="369332"/>
+            <a:off x="6012160" y="1515749"/>
+            <a:ext cx="1150108" cy="646331"/>
           </a:xfrm>
           <a:prstGeom prst="rect">
             <a:avLst/>
@@ -5008,15 +6211,18 @@
             <a:pPr algn="ctr"/>
             <a:r>
               <a:rPr lang="fr-FR" dirty="0" err="1" smtClean="0"/>
-              <a:t>Ask.Preference</a:t>
-            </a:r>
-            <a:r>
-              <a:rPr lang="fr-FR" dirty="0" smtClean="0"/>
-              <a:t>(Y/Z</a:t>
-            </a:r>
-            <a:r>
-              <a:rPr lang="fr-FR" dirty="0" smtClean="0"/>
-              <a:t>)</a:t>
+              <a:t>Reject</a:t>
+            </a:r>
+            <a:r>
+              <a:rPr lang="fr-FR" dirty="0" smtClean="0"/>
+              <a:t> </a:t>
+            </a:r>
+          </a:p>
+          <a:p>
+            <a:pPr algn="ctr"/>
+            <a:r>
+              <a:rPr lang="fr-FR" dirty="0" smtClean="0"/>
+              <a:t>(Option)</a:t>
             </a:r>
             <a:endParaRPr lang="fr-FR" dirty="0"/>
           </a:p>
@@ -5024,17 +6230,17 @@
       </p:sp>
       <p:cxnSp>
         <p:nvCxnSpPr>
-          <p:cNvPr id="18" name="Connecteur droit avec flèche 17"/>
+          <p:cNvPr id="21" name="Connecteur droit avec flèche 20"/>
           <p:cNvCxnSpPr>
             <a:stCxn id="4" idx="2"/>
-            <a:endCxn id="17" idx="0"/>
+            <a:endCxn id="20" idx="0"/>
           </p:cNvCxnSpPr>
           <p:nvPr/>
         </p:nvCxnSpPr>
         <p:spPr>
           <a:xfrm>
-            <a:off x="4211960" y="2214156"/>
-            <a:ext cx="864096" cy="1502876"/>
+            <a:off x="4599628" y="654327"/>
+            <a:ext cx="1987586" cy="861422"/>
           </a:xfrm>
           <a:prstGeom prst="straightConnector1">
             <a:avLst/>
@@ -5060,14 +6266,14 @@
       </p:cxnSp>
       <p:sp>
         <p:nvSpPr>
-          <p:cNvPr id="12" name="ZoneTexte 11"/>
+          <p:cNvPr id="22" name="ZoneTexte 21"/>
           <p:cNvSpPr txBox="1"/>
           <p:nvPr/>
         </p:nvSpPr>
         <p:spPr>
           <a:xfrm>
-            <a:off x="2411760" y="3717032"/>
-            <a:ext cx="1440160" cy="369332"/>
+            <a:off x="7524328" y="1540176"/>
+            <a:ext cx="1239191" cy="646331"/>
           </a:xfrm>
           <a:prstGeom prst="rect">
             <a:avLst/>
@@ -5087,12 +6293,12 @@
           <a:p>
             <a:pPr algn="ctr"/>
             <a:r>
-              <a:rPr lang="fr-FR" dirty="0" smtClean="0"/>
-              <a:t>Propose </a:t>
-            </a:r>
-            <a:r>
-              <a:rPr lang="fr-FR" dirty="0" smtClean="0"/>
-              <a:t>(O2)</a:t>
+              <a:rPr lang="fr-FR" dirty="0" err="1" smtClean="0"/>
+              <a:t>Accept</a:t>
+            </a:r>
+            <a:r>
+              <a:rPr lang="fr-FR" dirty="0" smtClean="0"/>
+              <a:t> (Option)</a:t>
             </a:r>
             <a:endParaRPr lang="fr-FR" dirty="0"/>
           </a:p>
@@ -5100,17 +6306,17 @@
       </p:sp>
       <p:cxnSp>
         <p:nvCxnSpPr>
-          <p:cNvPr id="13" name="Connecteur droit avec flèche 12"/>
+          <p:cNvPr id="25" name="Connecteur droit avec flèche 24"/>
           <p:cNvCxnSpPr>
             <a:stCxn id="4" idx="2"/>
-            <a:endCxn id="12" idx="0"/>
+            <a:endCxn id="22" idx="0"/>
           </p:cNvCxnSpPr>
           <p:nvPr/>
         </p:nvCxnSpPr>
         <p:spPr>
-          <a:xfrm flipH="1">
-            <a:off x="3131840" y="2214156"/>
-            <a:ext cx="1080120" cy="1502876"/>
+          <a:xfrm>
+            <a:off x="4599628" y="654327"/>
+            <a:ext cx="3544296" cy="885849"/>
           </a:xfrm>
           <a:prstGeom prst="straightConnector1">
             <a:avLst/>
@@ -5136,14 +6342,14 @@
       </p:cxnSp>
       <p:sp>
         <p:nvSpPr>
-          <p:cNvPr id="19" name="ZoneTexte 18"/>
+          <p:cNvPr id="26" name="ZoneTexte 25"/>
           <p:cNvSpPr txBox="1"/>
           <p:nvPr/>
         </p:nvSpPr>
         <p:spPr>
           <a:xfrm>
-            <a:off x="6300192" y="3717032"/>
-            <a:ext cx="1296144" cy="369332"/>
+            <a:off x="4303655" y="1515749"/>
+            <a:ext cx="1403033" cy="646331"/>
           </a:xfrm>
           <a:prstGeom prst="rect">
             <a:avLst/>
@@ -5164,7 +6370,15 @@
             <a:pPr algn="ctr"/>
             <a:r>
               <a:rPr lang="fr-FR" dirty="0" smtClean="0"/>
-              <a:t>Propose (Y)</a:t>
+              <a:t>Propose (</a:t>
+            </a:r>
+            <a:r>
+              <a:rPr lang="fr-FR" dirty="0" err="1" smtClean="0"/>
+              <a:t>C,value</a:t>
+            </a:r>
+            <a:r>
+              <a:rPr lang="fr-FR" dirty="0" smtClean="0"/>
+              <a:t>)</a:t>
             </a:r>
             <a:endParaRPr lang="fr-FR" dirty="0"/>
           </a:p>
@@ -5172,17 +6386,17 @@
       </p:sp>
       <p:cxnSp>
         <p:nvCxnSpPr>
-          <p:cNvPr id="21" name="Connecteur droit avec flèche 20"/>
+          <p:cNvPr id="27" name="Connecteur droit avec flèche 26"/>
           <p:cNvCxnSpPr>
             <a:stCxn id="4" idx="2"/>
-            <a:endCxn id="19" idx="0"/>
+            <a:endCxn id="26" idx="0"/>
           </p:cNvCxnSpPr>
           <p:nvPr/>
         </p:nvCxnSpPr>
         <p:spPr>
           <a:xfrm>
-            <a:off x="4211960" y="2214156"/>
-            <a:ext cx="2736304" cy="1502876"/>
+            <a:off x="4599628" y="654327"/>
+            <a:ext cx="405544" cy="861422"/>
           </a:xfrm>
           <a:prstGeom prst="straightConnector1">
             <a:avLst/>
@@ -5206,10 +6420,636 @@
           </a:fontRef>
         </p:style>
       </p:cxnSp>
+      <p:sp>
+        <p:nvSpPr>
+          <p:cNvPr id="2" name="Rectangle à coins arrondis 1"/>
+          <p:cNvSpPr/>
+          <p:nvPr/>
+        </p:nvSpPr>
+        <p:spPr>
+          <a:xfrm>
+            <a:off x="101736" y="4329656"/>
+            <a:ext cx="2094000" cy="2051672"/>
+          </a:xfrm>
+          <a:prstGeom prst="roundRect">
+            <a:avLst/>
+          </a:prstGeom>
+        </p:spPr>
+        <p:style>
+          <a:lnRef idx="2">
+            <a:schemeClr val="accent6">
+              <a:shade val="50000"/>
+            </a:schemeClr>
+          </a:lnRef>
+          <a:fillRef idx="1">
+            <a:schemeClr val="accent6"/>
+          </a:fillRef>
+          <a:effectRef idx="0">
+            <a:schemeClr val="accent6"/>
+          </a:effectRef>
+          <a:fontRef idx="minor">
+            <a:schemeClr val="lt1"/>
+          </a:fontRef>
+        </p:style>
+        <p:txBody>
+          <a:bodyPr rtlCol="0" anchor="ctr"/>
+          <a:lstStyle/>
+          <a:p>
+            <a:pPr algn="ctr"/>
+            <a:r>
+              <a:rPr lang="fr-FR" dirty="0"/>
+              <a:t>C</a:t>
+            </a:r>
+            <a:r>
+              <a:rPr lang="fr-FR" dirty="0" smtClean="0"/>
+              <a:t>=choix(option)</a:t>
+            </a:r>
+          </a:p>
+          <a:p>
+            <a:pPr algn="ctr"/>
+            <a:r>
+              <a:rPr lang="fr-FR" dirty="0" smtClean="0"/>
+              <a:t>&amp;&amp;</a:t>
+            </a:r>
+          </a:p>
+          <a:p>
+            <a:pPr algn="ctr"/>
+            <a:r>
+              <a:rPr lang="fr-FR" dirty="0" smtClean="0"/>
+              <a:t>More = </a:t>
+            </a:r>
+            <a:r>
+              <a:rPr lang="fr-FR" dirty="0" err="1" smtClean="0"/>
+              <a:t>mostPreferred</a:t>
+            </a:r>
+            <a:r>
+              <a:rPr lang="fr-FR" dirty="0" smtClean="0"/>
+              <a:t>(C)</a:t>
+            </a:r>
+          </a:p>
+          <a:p>
+            <a:pPr algn="ctr"/>
+            <a:r>
+              <a:rPr lang="fr-FR" dirty="0" smtClean="0"/>
+              <a:t>&amp;&amp;</a:t>
+            </a:r>
+          </a:p>
+          <a:p>
+            <a:pPr algn="ctr"/>
+            <a:r>
+              <a:rPr lang="fr-FR" dirty="0" smtClean="0"/>
+              <a:t>Value(Option, C) != more</a:t>
+            </a:r>
+            <a:endParaRPr lang="fr-FR" dirty="0"/>
+          </a:p>
+        </p:txBody>
+      </p:sp>
+      <p:sp>
+        <p:nvSpPr>
+          <p:cNvPr id="3" name="Rectangle à coins arrondis 2"/>
+          <p:cNvSpPr/>
+          <p:nvPr/>
+        </p:nvSpPr>
+        <p:spPr>
+          <a:xfrm>
+            <a:off x="7596336" y="3356992"/>
+            <a:ext cx="1368152" cy="1008112"/>
+          </a:xfrm>
+          <a:prstGeom prst="roundRect">
+            <a:avLst/>
+          </a:prstGeom>
+        </p:spPr>
+        <p:style>
+          <a:lnRef idx="2">
+            <a:schemeClr val="accent6">
+              <a:shade val="50000"/>
+            </a:schemeClr>
+          </a:lnRef>
+          <a:fillRef idx="1">
+            <a:schemeClr val="accent6"/>
+          </a:fillRef>
+          <a:effectRef idx="0">
+            <a:schemeClr val="accent6"/>
+          </a:effectRef>
+          <a:fontRef idx="minor">
+            <a:schemeClr val="lt1"/>
+          </a:fontRef>
+        </p:style>
+        <p:txBody>
+          <a:bodyPr rtlCol="0" anchor="ctr"/>
+          <a:lstStyle/>
+          <a:p>
+            <a:pPr algn="ctr"/>
+            <a:r>
+              <a:rPr lang="fr-FR" dirty="0" smtClean="0"/>
+              <a:t>End of dialogue</a:t>
+            </a:r>
+            <a:endParaRPr lang="fr-FR" dirty="0"/>
+          </a:p>
+        </p:txBody>
+      </p:sp>
+      <p:sp>
+        <p:nvSpPr>
+          <p:cNvPr id="15" name="Rectangle 14"/>
+          <p:cNvSpPr/>
+          <p:nvPr/>
+        </p:nvSpPr>
+        <p:spPr>
+          <a:xfrm>
+            <a:off x="2627785" y="3549702"/>
+            <a:ext cx="1224136" cy="495538"/>
+          </a:xfrm>
+          <a:prstGeom prst="rect">
+            <a:avLst/>
+          </a:prstGeom>
+        </p:spPr>
+        <p:style>
+          <a:lnRef idx="2">
+            <a:schemeClr val="accent1">
+              <a:shade val="50000"/>
+            </a:schemeClr>
+          </a:lnRef>
+          <a:fillRef idx="1">
+            <a:schemeClr val="accent1"/>
+          </a:fillRef>
+          <a:effectRef idx="0">
+            <a:schemeClr val="accent1"/>
+          </a:effectRef>
+          <a:fontRef idx="minor">
+            <a:schemeClr val="lt1"/>
+          </a:fontRef>
+        </p:style>
+        <p:txBody>
+          <a:bodyPr rtlCol="0" anchor="ctr"/>
+          <a:lstStyle/>
+          <a:p>
+            <a:pPr algn="ctr"/>
+            <a:r>
+              <a:rPr lang="fr-FR" dirty="0" err="1" smtClean="0"/>
+              <a:t>isDom</a:t>
+            </a:r>
+            <a:r>
+              <a:rPr lang="fr-FR" dirty="0" smtClean="0"/>
+              <a:t>()</a:t>
+            </a:r>
+            <a:endParaRPr lang="fr-FR" dirty="0"/>
+          </a:p>
+        </p:txBody>
+      </p:sp>
+      <p:sp>
+        <p:nvSpPr>
+          <p:cNvPr id="18" name="Rectangle 17"/>
+          <p:cNvSpPr/>
+          <p:nvPr/>
+        </p:nvSpPr>
+        <p:spPr>
+          <a:xfrm>
+            <a:off x="575556" y="3613192"/>
+            <a:ext cx="1224136" cy="432048"/>
+          </a:xfrm>
+          <a:prstGeom prst="rect">
+            <a:avLst/>
+          </a:prstGeom>
+        </p:spPr>
+        <p:style>
+          <a:lnRef idx="2">
+            <a:schemeClr val="accent1">
+              <a:shade val="50000"/>
+            </a:schemeClr>
+          </a:lnRef>
+          <a:fillRef idx="1">
+            <a:schemeClr val="accent1"/>
+          </a:fillRef>
+          <a:effectRef idx="0">
+            <a:schemeClr val="accent1"/>
+          </a:effectRef>
+          <a:fontRef idx="minor">
+            <a:schemeClr val="lt1"/>
+          </a:fontRef>
+        </p:style>
+        <p:txBody>
+          <a:bodyPr rtlCol="0" anchor="ctr"/>
+          <a:lstStyle/>
+          <a:p>
+            <a:pPr algn="ctr"/>
+            <a:r>
+              <a:rPr lang="fr-FR" dirty="0" err="1" smtClean="0"/>
+              <a:t>isSub</a:t>
+            </a:r>
+            <a:r>
+              <a:rPr lang="fr-FR" dirty="0" smtClean="0"/>
+              <a:t>()</a:t>
+            </a:r>
+            <a:endParaRPr lang="fr-FR" dirty="0"/>
+          </a:p>
+        </p:txBody>
+      </p:sp>
+      <p:sp>
+        <p:nvSpPr>
+          <p:cNvPr id="19" name="Rectangle 18"/>
+          <p:cNvSpPr/>
+          <p:nvPr/>
+        </p:nvSpPr>
+        <p:spPr>
+          <a:xfrm>
+            <a:off x="7596336" y="2345728"/>
+            <a:ext cx="1224136" cy="815402"/>
+          </a:xfrm>
+          <a:prstGeom prst="rect">
+            <a:avLst/>
+          </a:prstGeom>
+        </p:spPr>
+        <p:style>
+          <a:lnRef idx="2">
+            <a:schemeClr val="accent3">
+              <a:shade val="50000"/>
+            </a:schemeClr>
+          </a:lnRef>
+          <a:fillRef idx="1">
+            <a:schemeClr val="accent3"/>
+          </a:fillRef>
+          <a:effectRef idx="0">
+            <a:schemeClr val="accent3"/>
+          </a:effectRef>
+          <a:fontRef idx="minor">
+            <a:schemeClr val="lt1"/>
+          </a:fontRef>
+        </p:style>
+        <p:txBody>
+          <a:bodyPr rtlCol="0" anchor="ctr"/>
+          <a:lstStyle/>
+          <a:p>
+            <a:pPr algn="ctr"/>
+            <a:r>
+              <a:rPr lang="fr-FR" dirty="0" smtClean="0"/>
+              <a:t>!</a:t>
+            </a:r>
+            <a:r>
+              <a:rPr lang="fr-FR" dirty="0" err="1" smtClean="0"/>
+              <a:t>isNotWanted</a:t>
+            </a:r>
+            <a:r>
+              <a:rPr lang="fr-FR" dirty="0" smtClean="0"/>
+              <a:t>(Option)</a:t>
+            </a:r>
+            <a:endParaRPr lang="fr-FR" dirty="0"/>
+          </a:p>
+        </p:txBody>
+      </p:sp>
+      <p:sp>
+        <p:nvSpPr>
+          <p:cNvPr id="28" name="Rectangle 27"/>
+          <p:cNvSpPr/>
+          <p:nvPr/>
+        </p:nvSpPr>
+        <p:spPr>
+          <a:xfrm>
+            <a:off x="187264" y="2487887"/>
+            <a:ext cx="6975003" cy="815402"/>
+          </a:xfrm>
+          <a:prstGeom prst="rect">
+            <a:avLst/>
+          </a:prstGeom>
+        </p:spPr>
+        <p:style>
+          <a:lnRef idx="2">
+            <a:schemeClr val="accent3">
+              <a:shade val="50000"/>
+            </a:schemeClr>
+          </a:lnRef>
+          <a:fillRef idx="1">
+            <a:schemeClr val="accent3"/>
+          </a:fillRef>
+          <a:effectRef idx="0">
+            <a:schemeClr val="accent3"/>
+          </a:effectRef>
+          <a:fontRef idx="minor">
+            <a:schemeClr val="lt1"/>
+          </a:fontRef>
+        </p:style>
+        <p:txBody>
+          <a:bodyPr rtlCol="0" anchor="ctr"/>
+          <a:lstStyle/>
+          <a:p>
+            <a:pPr algn="ctr"/>
+            <a:r>
+              <a:rPr lang="fr-FR" dirty="0" err="1" smtClean="0"/>
+              <a:t>isNotWanted</a:t>
+            </a:r>
+            <a:r>
+              <a:rPr lang="fr-FR" dirty="0" smtClean="0"/>
+              <a:t>(Option)</a:t>
+            </a:r>
+            <a:endParaRPr lang="fr-FR" dirty="0"/>
+          </a:p>
+        </p:txBody>
+      </p:sp>
+      <p:sp>
+        <p:nvSpPr>
+          <p:cNvPr id="14" name="ZoneTexte 13"/>
+          <p:cNvSpPr txBox="1"/>
+          <p:nvPr/>
+        </p:nvSpPr>
+        <p:spPr>
+          <a:xfrm>
+            <a:off x="29728" y="69551"/>
+            <a:ext cx="2944576" cy="1169551"/>
+          </a:xfrm>
+          <a:prstGeom prst="rect">
+            <a:avLst/>
+          </a:prstGeom>
+          <a:noFill/>
+        </p:spPr>
+        <p:txBody>
+          <a:bodyPr wrap="square" rtlCol="0">
+            <a:spAutoFit/>
+          </a:bodyPr>
+          <a:lstStyle/>
+          <a:p>
+            <a:r>
+              <a:rPr lang="fr-FR" sz="1400" dirty="0" err="1" smtClean="0"/>
+              <a:t>Prop</a:t>
+            </a:r>
+            <a:r>
+              <a:rPr lang="fr-FR" sz="1400" dirty="0" smtClean="0"/>
+              <a:t>. Lydia: trier les options en retirant les options pour lesquelles au moins 1 valeur de critère a été rejetée, ou l’option a été rejetée, et prendre à partir de la </a:t>
+            </a:r>
+            <a:r>
+              <a:rPr lang="fr-FR" sz="1400" dirty="0" err="1" smtClean="0"/>
+              <a:t>Ke</a:t>
+            </a:r>
+            <a:r>
+              <a:rPr lang="fr-FR" sz="1400" dirty="0" smtClean="0"/>
+              <a:t>, K à fixer</a:t>
+            </a:r>
+            <a:endParaRPr lang="fr-FR" sz="1400" dirty="0"/>
+          </a:p>
+        </p:txBody>
+      </p:sp>
+      <p:sp>
+        <p:nvSpPr>
+          <p:cNvPr id="23" name="ZoneTexte 22"/>
+          <p:cNvSpPr txBox="1"/>
+          <p:nvPr/>
+        </p:nvSpPr>
+        <p:spPr>
+          <a:xfrm>
+            <a:off x="0" y="6550223"/>
+            <a:ext cx="5832648" cy="307777"/>
+          </a:xfrm>
+          <a:prstGeom prst="rect">
+            <a:avLst/>
+          </a:prstGeom>
+          <a:noFill/>
+        </p:spPr>
+        <p:txBody>
+          <a:bodyPr wrap="square" rtlCol="0">
+            <a:spAutoFit/>
+          </a:bodyPr>
+          <a:lstStyle/>
+          <a:p>
+            <a:r>
+              <a:rPr lang="fr-FR" sz="1400" dirty="0" smtClean="0"/>
+              <a:t>Fonction </a:t>
+            </a:r>
+            <a:r>
+              <a:rPr lang="fr-FR" sz="1400" b="1" dirty="0" smtClean="0"/>
+              <a:t>choix</a:t>
+            </a:r>
+            <a:r>
+              <a:rPr lang="fr-FR" sz="1400" dirty="0" smtClean="0"/>
+              <a:t> à définir : le critère qui me gène le plus dans cette option</a:t>
+            </a:r>
+            <a:endParaRPr lang="fr-FR" sz="1400" dirty="0"/>
+          </a:p>
+        </p:txBody>
+      </p:sp>
+      <p:sp>
+        <p:nvSpPr>
+          <p:cNvPr id="30" name="Rectangle 29"/>
+          <p:cNvSpPr/>
+          <p:nvPr/>
+        </p:nvSpPr>
+        <p:spPr>
+          <a:xfrm>
+            <a:off x="4482552" y="3581447"/>
+            <a:ext cx="1224136" cy="495538"/>
+          </a:xfrm>
+          <a:prstGeom prst="rect">
+            <a:avLst/>
+          </a:prstGeom>
+        </p:spPr>
+        <p:style>
+          <a:lnRef idx="2">
+            <a:schemeClr val="accent1">
+              <a:shade val="50000"/>
+            </a:schemeClr>
+          </a:lnRef>
+          <a:fillRef idx="1">
+            <a:schemeClr val="accent1"/>
+          </a:fillRef>
+          <a:effectRef idx="0">
+            <a:schemeClr val="accent1"/>
+          </a:effectRef>
+          <a:fontRef idx="minor">
+            <a:schemeClr val="lt1"/>
+          </a:fontRef>
+        </p:style>
+        <p:txBody>
+          <a:bodyPr rtlCol="0" anchor="ctr"/>
+          <a:lstStyle/>
+          <a:p>
+            <a:pPr algn="ctr"/>
+            <a:r>
+              <a:rPr lang="fr-FR" dirty="0" smtClean="0"/>
+              <a:t>!</a:t>
+            </a:r>
+            <a:r>
+              <a:rPr lang="fr-FR" dirty="0" err="1" smtClean="0"/>
+              <a:t>isSub</a:t>
+            </a:r>
+            <a:r>
+              <a:rPr lang="fr-FR" dirty="0" smtClean="0"/>
+              <a:t>()</a:t>
+            </a:r>
+            <a:endParaRPr lang="fr-FR" dirty="0"/>
+          </a:p>
+        </p:txBody>
+      </p:sp>
+      <p:sp>
+        <p:nvSpPr>
+          <p:cNvPr id="31" name="Rectangle 30"/>
+          <p:cNvSpPr/>
+          <p:nvPr/>
+        </p:nvSpPr>
+        <p:spPr>
+          <a:xfrm>
+            <a:off x="6012160" y="3549702"/>
+            <a:ext cx="1224136" cy="495538"/>
+          </a:xfrm>
+          <a:prstGeom prst="rect">
+            <a:avLst/>
+          </a:prstGeom>
+        </p:spPr>
+        <p:style>
+          <a:lnRef idx="2">
+            <a:schemeClr val="accent1">
+              <a:shade val="50000"/>
+            </a:schemeClr>
+          </a:lnRef>
+          <a:fillRef idx="1">
+            <a:schemeClr val="accent1"/>
+          </a:fillRef>
+          <a:effectRef idx="0">
+            <a:schemeClr val="accent1"/>
+          </a:effectRef>
+          <a:fontRef idx="minor">
+            <a:schemeClr val="lt1"/>
+          </a:fontRef>
+        </p:style>
+        <p:txBody>
+          <a:bodyPr rtlCol="0" anchor="ctr"/>
+          <a:lstStyle/>
+          <a:p>
+            <a:pPr algn="ctr"/>
+            <a:r>
+              <a:rPr lang="fr-FR" dirty="0" smtClean="0"/>
+              <a:t>!</a:t>
+            </a:r>
+            <a:r>
+              <a:rPr lang="fr-FR" dirty="0" err="1" smtClean="0"/>
+              <a:t>isSub</a:t>
+            </a:r>
+            <a:r>
+              <a:rPr lang="fr-FR" dirty="0" smtClean="0"/>
+              <a:t>()</a:t>
+            </a:r>
+            <a:endParaRPr lang="fr-FR" dirty="0"/>
+          </a:p>
+        </p:txBody>
+      </p:sp>
+      <p:sp>
+        <p:nvSpPr>
+          <p:cNvPr id="32" name="Rectangle à coins arrondis 31"/>
+          <p:cNvSpPr/>
+          <p:nvPr/>
+        </p:nvSpPr>
+        <p:spPr>
+          <a:xfrm>
+            <a:off x="2429763" y="4302431"/>
+            <a:ext cx="1620180" cy="1619624"/>
+          </a:xfrm>
+          <a:prstGeom prst="roundRect">
+            <a:avLst/>
+          </a:prstGeom>
+        </p:spPr>
+        <p:style>
+          <a:lnRef idx="2">
+            <a:schemeClr val="accent6">
+              <a:shade val="50000"/>
+            </a:schemeClr>
+          </a:lnRef>
+          <a:fillRef idx="1">
+            <a:schemeClr val="accent6"/>
+          </a:fillRef>
+          <a:effectRef idx="0">
+            <a:schemeClr val="accent6"/>
+          </a:effectRef>
+          <a:fontRef idx="minor">
+            <a:schemeClr val="lt1"/>
+          </a:fontRef>
+        </p:style>
+        <p:txBody>
+          <a:bodyPr rtlCol="0" anchor="ctr"/>
+          <a:lstStyle/>
+          <a:p>
+            <a:pPr algn="ctr"/>
+            <a:r>
+              <a:rPr lang="fr-FR" dirty="0" smtClean="0"/>
+              <a:t>Option2 = </a:t>
+            </a:r>
+            <a:r>
+              <a:rPr lang="fr-FR" dirty="0" err="1" smtClean="0"/>
+              <a:t>currentMostPreferred</a:t>
+            </a:r>
+            <a:r>
+              <a:rPr lang="fr-FR" dirty="0" smtClean="0"/>
+              <a:t>()</a:t>
+            </a:r>
+            <a:endParaRPr lang="fr-FR" dirty="0"/>
+          </a:p>
+        </p:txBody>
+      </p:sp>
+      <p:sp>
+        <p:nvSpPr>
+          <p:cNvPr id="33" name="Rectangle à coins arrondis 32"/>
+          <p:cNvSpPr/>
+          <p:nvPr/>
+        </p:nvSpPr>
+        <p:spPr>
+          <a:xfrm>
+            <a:off x="4325884" y="4303671"/>
+            <a:ext cx="1620180" cy="1619624"/>
+          </a:xfrm>
+          <a:prstGeom prst="roundRect">
+            <a:avLst/>
+          </a:prstGeom>
+        </p:spPr>
+        <p:style>
+          <a:lnRef idx="2">
+            <a:schemeClr val="accent6">
+              <a:shade val="50000"/>
+            </a:schemeClr>
+          </a:lnRef>
+          <a:fillRef idx="1">
+            <a:schemeClr val="accent6"/>
+          </a:fillRef>
+          <a:effectRef idx="0">
+            <a:schemeClr val="accent6"/>
+          </a:effectRef>
+          <a:fontRef idx="minor">
+            <a:schemeClr val="lt1"/>
+          </a:fontRef>
+        </p:style>
+        <p:txBody>
+          <a:bodyPr rtlCol="0" anchor="ctr"/>
+          <a:lstStyle/>
+          <a:p>
+            <a:pPr algn="ctr"/>
+            <a:r>
+              <a:rPr lang="fr-FR" dirty="0" smtClean="0"/>
+              <a:t>C= choix(option)</a:t>
+            </a:r>
+          </a:p>
+          <a:p>
+            <a:pPr algn="ctr"/>
+            <a:r>
+              <a:rPr lang="fr-FR" dirty="0" smtClean="0"/>
+              <a:t>&amp;&amp;</a:t>
+            </a:r>
+          </a:p>
+          <a:p>
+            <a:pPr algn="ctr"/>
+            <a:r>
+              <a:rPr lang="fr-FR" dirty="0" smtClean="0"/>
+              <a:t>Value = </a:t>
+            </a:r>
+            <a:r>
+              <a:rPr lang="fr-FR" dirty="0" err="1" smtClean="0"/>
+              <a:t>mostPreferred</a:t>
+            </a:r>
+            <a:r>
+              <a:rPr lang="fr-FR" dirty="0" smtClean="0"/>
+              <a:t>(C)</a:t>
+            </a:r>
+            <a:endParaRPr lang="fr-FR" dirty="0"/>
+          </a:p>
+        </p:txBody>
+      </p:sp>
     </p:spTree>
     <p:extLst>
       <p:ext uri="{BB962C8B-B14F-4D97-AF65-F5344CB8AC3E}">
-        <p14:creationId xmlns:p14="http://schemas.microsoft.com/office/powerpoint/2010/main" val="288996076"/>
+        <p14:creationId xmlns:p14="http://schemas.microsoft.com/office/powerpoint/2010/main" val="588504114"/>
       </p:ext>
     </p:extLst>
   </p:cSld>
@@ -5244,7 +7084,7 @@
         </p:nvSpPr>
         <p:spPr>
           <a:xfrm>
-            <a:off x="2917879" y="1196752"/>
+            <a:off x="3275856" y="1844824"/>
             <a:ext cx="1872208" cy="369332"/>
           </a:xfrm>
           <a:prstGeom prst="rect">
@@ -5270,7 +7110,7 @@
             </a:r>
             <a:r>
               <a:rPr lang="fr-FR" dirty="0" smtClean="0"/>
-              <a:t>(X)</a:t>
+              <a:t>(Option)</a:t>
             </a:r>
             <a:endParaRPr lang="fr-FR" dirty="0"/>
           </a:p>
@@ -5284,8 +7124,8 @@
         </p:nvSpPr>
         <p:spPr>
           <a:xfrm>
-            <a:off x="53498" y="3316986"/>
-            <a:ext cx="1980220" cy="369332"/>
+            <a:off x="35496" y="3707740"/>
+            <a:ext cx="2160240" cy="646331"/>
           </a:xfrm>
           <a:prstGeom prst="rect">
             <a:avLst/>
@@ -5308,9 +7148,21 @@
               <a:rPr lang="fr-FR" dirty="0" err="1" smtClean="0"/>
               <a:t>State.Preference</a:t>
             </a:r>
-            <a:r>
-              <a:rPr lang="fr-FR" dirty="0" smtClean="0"/>
-              <a:t>(X)</a:t>
+            <a:endParaRPr lang="fr-FR" dirty="0" smtClean="0"/>
+          </a:p>
+          <a:p>
+            <a:pPr algn="ctr"/>
+            <a:r>
+              <a:rPr lang="fr-FR" dirty="0" smtClean="0"/>
+              <a:t>(</a:t>
+            </a:r>
+            <a:r>
+              <a:rPr lang="fr-FR" dirty="0" err="1" smtClean="0"/>
+              <a:t>Criterion</a:t>
+            </a:r>
+            <a:r>
+              <a:rPr lang="fr-FR" dirty="0" smtClean="0"/>
+              <a:t>)</a:t>
             </a:r>
             <a:endParaRPr lang="fr-FR" dirty="0"/>
           </a:p>
@@ -5327,8 +7179,8 @@
         </p:nvCxnSpPr>
         <p:spPr>
           <a:xfrm flipH="1">
-            <a:off x="1043608" y="1566084"/>
-            <a:ext cx="2810375" cy="1750902"/>
+            <a:off x="1115616" y="2214156"/>
+            <a:ext cx="3096344" cy="1493584"/>
           </a:xfrm>
           <a:prstGeom prst="straightConnector1">
             <a:avLst/>
@@ -5360,8 +7212,8 @@
         </p:nvSpPr>
         <p:spPr>
           <a:xfrm>
-            <a:off x="3995936" y="3313508"/>
-            <a:ext cx="1304281" cy="369332"/>
+            <a:off x="7812360" y="3707740"/>
+            <a:ext cx="1296144" cy="646331"/>
           </a:xfrm>
           <a:prstGeom prst="rect">
             <a:avLst/>
@@ -5382,11 +7234,14 @@
             <a:pPr algn="ctr"/>
             <a:r>
               <a:rPr lang="fr-FR" dirty="0" smtClean="0"/>
-              <a:t>Propose (X</a:t>
-            </a:r>
-            <a:r>
-              <a:rPr lang="fr-FR" dirty="0" smtClean="0"/>
-              <a:t>)</a:t>
+              <a:t>Propose</a:t>
+            </a:r>
+          </a:p>
+          <a:p>
+            <a:pPr algn="ctr"/>
+            <a:r>
+              <a:rPr lang="fr-FR" dirty="0" smtClean="0"/>
+              <a:t> (Option)</a:t>
             </a:r>
             <a:endParaRPr lang="fr-FR" dirty="0"/>
           </a:p>
@@ -5403,8 +7258,8 @@
         </p:nvCxnSpPr>
         <p:spPr>
           <a:xfrm>
-            <a:off x="3853983" y="1566084"/>
-            <a:ext cx="794094" cy="1747424"/>
+            <a:off x="4211960" y="2214156"/>
+            <a:ext cx="4248472" cy="1493584"/>
           </a:xfrm>
           <a:prstGeom prst="straightConnector1">
             <a:avLst/>
@@ -5430,14 +7285,14 @@
       </p:cxnSp>
       <p:sp>
         <p:nvSpPr>
-          <p:cNvPr id="10" name="ZoneTexte 9"/>
+          <p:cNvPr id="17" name="ZoneTexte 16"/>
           <p:cNvSpPr txBox="1"/>
           <p:nvPr/>
         </p:nvSpPr>
         <p:spPr>
           <a:xfrm>
-            <a:off x="2771801" y="4365104"/>
-            <a:ext cx="2160239" cy="369332"/>
+            <a:off x="4067944" y="3717032"/>
+            <a:ext cx="2016224" cy="646331"/>
           </a:xfrm>
           <a:prstGeom prst="rect">
             <a:avLst/>
@@ -5458,11 +7313,23 @@
             <a:pPr algn="ctr"/>
             <a:r>
               <a:rPr lang="fr-FR" dirty="0" err="1" smtClean="0"/>
-              <a:t>State.Preference</a:t>
-            </a:r>
-            <a:r>
-              <a:rPr lang="fr-FR" dirty="0" smtClean="0"/>
-              <a:t>(Y/Z)</a:t>
+              <a:t>Ask.Preference</a:t>
+            </a:r>
+            <a:endParaRPr lang="fr-FR" dirty="0" smtClean="0"/>
+          </a:p>
+          <a:p>
+            <a:pPr algn="ctr"/>
+            <a:r>
+              <a:rPr lang="fr-FR" dirty="0" smtClean="0"/>
+              <a:t>(</a:t>
+            </a:r>
+            <a:r>
+              <a:rPr lang="fr-FR" dirty="0" err="1" smtClean="0"/>
+              <a:t>Criterion</a:t>
+            </a:r>
+            <a:r>
+              <a:rPr lang="fr-FR" dirty="0" smtClean="0"/>
+              <a:t>)</a:t>
             </a:r>
             <a:endParaRPr lang="fr-FR" dirty="0"/>
           </a:p>
@@ -5470,17 +7337,17 @@
       </p:sp>
       <p:cxnSp>
         <p:nvCxnSpPr>
-          <p:cNvPr id="11" name="Connecteur droit avec flèche 10"/>
+          <p:cNvPr id="18" name="Connecteur droit avec flèche 17"/>
           <p:cNvCxnSpPr>
             <a:stCxn id="4" idx="2"/>
-            <a:endCxn id="10" idx="0"/>
+            <a:endCxn id="17" idx="0"/>
           </p:cNvCxnSpPr>
           <p:nvPr/>
         </p:nvCxnSpPr>
         <p:spPr>
-          <a:xfrm flipH="1">
-            <a:off x="3851921" y="1566084"/>
-            <a:ext cx="2062" cy="2799020"/>
+          <a:xfrm>
+            <a:off x="4211960" y="2214156"/>
+            <a:ext cx="864096" cy="1502876"/>
           </a:xfrm>
           <a:prstGeom prst="straightConnector1">
             <a:avLst/>
@@ -5506,14 +7373,14 @@
       </p:cxnSp>
       <p:sp>
         <p:nvSpPr>
-          <p:cNvPr id="17" name="ZoneTexte 16"/>
+          <p:cNvPr id="12" name="ZoneTexte 11"/>
           <p:cNvSpPr txBox="1"/>
           <p:nvPr/>
         </p:nvSpPr>
         <p:spPr>
           <a:xfrm>
-            <a:off x="7020272" y="3319273"/>
-            <a:ext cx="2088232" cy="369332"/>
+            <a:off x="2411760" y="3717032"/>
+            <a:ext cx="1440160" cy="369332"/>
           </a:xfrm>
           <a:prstGeom prst="rect">
             <a:avLst/>
@@ -5533,12 +7400,8 @@
           <a:p>
             <a:pPr algn="ctr"/>
             <a:r>
-              <a:rPr lang="fr-FR" dirty="0" err="1" smtClean="0"/>
-              <a:t>Ask.Preference</a:t>
-            </a:r>
-            <a:r>
-              <a:rPr lang="fr-FR" dirty="0" smtClean="0"/>
-              <a:t>(Y/Z)</a:t>
+              <a:rPr lang="fr-FR" dirty="0" smtClean="0"/>
+              <a:t>Propose (O2)</a:t>
             </a:r>
             <a:endParaRPr lang="fr-FR" dirty="0"/>
           </a:p>
@@ -5546,17 +7409,17 @@
       </p:sp>
       <p:cxnSp>
         <p:nvCxnSpPr>
-          <p:cNvPr id="18" name="Connecteur droit avec flèche 17"/>
+          <p:cNvPr id="13" name="Connecteur droit avec flèche 12"/>
           <p:cNvCxnSpPr>
             <a:stCxn id="4" idx="2"/>
-            <a:endCxn id="17" idx="0"/>
+            <a:endCxn id="12" idx="0"/>
           </p:cNvCxnSpPr>
           <p:nvPr/>
         </p:nvCxnSpPr>
         <p:spPr>
-          <a:xfrm>
-            <a:off x="3853983" y="1566084"/>
-            <a:ext cx="4210405" cy="1753189"/>
+          <a:xfrm flipH="1">
+            <a:off x="3131840" y="2214156"/>
+            <a:ext cx="1080120" cy="1502876"/>
           </a:xfrm>
           <a:prstGeom prst="straightConnector1">
             <a:avLst/>
@@ -5582,14 +7445,14 @@
       </p:cxnSp>
       <p:sp>
         <p:nvSpPr>
-          <p:cNvPr id="12" name="ZoneTexte 11"/>
+          <p:cNvPr id="19" name="ZoneTexte 18"/>
           <p:cNvSpPr txBox="1"/>
           <p:nvPr/>
         </p:nvSpPr>
         <p:spPr>
           <a:xfrm>
-            <a:off x="2141340" y="3319273"/>
-            <a:ext cx="1547933" cy="369332"/>
+            <a:off x="6300192" y="3717032"/>
+            <a:ext cx="1296144" cy="646331"/>
           </a:xfrm>
           <a:prstGeom prst="rect">
             <a:avLst/>
@@ -5610,7 +7473,22 @@
             <a:pPr algn="ctr"/>
             <a:r>
               <a:rPr lang="fr-FR" dirty="0" smtClean="0"/>
-              <a:t>Propose (Y/Z)</a:t>
+              <a:t>Propose </a:t>
+            </a:r>
+          </a:p>
+          <a:p>
+            <a:pPr algn="ctr"/>
+            <a:r>
+              <a:rPr lang="fr-FR" dirty="0" smtClean="0"/>
+              <a:t>(</a:t>
+            </a:r>
+            <a:r>
+              <a:rPr lang="fr-FR" dirty="0" err="1" smtClean="0"/>
+              <a:t>Criterion</a:t>
+            </a:r>
+            <a:r>
+              <a:rPr lang="fr-FR" dirty="0" smtClean="0"/>
+              <a:t>)</a:t>
             </a:r>
             <a:endParaRPr lang="fr-FR" dirty="0"/>
           </a:p>
@@ -5618,17 +7496,17 @@
       </p:sp>
       <p:cxnSp>
         <p:nvCxnSpPr>
-          <p:cNvPr id="13" name="Connecteur droit avec flèche 12"/>
+          <p:cNvPr id="21" name="Connecteur droit avec flèche 20"/>
           <p:cNvCxnSpPr>
             <a:stCxn id="4" idx="2"/>
-            <a:endCxn id="12" idx="0"/>
+            <a:endCxn id="19" idx="0"/>
           </p:cNvCxnSpPr>
           <p:nvPr/>
         </p:nvCxnSpPr>
         <p:spPr>
-          <a:xfrm flipH="1">
-            <a:off x="2915307" y="1566084"/>
-            <a:ext cx="938676" cy="1753189"/>
+          <a:xfrm>
+            <a:off x="4211960" y="2214156"/>
+            <a:ext cx="2736304" cy="1502876"/>
           </a:xfrm>
           <a:prstGeom prst="straightConnector1">
             <a:avLst/>
@@ -5654,80 +7532,318 @@
       </p:cxnSp>
       <p:sp>
         <p:nvSpPr>
-          <p:cNvPr id="24" name="ZoneTexte 23"/>
-          <p:cNvSpPr txBox="1"/>
-          <p:nvPr/>
-        </p:nvSpPr>
-        <p:spPr>
-          <a:xfrm>
-            <a:off x="5495035" y="3313508"/>
-            <a:ext cx="1385186" cy="369332"/>
-          </a:xfrm>
-          <a:prstGeom prst="rect">
-            <a:avLst/>
-          </a:prstGeom>
-          <a:noFill/>
-          <a:ln>
-            <a:solidFill>
-              <a:schemeClr val="tx1"/>
-            </a:solidFill>
-          </a:ln>
-        </p:spPr>
-        <p:txBody>
-          <a:bodyPr wrap="square" rtlCol="0">
-            <a:spAutoFit/>
-          </a:bodyPr>
-          <a:lstStyle/>
-          <a:p>
-            <a:pPr algn="ctr"/>
-            <a:r>
-              <a:rPr lang="fr-FR" dirty="0" smtClean="0"/>
-              <a:t>Propose (O)</a:t>
-            </a:r>
-            <a:endParaRPr lang="fr-FR" dirty="0"/>
-          </a:p>
-        </p:txBody>
-      </p:sp>
-      <p:cxnSp>
-        <p:nvCxnSpPr>
-          <p:cNvPr id="27" name="Connecteur droit avec flèche 26"/>
-          <p:cNvCxnSpPr>
-            <a:stCxn id="4" idx="2"/>
-            <a:endCxn id="24" idx="0"/>
-          </p:cNvCxnSpPr>
-          <p:nvPr/>
-        </p:nvCxnSpPr>
-        <p:spPr>
-          <a:xfrm>
-            <a:off x="3853983" y="1566084"/>
-            <a:ext cx="2333645" cy="1747424"/>
-          </a:xfrm>
-          <a:prstGeom prst="straightConnector1">
-            <a:avLst/>
-          </a:prstGeom>
-          <a:ln>
-            <a:tailEnd type="arrow"/>
-          </a:ln>
+          <p:cNvPr id="14" name="Rectangle à coins arrondis 13"/>
+          <p:cNvSpPr/>
+          <p:nvPr/>
+        </p:nvSpPr>
+        <p:spPr>
+          <a:xfrm>
+            <a:off x="34369" y="5373216"/>
+            <a:ext cx="2232248" cy="1152128"/>
+          </a:xfrm>
+          <a:prstGeom prst="roundRect">
+            <a:avLst/>
+          </a:prstGeom>
         </p:spPr>
         <p:style>
-          <a:lnRef idx="1">
-            <a:schemeClr val="dk1"/>
+          <a:lnRef idx="2">
+            <a:schemeClr val="accent1">
+              <a:shade val="50000"/>
+            </a:schemeClr>
           </a:lnRef>
-          <a:fillRef idx="0">
-            <a:schemeClr val="dk1"/>
+          <a:fillRef idx="1">
+            <a:schemeClr val="accent1"/>
           </a:fillRef>
           <a:effectRef idx="0">
-            <a:schemeClr val="dk1"/>
+            <a:schemeClr val="accent1"/>
           </a:effectRef>
           <a:fontRef idx="minor">
-            <a:schemeClr val="tx1"/>
+            <a:schemeClr val="lt1"/>
           </a:fontRef>
         </p:style>
-      </p:cxnSp>
+        <p:txBody>
+          <a:bodyPr rtlCol="0" anchor="ctr"/>
+          <a:lstStyle/>
+          <a:p>
+            <a:pPr algn="ctr"/>
+            <a:r>
+              <a:rPr lang="fr-FR" dirty="0" err="1" smtClean="0"/>
+              <a:t>Where</a:t>
+            </a:r>
+            <a:r>
+              <a:rPr lang="fr-FR" dirty="0" smtClean="0"/>
+              <a:t> Value(Option, C) != </a:t>
+            </a:r>
+            <a:r>
+              <a:rPr lang="fr-FR" dirty="0" err="1" smtClean="0"/>
+              <a:t>criterion</a:t>
+            </a:r>
+            <a:endParaRPr lang="fr-FR" dirty="0"/>
+          </a:p>
+        </p:txBody>
+      </p:sp>
+      <p:sp>
+        <p:nvSpPr>
+          <p:cNvPr id="15" name="Rectangle 14"/>
+          <p:cNvSpPr/>
+          <p:nvPr/>
+        </p:nvSpPr>
+        <p:spPr>
+          <a:xfrm>
+            <a:off x="452760" y="4502608"/>
+            <a:ext cx="1224136" cy="432048"/>
+          </a:xfrm>
+          <a:prstGeom prst="rect">
+            <a:avLst/>
+          </a:prstGeom>
+        </p:spPr>
+        <p:style>
+          <a:lnRef idx="2">
+            <a:schemeClr val="accent1">
+              <a:shade val="50000"/>
+            </a:schemeClr>
+          </a:lnRef>
+          <a:fillRef idx="1">
+            <a:schemeClr val="accent1"/>
+          </a:fillRef>
+          <a:effectRef idx="0">
+            <a:schemeClr val="accent1"/>
+          </a:effectRef>
+          <a:fontRef idx="minor">
+            <a:schemeClr val="lt1"/>
+          </a:fontRef>
+        </p:style>
+        <p:txBody>
+          <a:bodyPr rtlCol="0" anchor="ctr"/>
+          <a:lstStyle/>
+          <a:p>
+            <a:pPr algn="ctr"/>
+            <a:r>
+              <a:rPr lang="fr-FR" dirty="0" err="1" smtClean="0"/>
+              <a:t>isSub</a:t>
+            </a:r>
+            <a:r>
+              <a:rPr lang="fr-FR" dirty="0" smtClean="0"/>
+              <a:t>()</a:t>
+            </a:r>
+            <a:endParaRPr lang="fr-FR" dirty="0"/>
+          </a:p>
+        </p:txBody>
+      </p:sp>
+      <p:sp>
+        <p:nvSpPr>
+          <p:cNvPr id="16" name="Rectangle 15"/>
+          <p:cNvSpPr/>
+          <p:nvPr/>
+        </p:nvSpPr>
+        <p:spPr>
+          <a:xfrm>
+            <a:off x="4449178" y="4509120"/>
+            <a:ext cx="1224136" cy="432048"/>
+          </a:xfrm>
+          <a:prstGeom prst="rect">
+            <a:avLst/>
+          </a:prstGeom>
+        </p:spPr>
+        <p:style>
+          <a:lnRef idx="2">
+            <a:schemeClr val="accent1">
+              <a:shade val="50000"/>
+            </a:schemeClr>
+          </a:lnRef>
+          <a:fillRef idx="1">
+            <a:schemeClr val="accent1"/>
+          </a:fillRef>
+          <a:effectRef idx="0">
+            <a:schemeClr val="accent1"/>
+          </a:effectRef>
+          <a:fontRef idx="minor">
+            <a:schemeClr val="lt1"/>
+          </a:fontRef>
+        </p:style>
+        <p:txBody>
+          <a:bodyPr rtlCol="0" anchor="ctr"/>
+          <a:lstStyle/>
+          <a:p>
+            <a:pPr algn="ctr"/>
+            <a:r>
+              <a:rPr lang="fr-FR" dirty="0" err="1" smtClean="0"/>
+              <a:t>isSub</a:t>
+            </a:r>
+            <a:r>
+              <a:rPr lang="fr-FR" dirty="0" smtClean="0"/>
+              <a:t>()</a:t>
+            </a:r>
+            <a:endParaRPr lang="fr-FR" dirty="0"/>
+          </a:p>
+        </p:txBody>
+      </p:sp>
+      <p:sp>
+        <p:nvSpPr>
+          <p:cNvPr id="20" name="Rectangle 19"/>
+          <p:cNvSpPr/>
+          <p:nvPr/>
+        </p:nvSpPr>
+        <p:spPr>
+          <a:xfrm>
+            <a:off x="6359081" y="4526814"/>
+            <a:ext cx="1224136" cy="432048"/>
+          </a:xfrm>
+          <a:prstGeom prst="rect">
+            <a:avLst/>
+          </a:prstGeom>
+        </p:spPr>
+        <p:style>
+          <a:lnRef idx="2">
+            <a:schemeClr val="accent1">
+              <a:shade val="50000"/>
+            </a:schemeClr>
+          </a:lnRef>
+          <a:fillRef idx="1">
+            <a:schemeClr val="accent1"/>
+          </a:fillRef>
+          <a:effectRef idx="0">
+            <a:schemeClr val="accent1"/>
+          </a:effectRef>
+          <a:fontRef idx="minor">
+            <a:schemeClr val="lt1"/>
+          </a:fontRef>
+        </p:style>
+        <p:txBody>
+          <a:bodyPr rtlCol="0" anchor="ctr"/>
+          <a:lstStyle/>
+          <a:p>
+            <a:pPr algn="ctr"/>
+            <a:r>
+              <a:rPr lang="fr-FR" dirty="0" err="1" smtClean="0"/>
+              <a:t>isPeer</a:t>
+            </a:r>
+            <a:r>
+              <a:rPr lang="fr-FR" dirty="0" smtClean="0"/>
+              <a:t>()</a:t>
+            </a:r>
+            <a:endParaRPr lang="fr-FR" dirty="0"/>
+          </a:p>
+        </p:txBody>
+      </p:sp>
+      <p:sp>
+        <p:nvSpPr>
+          <p:cNvPr id="22" name="Rectangle 21"/>
+          <p:cNvSpPr/>
+          <p:nvPr/>
+        </p:nvSpPr>
+        <p:spPr>
+          <a:xfrm>
+            <a:off x="7884368" y="4464679"/>
+            <a:ext cx="1224136" cy="432048"/>
+          </a:xfrm>
+          <a:prstGeom prst="rect">
+            <a:avLst/>
+          </a:prstGeom>
+        </p:spPr>
+        <p:style>
+          <a:lnRef idx="2">
+            <a:schemeClr val="accent1">
+              <a:shade val="50000"/>
+            </a:schemeClr>
+          </a:lnRef>
+          <a:fillRef idx="1">
+            <a:schemeClr val="accent1"/>
+          </a:fillRef>
+          <a:effectRef idx="0">
+            <a:schemeClr val="accent1"/>
+          </a:effectRef>
+          <a:fontRef idx="minor">
+            <a:schemeClr val="lt1"/>
+          </a:fontRef>
+        </p:style>
+        <p:txBody>
+          <a:bodyPr rtlCol="0" anchor="ctr"/>
+          <a:lstStyle/>
+          <a:p>
+            <a:pPr algn="ctr"/>
+            <a:r>
+              <a:rPr lang="fr-FR" dirty="0" err="1" smtClean="0"/>
+              <a:t>isDom</a:t>
+            </a:r>
+            <a:r>
+              <a:rPr lang="fr-FR" dirty="0" smtClean="0"/>
+              <a:t>()</a:t>
+            </a:r>
+            <a:endParaRPr lang="fr-FR" dirty="0"/>
+          </a:p>
+        </p:txBody>
+      </p:sp>
+      <p:sp>
+        <p:nvSpPr>
+          <p:cNvPr id="23" name="Rectangle 22"/>
+          <p:cNvSpPr/>
+          <p:nvPr/>
+        </p:nvSpPr>
+        <p:spPr>
+          <a:xfrm>
+            <a:off x="2519772" y="4341790"/>
+            <a:ext cx="1224136" cy="815402"/>
+          </a:xfrm>
+          <a:prstGeom prst="rect">
+            <a:avLst/>
+          </a:prstGeom>
+        </p:spPr>
+        <p:style>
+          <a:lnRef idx="2">
+            <a:schemeClr val="accent1">
+              <a:shade val="50000"/>
+            </a:schemeClr>
+          </a:lnRef>
+          <a:fillRef idx="1">
+            <a:schemeClr val="accent1"/>
+          </a:fillRef>
+          <a:effectRef idx="0">
+            <a:schemeClr val="accent1"/>
+          </a:effectRef>
+          <a:fontRef idx="minor">
+            <a:schemeClr val="lt1"/>
+          </a:fontRef>
+        </p:style>
+        <p:txBody>
+          <a:bodyPr rtlCol="0" anchor="ctr"/>
+          <a:lstStyle/>
+          <a:p>
+            <a:pPr algn="ctr"/>
+            <a:r>
+              <a:rPr lang="fr-FR" dirty="0" err="1" smtClean="0"/>
+              <a:t>isPeer</a:t>
+            </a:r>
+            <a:r>
+              <a:rPr lang="fr-FR" dirty="0" smtClean="0"/>
+              <a:t>()</a:t>
+            </a:r>
+          </a:p>
+          <a:p>
+            <a:pPr algn="ctr"/>
+            <a:r>
+              <a:rPr lang="fr-FR" dirty="0" smtClean="0"/>
+              <a:t>Or</a:t>
+            </a:r>
+          </a:p>
+          <a:p>
+            <a:pPr algn="ctr"/>
+            <a:r>
+              <a:rPr lang="fr-FR" dirty="0" err="1" smtClean="0"/>
+              <a:t>isDom</a:t>
+            </a:r>
+            <a:r>
+              <a:rPr lang="fr-FR" dirty="0" smtClean="0"/>
+              <a:t>()</a:t>
+            </a:r>
+            <a:endParaRPr lang="fr-FR" dirty="0"/>
+          </a:p>
+        </p:txBody>
+      </p:sp>
     </p:spTree>
     <p:extLst>
       <p:ext uri="{BB962C8B-B14F-4D97-AF65-F5344CB8AC3E}">
-        <p14:creationId xmlns:p14="http://schemas.microsoft.com/office/powerpoint/2010/main" val="498710926"/>
+        <p14:creationId xmlns:p14="http://schemas.microsoft.com/office/powerpoint/2010/main" val="288996076"/>
       </p:ext>
     </p:extLst>
   </p:cSld>
@@ -5762,7 +7878,7 @@
         </p:nvSpPr>
         <p:spPr>
           <a:xfrm>
-            <a:off x="3131840" y="1772816"/>
+            <a:off x="2917879" y="1196752"/>
             <a:ext cx="1872208" cy="369332"/>
           </a:xfrm>
           <a:prstGeom prst="rect">
@@ -5784,11 +7900,19 @@
             <a:pPr algn="ctr"/>
             <a:r>
               <a:rPr lang="fr-FR" dirty="0" err="1" smtClean="0"/>
-              <a:t>Accept</a:t>
-            </a:r>
-            <a:r>
-              <a:rPr lang="fr-FR" dirty="0" smtClean="0"/>
-              <a:t>(X)</a:t>
+              <a:t>Reject</a:t>
+            </a:r>
+            <a:r>
+              <a:rPr lang="fr-FR" dirty="0" smtClean="0"/>
+              <a:t>(</a:t>
+            </a:r>
+            <a:r>
+              <a:rPr lang="fr-FR" dirty="0" err="1" smtClean="0"/>
+              <a:t>Criterion</a:t>
+            </a:r>
+            <a:r>
+              <a:rPr lang="fr-FR" dirty="0" smtClean="0"/>
+              <a:t>)</a:t>
             </a:r>
             <a:endParaRPr lang="fr-FR" dirty="0"/>
           </a:p>
@@ -5796,14 +7920,14 @@
       </p:sp>
       <p:sp>
         <p:nvSpPr>
-          <p:cNvPr id="8" name="ZoneTexte 7"/>
+          <p:cNvPr id="5" name="ZoneTexte 4"/>
           <p:cNvSpPr txBox="1"/>
           <p:nvPr/>
         </p:nvSpPr>
         <p:spPr>
           <a:xfrm>
-            <a:off x="3275856" y="3707740"/>
-            <a:ext cx="1584176" cy="369332"/>
+            <a:off x="53498" y="3316986"/>
+            <a:ext cx="1980220" cy="646331"/>
           </a:xfrm>
           <a:prstGeom prst="rect">
             <a:avLst/>
@@ -5823,16 +7947,20 @@
           <a:p>
             <a:pPr algn="ctr"/>
             <a:r>
-              <a:rPr lang="fr-FR" dirty="0" smtClean="0"/>
-              <a:t>Propose (</a:t>
-            </a:r>
-            <a:r>
-              <a:rPr lang="fr-FR" dirty="0" err="1"/>
-              <a:t>Z</a:t>
-            </a:r>
-            <a:r>
               <a:rPr lang="fr-FR" dirty="0" err="1" smtClean="0"/>
-              <a:t>,O</a:t>
+              <a:t>State.Preference</a:t>
+            </a:r>
+            <a:endParaRPr lang="fr-FR" dirty="0" smtClean="0"/>
+          </a:p>
+          <a:p>
+            <a:pPr algn="ctr"/>
+            <a:r>
+              <a:rPr lang="fr-FR" dirty="0" smtClean="0"/>
+              <a:t>(</a:t>
+            </a:r>
+            <a:r>
+              <a:rPr lang="fr-FR" dirty="0" err="1" smtClean="0"/>
+              <a:t>Criterion</a:t>
             </a:r>
             <a:r>
               <a:rPr lang="fr-FR" dirty="0" smtClean="0"/>
@@ -5844,17 +7972,17 @@
       </p:sp>
       <p:cxnSp>
         <p:nvCxnSpPr>
-          <p:cNvPr id="9" name="Connecteur droit avec flèche 8"/>
+          <p:cNvPr id="7" name="Connecteur droit avec flèche 6"/>
           <p:cNvCxnSpPr>
             <a:stCxn id="4" idx="2"/>
-            <a:endCxn id="8" idx="0"/>
+            <a:endCxn id="5" idx="0"/>
           </p:cNvCxnSpPr>
           <p:nvPr/>
         </p:nvCxnSpPr>
         <p:spPr>
-          <a:xfrm>
-            <a:off x="4067944" y="2142148"/>
-            <a:ext cx="0" cy="1565592"/>
+          <a:xfrm flipH="1">
+            <a:off x="1043608" y="1566084"/>
+            <a:ext cx="2810375" cy="1750902"/>
           </a:xfrm>
           <a:prstGeom prst="straightConnector1">
             <a:avLst/>
@@ -5880,14 +8008,14 @@
       </p:cxnSp>
       <p:sp>
         <p:nvSpPr>
-          <p:cNvPr id="10" name="ZoneTexte 9"/>
+          <p:cNvPr id="8" name="ZoneTexte 7"/>
           <p:cNvSpPr txBox="1"/>
           <p:nvPr/>
         </p:nvSpPr>
         <p:spPr>
           <a:xfrm>
-            <a:off x="683568" y="3707740"/>
-            <a:ext cx="2088232" cy="369332"/>
+            <a:off x="3995936" y="3313508"/>
+            <a:ext cx="1304281" cy="646331"/>
           </a:xfrm>
           <a:prstGeom prst="rect">
             <a:avLst/>
@@ -5907,12 +8035,16 @@
           <a:p>
             <a:pPr algn="ctr"/>
             <a:r>
+              <a:rPr lang="fr-FR" dirty="0" smtClean="0"/>
+              <a:t>Propose (</a:t>
+            </a:r>
+            <a:r>
               <a:rPr lang="fr-FR" dirty="0" err="1" smtClean="0"/>
-              <a:t>State.Preference</a:t>
-            </a:r>
-            <a:r>
-              <a:rPr lang="fr-FR" dirty="0" smtClean="0"/>
-              <a:t>(Z)</a:t>
+              <a:t>Criterion</a:t>
+            </a:r>
+            <a:r>
+              <a:rPr lang="fr-FR" dirty="0" smtClean="0"/>
+              <a:t>)</a:t>
             </a:r>
             <a:endParaRPr lang="fr-FR" dirty="0"/>
           </a:p>
@@ -5920,17 +8052,17 @@
       </p:sp>
       <p:cxnSp>
         <p:nvCxnSpPr>
-          <p:cNvPr id="11" name="Connecteur droit avec flèche 10"/>
+          <p:cNvPr id="9" name="Connecteur droit avec flèche 8"/>
           <p:cNvCxnSpPr>
             <a:stCxn id="4" idx="2"/>
-            <a:endCxn id="10" idx="0"/>
+            <a:endCxn id="8" idx="0"/>
           </p:cNvCxnSpPr>
           <p:nvPr/>
         </p:nvCxnSpPr>
         <p:spPr>
-          <a:xfrm flipH="1">
-            <a:off x="1727684" y="2142148"/>
-            <a:ext cx="2340260" cy="1565592"/>
+          <a:xfrm>
+            <a:off x="3853983" y="1566084"/>
+            <a:ext cx="794094" cy="1747424"/>
           </a:xfrm>
           <a:prstGeom prst="straightConnector1">
             <a:avLst/>
@@ -5962,8 +8094,8 @@
         </p:nvSpPr>
         <p:spPr>
           <a:xfrm>
-            <a:off x="5580112" y="3707740"/>
-            <a:ext cx="2088232" cy="369332"/>
+            <a:off x="7020272" y="3319273"/>
+            <a:ext cx="2088232" cy="646331"/>
           </a:xfrm>
           <a:prstGeom prst="rect">
             <a:avLst/>
@@ -5986,9 +8118,21 @@
               <a:rPr lang="fr-FR" dirty="0" err="1" smtClean="0"/>
               <a:t>Ask.Preference</a:t>
             </a:r>
-            <a:r>
-              <a:rPr lang="fr-FR" dirty="0" smtClean="0"/>
-              <a:t>(Z)</a:t>
+            <a:endParaRPr lang="fr-FR" dirty="0" smtClean="0"/>
+          </a:p>
+          <a:p>
+            <a:pPr algn="ctr"/>
+            <a:r>
+              <a:rPr lang="fr-FR" dirty="0" smtClean="0"/>
+              <a:t>(</a:t>
+            </a:r>
+            <a:r>
+              <a:rPr lang="fr-FR" dirty="0" err="1" smtClean="0"/>
+              <a:t>Criterion</a:t>
+            </a:r>
+            <a:r>
+              <a:rPr lang="fr-FR" dirty="0" smtClean="0"/>
+              <a:t> 2)</a:t>
             </a:r>
             <a:endParaRPr lang="fr-FR" dirty="0"/>
           </a:p>
@@ -6005,8 +8149,8 @@
         </p:nvCxnSpPr>
         <p:spPr>
           <a:xfrm>
-            <a:off x="4067944" y="2142148"/>
-            <a:ext cx="2556284" cy="1565592"/>
+            <a:off x="3853983" y="1566084"/>
+            <a:ext cx="4210405" cy="1753189"/>
           </a:xfrm>
           <a:prstGeom prst="straightConnector1">
             <a:avLst/>
@@ -6030,6 +8174,1004 @@
           </a:fontRef>
         </p:style>
       </p:cxnSp>
+      <p:sp>
+        <p:nvSpPr>
+          <p:cNvPr id="12" name="ZoneTexte 11"/>
+          <p:cNvSpPr txBox="1"/>
+          <p:nvPr/>
+        </p:nvSpPr>
+        <p:spPr>
+          <a:xfrm>
+            <a:off x="2141340" y="3319273"/>
+            <a:ext cx="1547933" cy="646331"/>
+          </a:xfrm>
+          <a:prstGeom prst="rect">
+            <a:avLst/>
+          </a:prstGeom>
+          <a:noFill/>
+          <a:ln>
+            <a:solidFill>
+              <a:schemeClr val="tx1"/>
+            </a:solidFill>
+          </a:ln>
+        </p:spPr>
+        <p:txBody>
+          <a:bodyPr wrap="square" rtlCol="0">
+            <a:spAutoFit/>
+          </a:bodyPr>
+          <a:lstStyle/>
+          <a:p>
+            <a:pPr algn="ctr"/>
+            <a:r>
+              <a:rPr lang="fr-FR" dirty="0" smtClean="0"/>
+              <a:t>Propose (</a:t>
+            </a:r>
+            <a:r>
+              <a:rPr lang="fr-FR" dirty="0" err="1" smtClean="0"/>
+              <a:t>Criterion</a:t>
+            </a:r>
+            <a:r>
+              <a:rPr lang="fr-FR" dirty="0" smtClean="0"/>
+              <a:t> 2)</a:t>
+            </a:r>
+            <a:endParaRPr lang="fr-FR" dirty="0"/>
+          </a:p>
+        </p:txBody>
+      </p:sp>
+      <p:cxnSp>
+        <p:nvCxnSpPr>
+          <p:cNvPr id="13" name="Connecteur droit avec flèche 12"/>
+          <p:cNvCxnSpPr>
+            <a:stCxn id="4" idx="2"/>
+            <a:endCxn id="12" idx="0"/>
+          </p:cNvCxnSpPr>
+          <p:nvPr/>
+        </p:nvCxnSpPr>
+        <p:spPr>
+          <a:xfrm flipH="1">
+            <a:off x="2915307" y="1566084"/>
+            <a:ext cx="938676" cy="1753189"/>
+          </a:xfrm>
+          <a:prstGeom prst="straightConnector1">
+            <a:avLst/>
+          </a:prstGeom>
+          <a:ln>
+            <a:tailEnd type="arrow"/>
+          </a:ln>
+        </p:spPr>
+        <p:style>
+          <a:lnRef idx="1">
+            <a:schemeClr val="dk1"/>
+          </a:lnRef>
+          <a:fillRef idx="0">
+            <a:schemeClr val="dk1"/>
+          </a:fillRef>
+          <a:effectRef idx="0">
+            <a:schemeClr val="dk1"/>
+          </a:effectRef>
+          <a:fontRef idx="minor">
+            <a:schemeClr val="tx1"/>
+          </a:fontRef>
+        </p:style>
+      </p:cxnSp>
+      <p:sp>
+        <p:nvSpPr>
+          <p:cNvPr id="24" name="ZoneTexte 23"/>
+          <p:cNvSpPr txBox="1"/>
+          <p:nvPr/>
+        </p:nvSpPr>
+        <p:spPr>
+          <a:xfrm>
+            <a:off x="5495035" y="3313508"/>
+            <a:ext cx="1385186" cy="646331"/>
+          </a:xfrm>
+          <a:prstGeom prst="rect">
+            <a:avLst/>
+          </a:prstGeom>
+          <a:noFill/>
+          <a:ln>
+            <a:solidFill>
+              <a:schemeClr val="tx1"/>
+            </a:solidFill>
+          </a:ln>
+        </p:spPr>
+        <p:txBody>
+          <a:bodyPr wrap="square" rtlCol="0">
+            <a:spAutoFit/>
+          </a:bodyPr>
+          <a:lstStyle/>
+          <a:p>
+            <a:pPr algn="ctr"/>
+            <a:r>
+              <a:rPr lang="fr-FR" dirty="0" smtClean="0"/>
+              <a:t>Propose </a:t>
+            </a:r>
+          </a:p>
+          <a:p>
+            <a:pPr algn="ctr"/>
+            <a:r>
+              <a:rPr lang="fr-FR" dirty="0" smtClean="0"/>
+              <a:t>(Option)</a:t>
+            </a:r>
+            <a:endParaRPr lang="fr-FR" dirty="0"/>
+          </a:p>
+        </p:txBody>
+      </p:sp>
+      <p:cxnSp>
+        <p:nvCxnSpPr>
+          <p:cNvPr id="27" name="Connecteur droit avec flèche 26"/>
+          <p:cNvCxnSpPr>
+            <a:stCxn id="4" idx="2"/>
+            <a:endCxn id="24" idx="0"/>
+          </p:cNvCxnSpPr>
+          <p:nvPr/>
+        </p:nvCxnSpPr>
+        <p:spPr>
+          <a:xfrm>
+            <a:off x="3853983" y="1566084"/>
+            <a:ext cx="2333645" cy="1747424"/>
+          </a:xfrm>
+          <a:prstGeom prst="straightConnector1">
+            <a:avLst/>
+          </a:prstGeom>
+          <a:ln>
+            <a:tailEnd type="arrow"/>
+          </a:ln>
+        </p:spPr>
+        <p:style>
+          <a:lnRef idx="1">
+            <a:schemeClr val="dk1"/>
+          </a:lnRef>
+          <a:fillRef idx="0">
+            <a:schemeClr val="dk1"/>
+          </a:fillRef>
+          <a:effectRef idx="0">
+            <a:schemeClr val="dk1"/>
+          </a:effectRef>
+          <a:fontRef idx="minor">
+            <a:schemeClr val="tx1"/>
+          </a:fontRef>
+        </p:style>
+      </p:cxnSp>
+      <p:sp>
+        <p:nvSpPr>
+          <p:cNvPr id="16" name="Rectangle 15"/>
+          <p:cNvSpPr/>
+          <p:nvPr/>
+        </p:nvSpPr>
+        <p:spPr>
+          <a:xfrm>
+            <a:off x="431540" y="4159622"/>
+            <a:ext cx="1224136" cy="432048"/>
+          </a:xfrm>
+          <a:prstGeom prst="rect">
+            <a:avLst/>
+          </a:prstGeom>
+        </p:spPr>
+        <p:style>
+          <a:lnRef idx="2">
+            <a:schemeClr val="accent1">
+              <a:shade val="50000"/>
+            </a:schemeClr>
+          </a:lnRef>
+          <a:fillRef idx="1">
+            <a:schemeClr val="accent1"/>
+          </a:fillRef>
+          <a:effectRef idx="0">
+            <a:schemeClr val="accent1"/>
+          </a:effectRef>
+          <a:fontRef idx="minor">
+            <a:schemeClr val="lt1"/>
+          </a:fontRef>
+        </p:style>
+        <p:txBody>
+          <a:bodyPr rtlCol="0" anchor="ctr"/>
+          <a:lstStyle/>
+          <a:p>
+            <a:pPr algn="ctr"/>
+            <a:r>
+              <a:rPr lang="fr-FR" dirty="0" err="1" smtClean="0"/>
+              <a:t>isPeer</a:t>
+            </a:r>
+            <a:r>
+              <a:rPr lang="fr-FR" dirty="0" smtClean="0"/>
+              <a:t>()</a:t>
+            </a:r>
+            <a:endParaRPr lang="fr-FR" dirty="0"/>
+          </a:p>
+        </p:txBody>
+      </p:sp>
+      <p:sp>
+        <p:nvSpPr>
+          <p:cNvPr id="19" name="Rectangle 18"/>
+          <p:cNvSpPr/>
+          <p:nvPr/>
+        </p:nvSpPr>
+        <p:spPr>
+          <a:xfrm>
+            <a:off x="2303238" y="4159622"/>
+            <a:ext cx="1224136" cy="853554"/>
+          </a:xfrm>
+          <a:prstGeom prst="rect">
+            <a:avLst/>
+          </a:prstGeom>
+        </p:spPr>
+        <p:style>
+          <a:lnRef idx="2">
+            <a:schemeClr val="accent1">
+              <a:shade val="50000"/>
+            </a:schemeClr>
+          </a:lnRef>
+          <a:fillRef idx="1">
+            <a:schemeClr val="accent1"/>
+          </a:fillRef>
+          <a:effectRef idx="0">
+            <a:schemeClr val="accent1"/>
+          </a:effectRef>
+          <a:fontRef idx="minor">
+            <a:schemeClr val="lt1"/>
+          </a:fontRef>
+        </p:style>
+        <p:txBody>
+          <a:bodyPr rtlCol="0" anchor="ctr"/>
+          <a:lstStyle/>
+          <a:p>
+            <a:pPr algn="ctr"/>
+            <a:r>
+              <a:rPr lang="fr-FR" dirty="0" err="1" smtClean="0"/>
+              <a:t>isPeer</a:t>
+            </a:r>
+            <a:r>
+              <a:rPr lang="fr-FR" dirty="0" smtClean="0"/>
+              <a:t>()</a:t>
+            </a:r>
+          </a:p>
+          <a:p>
+            <a:pPr algn="ctr"/>
+            <a:r>
+              <a:rPr lang="fr-FR" dirty="0" smtClean="0"/>
+              <a:t>Or </a:t>
+            </a:r>
+          </a:p>
+          <a:p>
+            <a:pPr algn="ctr"/>
+            <a:r>
+              <a:rPr lang="fr-FR" dirty="0" err="1" smtClean="0"/>
+              <a:t>isDom</a:t>
+            </a:r>
+            <a:r>
+              <a:rPr lang="fr-FR" dirty="0" smtClean="0"/>
+              <a:t>()</a:t>
+            </a:r>
+            <a:endParaRPr lang="fr-FR" dirty="0"/>
+          </a:p>
+        </p:txBody>
+      </p:sp>
+      <p:sp>
+        <p:nvSpPr>
+          <p:cNvPr id="20" name="Rectangle 19"/>
+          <p:cNvSpPr/>
+          <p:nvPr/>
+        </p:nvSpPr>
+        <p:spPr>
+          <a:xfrm>
+            <a:off x="4036009" y="4284273"/>
+            <a:ext cx="1224136" cy="432048"/>
+          </a:xfrm>
+          <a:prstGeom prst="rect">
+            <a:avLst/>
+          </a:prstGeom>
+        </p:spPr>
+        <p:style>
+          <a:lnRef idx="2">
+            <a:schemeClr val="accent1">
+              <a:shade val="50000"/>
+            </a:schemeClr>
+          </a:lnRef>
+          <a:fillRef idx="1">
+            <a:schemeClr val="accent1"/>
+          </a:fillRef>
+          <a:effectRef idx="0">
+            <a:schemeClr val="accent1"/>
+          </a:effectRef>
+          <a:fontRef idx="minor">
+            <a:schemeClr val="lt1"/>
+          </a:fontRef>
+        </p:style>
+        <p:txBody>
+          <a:bodyPr rtlCol="0" anchor="ctr"/>
+          <a:lstStyle/>
+          <a:p>
+            <a:pPr algn="ctr"/>
+            <a:r>
+              <a:rPr lang="fr-FR" dirty="0" err="1" smtClean="0"/>
+              <a:t>isDom</a:t>
+            </a:r>
+            <a:r>
+              <a:rPr lang="fr-FR" dirty="0" smtClean="0"/>
+              <a:t>()</a:t>
+            </a:r>
+            <a:endParaRPr lang="fr-FR" dirty="0"/>
+          </a:p>
+        </p:txBody>
+      </p:sp>
+      <p:sp>
+        <p:nvSpPr>
+          <p:cNvPr id="21" name="Rectangle 20"/>
+          <p:cNvSpPr/>
+          <p:nvPr/>
+        </p:nvSpPr>
+        <p:spPr>
+          <a:xfrm>
+            <a:off x="7524328" y="4293096"/>
+            <a:ext cx="1224136" cy="432048"/>
+          </a:xfrm>
+          <a:prstGeom prst="rect">
+            <a:avLst/>
+          </a:prstGeom>
+        </p:spPr>
+        <p:style>
+          <a:lnRef idx="2">
+            <a:schemeClr val="accent1">
+              <a:shade val="50000"/>
+            </a:schemeClr>
+          </a:lnRef>
+          <a:fillRef idx="1">
+            <a:schemeClr val="accent1"/>
+          </a:fillRef>
+          <a:effectRef idx="0">
+            <a:schemeClr val="accent1"/>
+          </a:effectRef>
+          <a:fontRef idx="minor">
+            <a:schemeClr val="lt1"/>
+          </a:fontRef>
+        </p:style>
+        <p:txBody>
+          <a:bodyPr rtlCol="0" anchor="ctr"/>
+          <a:lstStyle/>
+          <a:p>
+            <a:pPr algn="ctr"/>
+            <a:r>
+              <a:rPr lang="fr-FR" dirty="0" err="1" smtClean="0"/>
+              <a:t>isSub</a:t>
+            </a:r>
+            <a:r>
+              <a:rPr lang="fr-FR" dirty="0" smtClean="0"/>
+              <a:t>()</a:t>
+            </a:r>
+            <a:endParaRPr lang="fr-FR" dirty="0"/>
+          </a:p>
+        </p:txBody>
+      </p:sp>
+      <p:sp>
+        <p:nvSpPr>
+          <p:cNvPr id="26" name="Rectangle 25"/>
+          <p:cNvSpPr/>
+          <p:nvPr/>
+        </p:nvSpPr>
+        <p:spPr>
+          <a:xfrm>
+            <a:off x="5575560" y="4201655"/>
+            <a:ext cx="1224136" cy="853554"/>
+          </a:xfrm>
+          <a:prstGeom prst="rect">
+            <a:avLst/>
+          </a:prstGeom>
+        </p:spPr>
+        <p:style>
+          <a:lnRef idx="2">
+            <a:schemeClr val="accent1">
+              <a:shade val="50000"/>
+            </a:schemeClr>
+          </a:lnRef>
+          <a:fillRef idx="1">
+            <a:schemeClr val="accent1"/>
+          </a:fillRef>
+          <a:effectRef idx="0">
+            <a:schemeClr val="accent1"/>
+          </a:effectRef>
+          <a:fontRef idx="minor">
+            <a:schemeClr val="lt1"/>
+          </a:fontRef>
+        </p:style>
+        <p:txBody>
+          <a:bodyPr rtlCol="0" anchor="ctr"/>
+          <a:lstStyle/>
+          <a:p>
+            <a:pPr algn="ctr"/>
+            <a:r>
+              <a:rPr lang="fr-FR" dirty="0" err="1" smtClean="0"/>
+              <a:t>isPeer</a:t>
+            </a:r>
+            <a:r>
+              <a:rPr lang="fr-FR" dirty="0" smtClean="0"/>
+              <a:t>()</a:t>
+            </a:r>
+          </a:p>
+          <a:p>
+            <a:pPr algn="ctr"/>
+            <a:r>
+              <a:rPr lang="fr-FR" dirty="0" smtClean="0"/>
+              <a:t>Or </a:t>
+            </a:r>
+          </a:p>
+          <a:p>
+            <a:pPr algn="ctr"/>
+            <a:r>
+              <a:rPr lang="fr-FR" dirty="0" err="1" smtClean="0"/>
+              <a:t>isDom</a:t>
+            </a:r>
+            <a:r>
+              <a:rPr lang="fr-FR" dirty="0" smtClean="0"/>
+              <a:t>()</a:t>
+            </a:r>
+            <a:endParaRPr lang="fr-FR" dirty="0"/>
+          </a:p>
+        </p:txBody>
+      </p:sp>
+    </p:spTree>
+    <p:extLst>
+      <p:ext uri="{BB962C8B-B14F-4D97-AF65-F5344CB8AC3E}">
+        <p14:creationId xmlns:p14="http://schemas.microsoft.com/office/powerpoint/2010/main" val="498710926"/>
+      </p:ext>
+    </p:extLst>
+  </p:cSld>
+  <p:clrMapOvr>
+    <a:masterClrMapping/>
+  </p:clrMapOvr>
+</p:sld>
+</file>
+
+<file path=ppt/slides/slide8.xml><?xml version="1.0" encoding="utf-8"?>
+<p:sld xmlns:a="http://schemas.openxmlformats.org/drawingml/2006/main" xmlns:r="http://schemas.openxmlformats.org/officeDocument/2006/relationships" xmlns:p="http://schemas.openxmlformats.org/presentationml/2006/main">
+  <p:cSld>
+    <p:spTree>
+      <p:nvGrpSpPr>
+        <p:cNvPr id="1" name=""/>
+        <p:cNvGrpSpPr/>
+        <p:nvPr/>
+      </p:nvGrpSpPr>
+      <p:grpSpPr>
+        <a:xfrm>
+          <a:off x="0" y="0"/>
+          <a:ext cx="0" cy="0"/>
+          <a:chOff x="0" y="0"/>
+          <a:chExt cx="0" cy="0"/>
+        </a:xfrm>
+      </p:grpSpPr>
+      <p:sp>
+        <p:nvSpPr>
+          <p:cNvPr id="4" name="ZoneTexte 3"/>
+          <p:cNvSpPr txBox="1"/>
+          <p:nvPr/>
+        </p:nvSpPr>
+        <p:spPr>
+          <a:xfrm>
+            <a:off x="3131840" y="1772816"/>
+            <a:ext cx="1872208" cy="369332"/>
+          </a:xfrm>
+          <a:prstGeom prst="rect">
+            <a:avLst/>
+          </a:prstGeom>
+          <a:noFill/>
+          <a:ln>
+            <a:solidFill>
+              <a:schemeClr val="tx1"/>
+            </a:solidFill>
+          </a:ln>
+        </p:spPr>
+        <p:txBody>
+          <a:bodyPr wrap="square" rtlCol="0">
+            <a:spAutoFit/>
+          </a:bodyPr>
+          <a:lstStyle/>
+          <a:p>
+            <a:pPr algn="ctr"/>
+            <a:r>
+              <a:rPr lang="fr-FR" dirty="0" err="1" smtClean="0"/>
+              <a:t>Accept</a:t>
+            </a:r>
+            <a:r>
+              <a:rPr lang="fr-FR" dirty="0" smtClean="0"/>
+              <a:t>(</a:t>
+            </a:r>
+            <a:r>
+              <a:rPr lang="fr-FR" dirty="0" err="1" smtClean="0"/>
+              <a:t>Criterion</a:t>
+            </a:r>
+            <a:r>
+              <a:rPr lang="fr-FR" dirty="0" smtClean="0"/>
+              <a:t>)</a:t>
+            </a:r>
+            <a:endParaRPr lang="fr-FR" dirty="0"/>
+          </a:p>
+        </p:txBody>
+      </p:sp>
+      <p:sp>
+        <p:nvSpPr>
+          <p:cNvPr id="8" name="ZoneTexte 7"/>
+          <p:cNvSpPr txBox="1"/>
+          <p:nvPr/>
+        </p:nvSpPr>
+        <p:spPr>
+          <a:xfrm>
+            <a:off x="3275856" y="3707740"/>
+            <a:ext cx="1584176" cy="646331"/>
+          </a:xfrm>
+          <a:prstGeom prst="rect">
+            <a:avLst/>
+          </a:prstGeom>
+          <a:noFill/>
+          <a:ln>
+            <a:solidFill>
+              <a:schemeClr val="tx1"/>
+            </a:solidFill>
+          </a:ln>
+        </p:spPr>
+        <p:txBody>
+          <a:bodyPr wrap="square" rtlCol="0">
+            <a:spAutoFit/>
+          </a:bodyPr>
+          <a:lstStyle/>
+          <a:p>
+            <a:pPr algn="ctr"/>
+            <a:r>
+              <a:rPr lang="fr-FR" dirty="0" smtClean="0"/>
+              <a:t>Propose (Option)</a:t>
+            </a:r>
+            <a:endParaRPr lang="fr-FR" dirty="0"/>
+          </a:p>
+        </p:txBody>
+      </p:sp>
+      <p:cxnSp>
+        <p:nvCxnSpPr>
+          <p:cNvPr id="9" name="Connecteur droit avec flèche 8"/>
+          <p:cNvCxnSpPr>
+            <a:stCxn id="4" idx="2"/>
+            <a:endCxn id="8" idx="0"/>
+          </p:cNvCxnSpPr>
+          <p:nvPr/>
+        </p:nvCxnSpPr>
+        <p:spPr>
+          <a:xfrm>
+            <a:off x="4067944" y="2142148"/>
+            <a:ext cx="0" cy="1565592"/>
+          </a:xfrm>
+          <a:prstGeom prst="straightConnector1">
+            <a:avLst/>
+          </a:prstGeom>
+          <a:ln>
+            <a:tailEnd type="arrow"/>
+          </a:ln>
+        </p:spPr>
+        <p:style>
+          <a:lnRef idx="1">
+            <a:schemeClr val="dk1"/>
+          </a:lnRef>
+          <a:fillRef idx="0">
+            <a:schemeClr val="dk1"/>
+          </a:fillRef>
+          <a:effectRef idx="0">
+            <a:schemeClr val="dk1"/>
+          </a:effectRef>
+          <a:fontRef idx="minor">
+            <a:schemeClr val="tx1"/>
+          </a:fontRef>
+        </p:style>
+      </p:cxnSp>
+      <p:sp>
+        <p:nvSpPr>
+          <p:cNvPr id="10" name="ZoneTexte 9"/>
+          <p:cNvSpPr txBox="1"/>
+          <p:nvPr/>
+        </p:nvSpPr>
+        <p:spPr>
+          <a:xfrm>
+            <a:off x="683568" y="3707740"/>
+            <a:ext cx="2088232" cy="646331"/>
+          </a:xfrm>
+          <a:prstGeom prst="rect">
+            <a:avLst/>
+          </a:prstGeom>
+          <a:noFill/>
+          <a:ln>
+            <a:solidFill>
+              <a:schemeClr val="tx1"/>
+            </a:solidFill>
+          </a:ln>
+        </p:spPr>
+        <p:txBody>
+          <a:bodyPr wrap="square" rtlCol="0">
+            <a:spAutoFit/>
+          </a:bodyPr>
+          <a:lstStyle/>
+          <a:p>
+            <a:pPr algn="ctr"/>
+            <a:r>
+              <a:rPr lang="fr-FR" dirty="0" err="1" smtClean="0"/>
+              <a:t>State.Preference</a:t>
+            </a:r>
+            <a:endParaRPr lang="fr-FR" dirty="0" smtClean="0"/>
+          </a:p>
+          <a:p>
+            <a:pPr algn="ctr"/>
+            <a:r>
+              <a:rPr lang="fr-FR" dirty="0" smtClean="0"/>
+              <a:t>(Criterion2)</a:t>
+            </a:r>
+            <a:endParaRPr lang="fr-FR" dirty="0"/>
+          </a:p>
+        </p:txBody>
+      </p:sp>
+      <p:cxnSp>
+        <p:nvCxnSpPr>
+          <p:cNvPr id="11" name="Connecteur droit avec flèche 10"/>
+          <p:cNvCxnSpPr>
+            <a:stCxn id="4" idx="2"/>
+            <a:endCxn id="10" idx="0"/>
+          </p:cNvCxnSpPr>
+          <p:nvPr/>
+        </p:nvCxnSpPr>
+        <p:spPr>
+          <a:xfrm flipH="1">
+            <a:off x="1727684" y="2142148"/>
+            <a:ext cx="2340260" cy="1565592"/>
+          </a:xfrm>
+          <a:prstGeom prst="straightConnector1">
+            <a:avLst/>
+          </a:prstGeom>
+          <a:ln>
+            <a:tailEnd type="arrow"/>
+          </a:ln>
+        </p:spPr>
+        <p:style>
+          <a:lnRef idx="1">
+            <a:schemeClr val="dk1"/>
+          </a:lnRef>
+          <a:fillRef idx="0">
+            <a:schemeClr val="dk1"/>
+          </a:fillRef>
+          <a:effectRef idx="0">
+            <a:schemeClr val="dk1"/>
+          </a:effectRef>
+          <a:fontRef idx="minor">
+            <a:schemeClr val="tx1"/>
+          </a:fontRef>
+        </p:style>
+      </p:cxnSp>
+      <p:sp>
+        <p:nvSpPr>
+          <p:cNvPr id="17" name="ZoneTexte 16"/>
+          <p:cNvSpPr txBox="1"/>
+          <p:nvPr/>
+        </p:nvSpPr>
+        <p:spPr>
+          <a:xfrm>
+            <a:off x="6948264" y="3707740"/>
+            <a:ext cx="2088232" cy="646331"/>
+          </a:xfrm>
+          <a:prstGeom prst="rect">
+            <a:avLst/>
+          </a:prstGeom>
+          <a:noFill/>
+          <a:ln>
+            <a:solidFill>
+              <a:schemeClr val="tx1"/>
+            </a:solidFill>
+          </a:ln>
+        </p:spPr>
+        <p:txBody>
+          <a:bodyPr wrap="square" rtlCol="0">
+            <a:spAutoFit/>
+          </a:bodyPr>
+          <a:lstStyle/>
+          <a:p>
+            <a:pPr algn="ctr"/>
+            <a:r>
+              <a:rPr lang="fr-FR" dirty="0" err="1" smtClean="0"/>
+              <a:t>Ask.Preference</a:t>
+            </a:r>
+            <a:endParaRPr lang="fr-FR" dirty="0" smtClean="0"/>
+          </a:p>
+          <a:p>
+            <a:pPr algn="ctr"/>
+            <a:r>
+              <a:rPr lang="fr-FR" dirty="0" smtClean="0"/>
+              <a:t>(</a:t>
+            </a:r>
+            <a:r>
+              <a:rPr lang="fr-FR" dirty="0" err="1" smtClean="0"/>
+              <a:t>Criterion</a:t>
+            </a:r>
+            <a:r>
+              <a:rPr lang="fr-FR" dirty="0" smtClean="0"/>
+              <a:t> 2)</a:t>
+            </a:r>
+            <a:endParaRPr lang="fr-FR" dirty="0"/>
+          </a:p>
+        </p:txBody>
+      </p:sp>
+      <p:cxnSp>
+        <p:nvCxnSpPr>
+          <p:cNvPr id="18" name="Connecteur droit avec flèche 17"/>
+          <p:cNvCxnSpPr>
+            <a:stCxn id="4" idx="2"/>
+            <a:endCxn id="17" idx="0"/>
+          </p:cNvCxnSpPr>
+          <p:nvPr/>
+        </p:nvCxnSpPr>
+        <p:spPr>
+          <a:xfrm>
+            <a:off x="4067944" y="2142148"/>
+            <a:ext cx="3924436" cy="1565592"/>
+          </a:xfrm>
+          <a:prstGeom prst="straightConnector1">
+            <a:avLst/>
+          </a:prstGeom>
+          <a:ln>
+            <a:tailEnd type="arrow"/>
+          </a:ln>
+        </p:spPr>
+        <p:style>
+          <a:lnRef idx="1">
+            <a:schemeClr val="dk1"/>
+          </a:lnRef>
+          <a:fillRef idx="0">
+            <a:schemeClr val="dk1"/>
+          </a:fillRef>
+          <a:effectRef idx="0">
+            <a:schemeClr val="dk1"/>
+          </a:effectRef>
+          <a:fontRef idx="minor">
+            <a:schemeClr val="tx1"/>
+          </a:fontRef>
+        </p:style>
+      </p:cxnSp>
+      <p:sp>
+        <p:nvSpPr>
+          <p:cNvPr id="12" name="ZoneTexte 11"/>
+          <p:cNvSpPr txBox="1"/>
+          <p:nvPr/>
+        </p:nvSpPr>
+        <p:spPr>
+          <a:xfrm>
+            <a:off x="5010313" y="3700483"/>
+            <a:ext cx="1584176" cy="646331"/>
+          </a:xfrm>
+          <a:prstGeom prst="rect">
+            <a:avLst/>
+          </a:prstGeom>
+          <a:noFill/>
+          <a:ln>
+            <a:solidFill>
+              <a:schemeClr val="tx1"/>
+            </a:solidFill>
+          </a:ln>
+        </p:spPr>
+        <p:txBody>
+          <a:bodyPr wrap="square" rtlCol="0">
+            <a:spAutoFit/>
+          </a:bodyPr>
+          <a:lstStyle/>
+          <a:p>
+            <a:pPr algn="ctr"/>
+            <a:r>
+              <a:rPr lang="fr-FR" dirty="0" smtClean="0"/>
+              <a:t>Propose (</a:t>
+            </a:r>
+            <a:r>
+              <a:rPr lang="fr-FR" dirty="0" err="1" smtClean="0"/>
+              <a:t>Criterion</a:t>
+            </a:r>
+            <a:r>
+              <a:rPr lang="fr-FR" dirty="0" smtClean="0"/>
+              <a:t> 2)</a:t>
+            </a:r>
+            <a:endParaRPr lang="fr-FR" dirty="0"/>
+          </a:p>
+        </p:txBody>
+      </p:sp>
+      <p:cxnSp>
+        <p:nvCxnSpPr>
+          <p:cNvPr id="3" name="Connecteur droit avec flèche 2"/>
+          <p:cNvCxnSpPr>
+            <a:stCxn id="4" idx="2"/>
+            <a:endCxn id="12" idx="0"/>
+          </p:cNvCxnSpPr>
+          <p:nvPr/>
+        </p:nvCxnSpPr>
+        <p:spPr>
+          <a:xfrm>
+            <a:off x="4067944" y="2142148"/>
+            <a:ext cx="1734457" cy="1558335"/>
+          </a:xfrm>
+          <a:prstGeom prst="straightConnector1">
+            <a:avLst/>
+          </a:prstGeom>
+          <a:ln>
+            <a:solidFill>
+              <a:schemeClr val="tx1"/>
+            </a:solidFill>
+            <a:tailEnd type="arrow"/>
+          </a:ln>
+        </p:spPr>
+        <p:style>
+          <a:lnRef idx="1">
+            <a:schemeClr val="accent1"/>
+          </a:lnRef>
+          <a:fillRef idx="0">
+            <a:schemeClr val="accent1"/>
+          </a:fillRef>
+          <a:effectRef idx="0">
+            <a:schemeClr val="accent1"/>
+          </a:effectRef>
+          <a:fontRef idx="minor">
+            <a:schemeClr val="tx1"/>
+          </a:fontRef>
+        </p:style>
+      </p:cxnSp>
+      <p:sp>
+        <p:nvSpPr>
+          <p:cNvPr id="15" name="Rectangle 14"/>
+          <p:cNvSpPr/>
+          <p:nvPr/>
+        </p:nvSpPr>
+        <p:spPr>
+          <a:xfrm>
+            <a:off x="899592" y="4581128"/>
+            <a:ext cx="1224136" cy="432048"/>
+          </a:xfrm>
+          <a:prstGeom prst="rect">
+            <a:avLst/>
+          </a:prstGeom>
+        </p:spPr>
+        <p:style>
+          <a:lnRef idx="2">
+            <a:schemeClr val="accent1">
+              <a:shade val="50000"/>
+            </a:schemeClr>
+          </a:lnRef>
+          <a:fillRef idx="1">
+            <a:schemeClr val="accent1"/>
+          </a:fillRef>
+          <a:effectRef idx="0">
+            <a:schemeClr val="accent1"/>
+          </a:effectRef>
+          <a:fontRef idx="minor">
+            <a:schemeClr val="lt1"/>
+          </a:fontRef>
+        </p:style>
+        <p:txBody>
+          <a:bodyPr rtlCol="0" anchor="ctr"/>
+          <a:lstStyle/>
+          <a:p>
+            <a:pPr algn="ctr"/>
+            <a:r>
+              <a:rPr lang="fr-FR" dirty="0" err="1" smtClean="0"/>
+              <a:t>isPeer</a:t>
+            </a:r>
+            <a:r>
+              <a:rPr lang="fr-FR" dirty="0" smtClean="0"/>
+              <a:t>()</a:t>
+            </a:r>
+            <a:endParaRPr lang="fr-FR" dirty="0"/>
+          </a:p>
+        </p:txBody>
+      </p:sp>
+      <p:sp>
+        <p:nvSpPr>
+          <p:cNvPr id="16" name="Rectangle 15"/>
+          <p:cNvSpPr/>
+          <p:nvPr/>
+        </p:nvSpPr>
+        <p:spPr>
+          <a:xfrm>
+            <a:off x="7380312" y="4531607"/>
+            <a:ext cx="1224136" cy="432048"/>
+          </a:xfrm>
+          <a:prstGeom prst="rect">
+            <a:avLst/>
+          </a:prstGeom>
+        </p:spPr>
+        <p:style>
+          <a:lnRef idx="2">
+            <a:schemeClr val="accent1">
+              <a:shade val="50000"/>
+            </a:schemeClr>
+          </a:lnRef>
+          <a:fillRef idx="1">
+            <a:schemeClr val="accent1"/>
+          </a:fillRef>
+          <a:effectRef idx="0">
+            <a:schemeClr val="accent1"/>
+          </a:effectRef>
+          <a:fontRef idx="minor">
+            <a:schemeClr val="lt1"/>
+          </a:fontRef>
+        </p:style>
+        <p:txBody>
+          <a:bodyPr rtlCol="0" anchor="ctr"/>
+          <a:lstStyle/>
+          <a:p>
+            <a:pPr algn="ctr"/>
+            <a:r>
+              <a:rPr lang="fr-FR" dirty="0" err="1" smtClean="0"/>
+              <a:t>isSub</a:t>
+            </a:r>
+            <a:r>
+              <a:rPr lang="fr-FR" dirty="0" smtClean="0"/>
+              <a:t>()</a:t>
+            </a:r>
+            <a:endParaRPr lang="fr-FR" dirty="0"/>
+          </a:p>
+        </p:txBody>
+      </p:sp>
+      <p:sp>
+        <p:nvSpPr>
+          <p:cNvPr id="19" name="Rectangle 18"/>
+          <p:cNvSpPr/>
+          <p:nvPr/>
+        </p:nvSpPr>
+        <p:spPr>
+          <a:xfrm>
+            <a:off x="3527374" y="4581128"/>
+            <a:ext cx="1224136" cy="853554"/>
+          </a:xfrm>
+          <a:prstGeom prst="rect">
+            <a:avLst/>
+          </a:prstGeom>
+        </p:spPr>
+        <p:style>
+          <a:lnRef idx="2">
+            <a:schemeClr val="accent1">
+              <a:shade val="50000"/>
+            </a:schemeClr>
+          </a:lnRef>
+          <a:fillRef idx="1">
+            <a:schemeClr val="accent1"/>
+          </a:fillRef>
+          <a:effectRef idx="0">
+            <a:schemeClr val="accent1"/>
+          </a:effectRef>
+          <a:fontRef idx="minor">
+            <a:schemeClr val="lt1"/>
+          </a:fontRef>
+        </p:style>
+        <p:txBody>
+          <a:bodyPr rtlCol="0" anchor="ctr"/>
+          <a:lstStyle/>
+          <a:p>
+            <a:pPr algn="ctr"/>
+            <a:r>
+              <a:rPr lang="fr-FR" dirty="0" err="1" smtClean="0"/>
+              <a:t>isPeer</a:t>
+            </a:r>
+            <a:r>
+              <a:rPr lang="fr-FR" dirty="0" smtClean="0"/>
+              <a:t>()</a:t>
+            </a:r>
+          </a:p>
+          <a:p>
+            <a:pPr algn="ctr"/>
+            <a:r>
+              <a:rPr lang="fr-FR" dirty="0" smtClean="0"/>
+              <a:t>Or </a:t>
+            </a:r>
+          </a:p>
+          <a:p>
+            <a:pPr algn="ctr"/>
+            <a:r>
+              <a:rPr lang="fr-FR" dirty="0" err="1" smtClean="0"/>
+              <a:t>isDom</a:t>
+            </a:r>
+            <a:r>
+              <a:rPr lang="fr-FR" dirty="0" smtClean="0"/>
+              <a:t>()</a:t>
+            </a:r>
+            <a:endParaRPr lang="fr-FR" dirty="0"/>
+          </a:p>
+        </p:txBody>
+      </p:sp>
     </p:spTree>
     <p:extLst>
       <p:ext uri="{BB962C8B-B14F-4D97-AF65-F5344CB8AC3E}">
